--- a/reference_content/Slides/boosting.pptx
+++ b/reference_content/Slides/boosting.pptx
@@ -9,41 +9,47 @@
     <p:sldId id="256" r:id="rId3"/>
     <p:sldId id="284" r:id="rId4"/>
     <p:sldId id="285" r:id="rId5"/>
-    <p:sldId id="257" r:id="rId6"/>
-    <p:sldId id="267" r:id="rId7"/>
-    <p:sldId id="258" r:id="rId8"/>
-    <p:sldId id="286" r:id="rId9"/>
-    <p:sldId id="268" r:id="rId10"/>
-    <p:sldId id="270" r:id="rId11"/>
-    <p:sldId id="259" r:id="rId12"/>
-    <p:sldId id="261" r:id="rId13"/>
-    <p:sldId id="287" r:id="rId14"/>
-    <p:sldId id="260" r:id="rId15"/>
-    <p:sldId id="269" r:id="rId16"/>
-    <p:sldId id="274" r:id="rId17"/>
-    <p:sldId id="281" r:id="rId18"/>
-    <p:sldId id="289" r:id="rId19"/>
-    <p:sldId id="262" r:id="rId20"/>
-    <p:sldId id="275" r:id="rId21"/>
-    <p:sldId id="276" r:id="rId22"/>
-    <p:sldId id="277" r:id="rId23"/>
-    <p:sldId id="278" r:id="rId24"/>
-    <p:sldId id="279" r:id="rId25"/>
-    <p:sldId id="266" r:id="rId26"/>
-    <p:sldId id="271" r:id="rId27"/>
-    <p:sldId id="290" r:id="rId28"/>
-    <p:sldId id="273" r:id="rId29"/>
-    <p:sldId id="288" r:id="rId30"/>
-    <p:sldId id="263" r:id="rId31"/>
-    <p:sldId id="282" r:id="rId32"/>
-    <p:sldId id="283" r:id="rId33"/>
-    <p:sldId id="265" r:id="rId34"/>
-    <p:sldId id="272" r:id="rId35"/>
-    <p:sldId id="264" r:id="rId36"/>
-    <p:sldId id="291" r:id="rId37"/>
-    <p:sldId id="292" r:id="rId38"/>
-    <p:sldId id="293" r:id="rId39"/>
-    <p:sldId id="294" r:id="rId40"/>
+    <p:sldId id="295" r:id="rId6"/>
+    <p:sldId id="257" r:id="rId7"/>
+    <p:sldId id="267" r:id="rId8"/>
+    <p:sldId id="296" r:id="rId9"/>
+    <p:sldId id="258" r:id="rId10"/>
+    <p:sldId id="286" r:id="rId11"/>
+    <p:sldId id="268" r:id="rId12"/>
+    <p:sldId id="298" r:id="rId13"/>
+    <p:sldId id="270" r:id="rId14"/>
+    <p:sldId id="259" r:id="rId15"/>
+    <p:sldId id="261" r:id="rId16"/>
+    <p:sldId id="297" r:id="rId17"/>
+    <p:sldId id="287" r:id="rId18"/>
+    <p:sldId id="260" r:id="rId19"/>
+    <p:sldId id="269" r:id="rId20"/>
+    <p:sldId id="274" r:id="rId21"/>
+    <p:sldId id="281" r:id="rId22"/>
+    <p:sldId id="289" r:id="rId23"/>
+    <p:sldId id="300" r:id="rId24"/>
+    <p:sldId id="262" r:id="rId25"/>
+    <p:sldId id="275" r:id="rId26"/>
+    <p:sldId id="276" r:id="rId27"/>
+    <p:sldId id="277" r:id="rId28"/>
+    <p:sldId id="278" r:id="rId29"/>
+    <p:sldId id="279" r:id="rId30"/>
+    <p:sldId id="266" r:id="rId31"/>
+    <p:sldId id="271" r:id="rId32"/>
+    <p:sldId id="291" r:id="rId33"/>
+    <p:sldId id="292" r:id="rId34"/>
+    <p:sldId id="293" r:id="rId35"/>
+    <p:sldId id="294" r:id="rId36"/>
+    <p:sldId id="290" r:id="rId37"/>
+    <p:sldId id="273" r:id="rId38"/>
+    <p:sldId id="288" r:id="rId39"/>
+    <p:sldId id="299" r:id="rId40"/>
+    <p:sldId id="263" r:id="rId41"/>
+    <p:sldId id="282" r:id="rId42"/>
+    <p:sldId id="283" r:id="rId43"/>
+    <p:sldId id="265" r:id="rId44"/>
+    <p:sldId id="272" r:id="rId45"/>
+    <p:sldId id="264" r:id="rId46"/>
   </p:sldIdLst>
   <p:sldSz cx="12192000" cy="6858000"/>
   <p:notesSz cx="6858000" cy="9144000"/>
@@ -289,7 +295,7 @@
           <a:p>
             <a:fld id="{04F0A946-11EB-B647-99B9-46EA253E02C0}" type="datetimeFigureOut">
               <a:rPr lang="en-US" smtClean="0"/>
-              <a:t>3/21/24</a:t>
+              <a:t>3/11/25</a:t>
             </a:fld>
             <a:endParaRPr lang="en-US"/>
           </a:p>
@@ -500,7 +506,7 @@
           <a:p>
             <a:fld id="{04F0A946-11EB-B647-99B9-46EA253E02C0}" type="datetimeFigureOut">
               <a:rPr lang="en-US" smtClean="0"/>
-              <a:t>3/21/24</a:t>
+              <a:t>3/11/25</a:t>
             </a:fld>
             <a:endParaRPr lang="en-US"/>
           </a:p>
@@ -715,7 +721,7 @@
           <a:p>
             <a:fld id="{04F0A946-11EB-B647-99B9-46EA253E02C0}" type="datetimeFigureOut">
               <a:rPr lang="en-US" smtClean="0"/>
-              <a:t>3/21/24</a:t>
+              <a:t>3/11/25</a:t>
             </a:fld>
             <a:endParaRPr lang="en-US"/>
           </a:p>
@@ -916,7 +922,7 @@
           <a:p>
             <a:fld id="{04F0A946-11EB-B647-99B9-46EA253E02C0}" type="datetimeFigureOut">
               <a:rPr lang="en-US" smtClean="0"/>
-              <a:t>3/21/24</a:t>
+              <a:t>3/11/25</a:t>
             </a:fld>
             <a:endParaRPr lang="en-US"/>
           </a:p>
@@ -1195,7 +1201,7 @@
           <a:p>
             <a:fld id="{04F0A946-11EB-B647-99B9-46EA253E02C0}" type="datetimeFigureOut">
               <a:rPr lang="en-US" smtClean="0"/>
-              <a:t>3/21/24</a:t>
+              <a:t>3/11/25</a:t>
             </a:fld>
             <a:endParaRPr lang="en-US"/>
           </a:p>
@@ -1463,7 +1469,7 @@
           <a:p>
             <a:fld id="{04F0A946-11EB-B647-99B9-46EA253E02C0}" type="datetimeFigureOut">
               <a:rPr lang="en-US" smtClean="0"/>
-              <a:t>3/21/24</a:t>
+              <a:t>3/11/25</a:t>
             </a:fld>
             <a:endParaRPr lang="en-US"/>
           </a:p>
@@ -1879,7 +1885,7 @@
           <a:p>
             <a:fld id="{04F0A946-11EB-B647-99B9-46EA253E02C0}" type="datetimeFigureOut">
               <a:rPr lang="en-US" smtClean="0"/>
-              <a:t>3/21/24</a:t>
+              <a:t>3/11/25</a:t>
             </a:fld>
             <a:endParaRPr lang="en-US"/>
           </a:p>
@@ -2028,7 +2034,7 @@
           <a:p>
             <a:fld id="{04F0A946-11EB-B647-99B9-46EA253E02C0}" type="datetimeFigureOut">
               <a:rPr lang="en-US" smtClean="0"/>
-              <a:t>3/21/24</a:t>
+              <a:t>3/11/25</a:t>
             </a:fld>
             <a:endParaRPr lang="en-US"/>
           </a:p>
@@ -2154,7 +2160,7 @@
           <a:p>
             <a:fld id="{04F0A946-11EB-B647-99B9-46EA253E02C0}" type="datetimeFigureOut">
               <a:rPr lang="en-US" smtClean="0"/>
-              <a:t>3/21/24</a:t>
+              <a:t>3/11/25</a:t>
             </a:fld>
             <a:endParaRPr lang="en-US"/>
           </a:p>
@@ -2405,7 +2411,7 @@
           <a:p>
             <a:fld id="{04F0A946-11EB-B647-99B9-46EA253E02C0}" type="datetimeFigureOut">
               <a:rPr lang="en-US" smtClean="0"/>
-              <a:t>3/21/24</a:t>
+              <a:t>3/11/25</a:t>
             </a:fld>
             <a:endParaRPr lang="en-US"/>
           </a:p>
@@ -2850,7 +2856,7 @@
           <a:p>
             <a:fld id="{04F0A946-11EB-B647-99B9-46EA253E02C0}" type="datetimeFigureOut">
               <a:rPr lang="en-US" smtClean="0"/>
-              <a:t>3/21/24</a:t>
+              <a:t>3/11/25</a:t>
             </a:fld>
             <a:endParaRPr lang="en-US"/>
           </a:p>
@@ -3177,7 +3183,7 @@
           <a:p>
             <a:fld id="{04F0A946-11EB-B647-99B9-46EA253E02C0}" type="datetimeFigureOut">
               <a:rPr lang="en-US" smtClean="0"/>
-              <a:t>3/21/24</a:t>
+              <a:t>3/11/25</a:t>
             </a:fld>
             <a:endParaRPr lang="en-US"/>
           </a:p>
@@ -3709,12 +3715,14 @@
         </p:nvSpPr>
         <p:spPr>
           <a:xfrm>
-            <a:off x="1451579" y="1928192"/>
-            <a:ext cx="9603275" cy="4125290"/>
+            <a:off x="1451579" y="1853754"/>
+            <a:ext cx="9603275" cy="4199728"/>
           </a:xfrm>
         </p:spPr>
         <p:txBody>
-          <a:bodyPr/>
+          <a:bodyPr>
+            <a:normAutofit/>
+          </a:bodyPr>
           <a:lstStyle/>
           <a:p>
             <a:r>
@@ -3726,7 +3734,21 @@
             <a:pPr lvl="1"/>
             <a:r>
               <a:rPr lang="en-US" dirty="0"/>
-              <a:t>Boosted ensembles.</a:t>
+              <a:t>Boosted ensembles (roughly pg. 90 in </a:t>
+            </a:r>
+            <a:r>
+              <a:rPr lang="en-US" dirty="0" err="1"/>
+              <a:t>ItML</a:t>
+            </a:r>
+            <a:r>
+              <a:rPr lang="en-US" dirty="0"/>
+              <a:t>) </a:t>
+            </a:r>
+          </a:p>
+          <a:p>
+            <a:r>
+              <a:rPr lang="en-US" dirty="0"/>
+              <a:t>Time series – we’ll wrap that stuff in with neural network time series modelling. </a:t>
             </a:r>
           </a:p>
           <a:p>
@@ -3739,7 +3761,7 @@
             <a:pPr lvl="1"/>
             <a:r>
               <a:rPr lang="en-US" dirty="0"/>
-              <a:t>Predictive model type and their use – classification, regression, clustering, time series. </a:t>
+              <a:t>Predictive model type and their use – classification, regression, clustering. </a:t>
             </a:r>
           </a:p>
           <a:p>
@@ -3769,7 +3791,7 @@
             <a:pPr lvl="1"/>
             <a:r>
               <a:rPr lang="en-US" dirty="0"/>
-              <a:t>Creating and evaluating models – HP tuning, results, comparing models. </a:t>
+              <a:t>Creating and evaluating models – HP tuning, results, comparing models, feature selection. </a:t>
             </a:r>
           </a:p>
           <a:p>
@@ -3801,6 +3823,422 @@
 </file>
 
 <file path=ppt/slides/slide10.xml><?xml version="1.0" encoding="utf-8"?>
+<p:sld xmlns:a="http://schemas.openxmlformats.org/drawingml/2006/main" xmlns:r="http://schemas.openxmlformats.org/officeDocument/2006/relationships" xmlns:p="http://schemas.openxmlformats.org/presentationml/2006/main">
+  <p:cSld>
+    <p:spTree>
+      <p:nvGrpSpPr>
+        <p:cNvPr id="1" name=""/>
+        <p:cNvGrpSpPr/>
+        <p:nvPr/>
+      </p:nvGrpSpPr>
+      <p:grpSpPr>
+        <a:xfrm>
+          <a:off x="0" y="0"/>
+          <a:ext cx="0" cy="0"/>
+          <a:chOff x="0" y="0"/>
+          <a:chExt cx="0" cy="0"/>
+        </a:xfrm>
+      </p:grpSpPr>
+      <p:sp>
+        <p:nvSpPr>
+          <p:cNvPr id="2" name="Title 1">
+            <a:extLst>
+              <a:ext uri="{FF2B5EF4-FFF2-40B4-BE49-F238E27FC236}">
+                <a16:creationId xmlns:a16="http://schemas.microsoft.com/office/drawing/2014/main" id="{2FFC481B-D2BB-A0CC-D911-BB0B8735E5B0}"/>
+              </a:ext>
+            </a:extLst>
+          </p:cNvPr>
+          <p:cNvSpPr>
+            <a:spLocks noGrp="1"/>
+          </p:cNvSpPr>
+          <p:nvPr>
+            <p:ph type="title"/>
+          </p:nvPr>
+        </p:nvSpPr>
+        <p:spPr/>
+        <p:txBody>
+          <a:bodyPr/>
+          <a:lstStyle/>
+          <a:p>
+            <a:r>
+              <a:rPr lang="en-US" dirty="0"/>
+              <a:t>Weak benefits</a:t>
+            </a:r>
+          </a:p>
+        </p:txBody>
+      </p:sp>
+      <p:sp>
+        <p:nvSpPr>
+          <p:cNvPr id="3" name="Content Placeholder 2">
+            <a:extLst>
+              <a:ext uri="{FF2B5EF4-FFF2-40B4-BE49-F238E27FC236}">
+                <a16:creationId xmlns:a16="http://schemas.microsoft.com/office/drawing/2014/main" id="{E16EB559-E81A-3A13-AA68-23DC9A761E51}"/>
+              </a:ext>
+            </a:extLst>
+          </p:cNvPr>
+          <p:cNvSpPr>
+            <a:spLocks noGrp="1"/>
+          </p:cNvSpPr>
+          <p:nvPr>
+            <p:ph idx="1"/>
+          </p:nvPr>
+        </p:nvSpPr>
+        <p:spPr>
+          <a:xfrm>
+            <a:off x="1451579" y="1853754"/>
+            <a:ext cx="9603275" cy="3612591"/>
+          </a:xfrm>
+        </p:spPr>
+        <p:txBody>
+          <a:bodyPr/>
+          <a:lstStyle/>
+          <a:p>
+            <a:r>
+              <a:rPr lang="en-US" dirty="0"/>
+              <a:t>They are fast. </a:t>
+            </a:r>
+          </a:p>
+          <a:p>
+            <a:r>
+              <a:rPr lang="en-US" dirty="0"/>
+              <a:t>They won’t overfit. </a:t>
+            </a:r>
+          </a:p>
+          <a:p>
+            <a:pPr lvl="1"/>
+            <a:r>
+              <a:rPr lang="en-US" dirty="0"/>
+              <a:t>Think of a tree – one with only 2 levels can only make decisions based on a couple of things. It lacks the ability to adapt enough to training data to overfit. </a:t>
+            </a:r>
+          </a:p>
+        </p:txBody>
+      </p:sp>
+      <p:pic>
+        <p:nvPicPr>
+          <p:cNvPr id="4098" name="Picture 2" descr="Lecture 12: Bias Variance Tradeoff">
+            <a:extLst>
+              <a:ext uri="{FF2B5EF4-FFF2-40B4-BE49-F238E27FC236}">
+                <a16:creationId xmlns:a16="http://schemas.microsoft.com/office/drawing/2014/main" id="{26BB8FEC-49E8-363F-5429-E93B66C0F5A1}"/>
+              </a:ext>
+            </a:extLst>
+          </p:cNvPr>
+          <p:cNvPicPr>
+            <a:picLocks noChangeAspect="1" noChangeArrowheads="1"/>
+          </p:cNvPicPr>
+          <p:nvPr/>
+        </p:nvPicPr>
+        <p:blipFill>
+          <a:blip r:embed="rId2">
+            <a:extLst>
+              <a:ext uri="{28A0092B-C50C-407E-A947-70E740481C1C}">
+                <a14:useLocalDpi xmlns:a14="http://schemas.microsoft.com/office/drawing/2010/main" val="0"/>
+              </a:ext>
+            </a:extLst>
+          </a:blip>
+          <a:srcRect/>
+          <a:stretch>
+            <a:fillRect/>
+          </a:stretch>
+        </p:blipFill>
+        <p:spPr bwMode="auto">
+          <a:xfrm>
+            <a:off x="4056479" y="4086687"/>
+            <a:ext cx="4393474" cy="2759316"/>
+          </a:xfrm>
+          <a:prstGeom prst="rect">
+            <a:avLst/>
+          </a:prstGeom>
+          <a:noFill/>
+          <a:extLst>
+            <a:ext uri="{909E8E84-426E-40DD-AFC4-6F175D3DCCD1}">
+              <a14:hiddenFill xmlns:a14="http://schemas.microsoft.com/office/drawing/2010/main">
+                <a:solidFill>
+                  <a:srgbClr val="FFFFFF"/>
+                </a:solidFill>
+              </a14:hiddenFill>
+            </a:ext>
+          </a:extLst>
+        </p:spPr>
+      </p:pic>
+    </p:spTree>
+    <p:extLst>
+      <p:ext uri="{BB962C8B-B14F-4D97-AF65-F5344CB8AC3E}">
+        <p14:creationId xmlns:p14="http://schemas.microsoft.com/office/powerpoint/2010/main" val="3057026416"/>
+      </p:ext>
+    </p:extLst>
+  </p:cSld>
+  <p:clrMapOvr>
+    <a:masterClrMapping/>
+  </p:clrMapOvr>
+</p:sld>
+</file>
+
+<file path=ppt/slides/slide11.xml><?xml version="1.0" encoding="utf-8"?>
+<p:sld xmlns:a="http://schemas.openxmlformats.org/drawingml/2006/main" xmlns:r="http://schemas.openxmlformats.org/officeDocument/2006/relationships" xmlns:p="http://schemas.openxmlformats.org/presentationml/2006/main">
+  <p:cSld>
+    <p:spTree>
+      <p:nvGrpSpPr>
+        <p:cNvPr id="1" name=""/>
+        <p:cNvGrpSpPr/>
+        <p:nvPr/>
+      </p:nvGrpSpPr>
+      <p:grpSpPr>
+        <a:xfrm>
+          <a:off x="0" y="0"/>
+          <a:ext cx="0" cy="0"/>
+          <a:chOff x="0" y="0"/>
+          <a:chExt cx="0" cy="0"/>
+        </a:xfrm>
+      </p:grpSpPr>
+      <p:sp>
+        <p:nvSpPr>
+          <p:cNvPr id="2" name="Title 1">
+            <a:extLst>
+              <a:ext uri="{FF2B5EF4-FFF2-40B4-BE49-F238E27FC236}">
+                <a16:creationId xmlns:a16="http://schemas.microsoft.com/office/drawing/2014/main" id="{43BB6995-CCCC-6041-87EE-F28BC90619EB}"/>
+              </a:ext>
+            </a:extLst>
+          </p:cNvPr>
+          <p:cNvSpPr>
+            <a:spLocks noGrp="1"/>
+          </p:cNvSpPr>
+          <p:nvPr>
+            <p:ph type="title"/>
+          </p:nvPr>
+        </p:nvSpPr>
+        <p:spPr/>
+        <p:txBody>
+          <a:bodyPr/>
+          <a:lstStyle/>
+          <a:p>
+            <a:r>
+              <a:rPr lang="en-US" dirty="0"/>
+              <a:t>From Weak to Strong</a:t>
+            </a:r>
+          </a:p>
+        </p:txBody>
+      </p:sp>
+      <p:sp>
+        <p:nvSpPr>
+          <p:cNvPr id="3" name="Content Placeholder 2">
+            <a:extLst>
+              <a:ext uri="{FF2B5EF4-FFF2-40B4-BE49-F238E27FC236}">
+                <a16:creationId xmlns:a16="http://schemas.microsoft.com/office/drawing/2014/main" id="{0FF87519-AF29-8146-B158-D076F361F1E0}"/>
+              </a:ext>
+            </a:extLst>
+          </p:cNvPr>
+          <p:cNvSpPr>
+            <a:spLocks noGrp="1"/>
+          </p:cNvSpPr>
+          <p:nvPr>
+            <p:ph idx="1"/>
+          </p:nvPr>
+        </p:nvSpPr>
+        <p:spPr>
+          <a:xfrm>
+            <a:off x="1451579" y="1853754"/>
+            <a:ext cx="9603275" cy="4199727"/>
+          </a:xfrm>
+        </p:spPr>
+        <p:txBody>
+          <a:bodyPr>
+            <a:normAutofit fontScale="92500"/>
+          </a:bodyPr>
+          <a:lstStyle/>
+          <a:p>
+            <a:r>
+              <a:rPr lang="en-US" sz="2400" dirty="0"/>
+              <a:t>Boosting algorithms create a strong learner from many weak ones. </a:t>
+            </a:r>
+          </a:p>
+          <a:p>
+            <a:r>
+              <a:rPr lang="en-US" sz="2400" dirty="0"/>
+              <a:t>Each learner contributes a little, subsequent ones focus on the mistakes. </a:t>
+            </a:r>
+          </a:p>
+          <a:p>
+            <a:r>
+              <a:rPr lang="en-US" sz="2400" dirty="0"/>
+              <a:t>Each learner does a slightly different thing, compensating others’ weaknesses. </a:t>
+            </a:r>
+          </a:p>
+          <a:p>
+            <a:pPr lvl="1"/>
+            <a:r>
+              <a:rPr lang="en-US" sz="2200" dirty="0"/>
+              <a:t>One model doesn’t “learn everything”, so they don’t overfit. </a:t>
+            </a:r>
+          </a:p>
+          <a:p>
+            <a:r>
+              <a:rPr lang="en-US" sz="2400" dirty="0"/>
+              <a:t>Boosted models:</a:t>
+            </a:r>
+          </a:p>
+          <a:p>
+            <a:pPr lvl="1"/>
+            <a:r>
+              <a:rPr lang="en-US" sz="2000" dirty="0"/>
+              <a:t>Provide ability to capture variance with many “steps” – i.e. each model. </a:t>
+            </a:r>
+          </a:p>
+          <a:p>
+            <a:pPr lvl="1"/>
+            <a:r>
+              <a:rPr lang="en-US" sz="2000" dirty="0"/>
+              <a:t>Prevent excessive overfitting by having simple models, and targeting current error. </a:t>
+            </a:r>
+          </a:p>
+          <a:p>
+            <a:r>
+              <a:rPr lang="en-US" sz="2400" dirty="0"/>
+              <a:t>New boosted models (within last 10 year or so) are very good. </a:t>
+            </a:r>
+          </a:p>
+        </p:txBody>
+      </p:sp>
+    </p:spTree>
+    <p:extLst>
+      <p:ext uri="{BB962C8B-B14F-4D97-AF65-F5344CB8AC3E}">
+        <p14:creationId xmlns:p14="http://schemas.microsoft.com/office/powerpoint/2010/main" val="2106624626"/>
+      </p:ext>
+    </p:extLst>
+  </p:cSld>
+  <p:clrMapOvr>
+    <a:masterClrMapping/>
+  </p:clrMapOvr>
+</p:sld>
+</file>
+
+<file path=ppt/slides/slide12.xml><?xml version="1.0" encoding="utf-8"?>
+<p:sld xmlns:a="http://schemas.openxmlformats.org/drawingml/2006/main" xmlns:r="http://schemas.openxmlformats.org/officeDocument/2006/relationships" xmlns:p="http://schemas.openxmlformats.org/presentationml/2006/main">
+  <p:cSld>
+    <p:spTree>
+      <p:nvGrpSpPr>
+        <p:cNvPr id="1" name=""/>
+        <p:cNvGrpSpPr/>
+        <p:nvPr/>
+      </p:nvGrpSpPr>
+      <p:grpSpPr>
+        <a:xfrm>
+          <a:off x="0" y="0"/>
+          <a:ext cx="0" cy="0"/>
+          <a:chOff x="0" y="0"/>
+          <a:chExt cx="0" cy="0"/>
+        </a:xfrm>
+      </p:grpSpPr>
+      <p:sp>
+        <p:nvSpPr>
+          <p:cNvPr id="2" name="Title 1">
+            <a:extLst>
+              <a:ext uri="{FF2B5EF4-FFF2-40B4-BE49-F238E27FC236}">
+                <a16:creationId xmlns:a16="http://schemas.microsoft.com/office/drawing/2014/main" id="{8211D6C9-AB11-9557-3657-D57C52F28C5E}"/>
+              </a:ext>
+            </a:extLst>
+          </p:cNvPr>
+          <p:cNvSpPr>
+            <a:spLocks noGrp="1"/>
+          </p:cNvSpPr>
+          <p:nvPr>
+            <p:ph type="title"/>
+          </p:nvPr>
+        </p:nvSpPr>
+        <p:spPr/>
+        <p:txBody>
+          <a:bodyPr/>
+          <a:lstStyle/>
+          <a:p>
+            <a:endParaRPr lang="en-US"/>
+          </a:p>
+        </p:txBody>
+      </p:sp>
+      <p:sp>
+        <p:nvSpPr>
+          <p:cNvPr id="3" name="Content Placeholder 2">
+            <a:extLst>
+              <a:ext uri="{FF2B5EF4-FFF2-40B4-BE49-F238E27FC236}">
+                <a16:creationId xmlns:a16="http://schemas.microsoft.com/office/drawing/2014/main" id="{9D1CD39C-9E59-AA38-491E-83AF4A896003}"/>
+              </a:ext>
+            </a:extLst>
+          </p:cNvPr>
+          <p:cNvSpPr>
+            <a:spLocks noGrp="1"/>
+          </p:cNvSpPr>
+          <p:nvPr>
+            <p:ph idx="1"/>
+          </p:nvPr>
+        </p:nvSpPr>
+        <p:spPr/>
+        <p:txBody>
+          <a:bodyPr/>
+          <a:lstStyle/>
+          <a:p>
+            <a:endParaRPr lang="en-US"/>
+          </a:p>
+        </p:txBody>
+      </p:sp>
+      <p:pic>
+        <p:nvPicPr>
+          <p:cNvPr id="3074" name="Picture 2" descr="General diagram of Adaboost classifier | Download Scientific Diagram">
+            <a:extLst>
+              <a:ext uri="{FF2B5EF4-FFF2-40B4-BE49-F238E27FC236}">
+                <a16:creationId xmlns:a16="http://schemas.microsoft.com/office/drawing/2014/main" id="{544071B8-793A-362A-EABF-DC4C277804BD}"/>
+              </a:ext>
+            </a:extLst>
+          </p:cNvPr>
+          <p:cNvPicPr>
+            <a:picLocks noChangeAspect="1" noChangeArrowheads="1"/>
+          </p:cNvPicPr>
+          <p:nvPr/>
+        </p:nvPicPr>
+        <p:blipFill>
+          <a:blip r:embed="rId2">
+            <a:extLst>
+              <a:ext uri="{28A0092B-C50C-407E-A947-70E740481C1C}">
+                <a14:useLocalDpi xmlns:a14="http://schemas.microsoft.com/office/drawing/2010/main" val="0"/>
+              </a:ext>
+            </a:extLst>
+          </a:blip>
+          <a:srcRect/>
+          <a:stretch>
+            <a:fillRect/>
+          </a:stretch>
+        </p:blipFill>
+        <p:spPr bwMode="auto">
+          <a:xfrm>
+            <a:off x="698500" y="76200"/>
+            <a:ext cx="10795000" cy="6705600"/>
+          </a:xfrm>
+          <a:prstGeom prst="rect">
+            <a:avLst/>
+          </a:prstGeom>
+          <a:noFill/>
+          <a:extLst>
+            <a:ext uri="{909E8E84-426E-40DD-AFC4-6F175D3DCCD1}">
+              <a14:hiddenFill xmlns:a14="http://schemas.microsoft.com/office/drawing/2010/main">
+                <a:solidFill>
+                  <a:srgbClr val="FFFFFF"/>
+                </a:solidFill>
+              </a14:hiddenFill>
+            </a:ext>
+          </a:extLst>
+        </p:spPr>
+      </p:pic>
+    </p:spTree>
+    <p:extLst>
+      <p:ext uri="{BB962C8B-B14F-4D97-AF65-F5344CB8AC3E}">
+        <p14:creationId xmlns:p14="http://schemas.microsoft.com/office/powerpoint/2010/main" val="181309754"/>
+      </p:ext>
+    </p:extLst>
+  </p:cSld>
+  <p:clrMapOvr>
+    <a:masterClrMapping/>
+  </p:clrMapOvr>
+</p:sld>
+</file>
+
+<file path=ppt/slides/slide13.xml><?xml version="1.0" encoding="utf-8"?>
 <p:sld xmlns:a="http://schemas.openxmlformats.org/drawingml/2006/main" xmlns:r="http://schemas.openxmlformats.org/officeDocument/2006/relationships" xmlns:p="http://schemas.openxmlformats.org/presentationml/2006/main">
   <p:cSld>
     <p:bg>
@@ -4133,398 +4571,6 @@
 </p:sld>
 </file>
 
-<file path=ppt/slides/slide11.xml><?xml version="1.0" encoding="utf-8"?>
-<p:sld xmlns:a="http://schemas.openxmlformats.org/drawingml/2006/main" xmlns:r="http://schemas.openxmlformats.org/officeDocument/2006/relationships" xmlns:p="http://schemas.openxmlformats.org/presentationml/2006/main">
-  <p:cSld>
-    <p:spTree>
-      <p:nvGrpSpPr>
-        <p:cNvPr id="1" name=""/>
-        <p:cNvGrpSpPr/>
-        <p:nvPr/>
-      </p:nvGrpSpPr>
-      <p:grpSpPr>
-        <a:xfrm>
-          <a:off x="0" y="0"/>
-          <a:ext cx="0" cy="0"/>
-          <a:chOff x="0" y="0"/>
-          <a:chExt cx="0" cy="0"/>
-        </a:xfrm>
-      </p:grpSpPr>
-      <p:sp>
-        <p:nvSpPr>
-          <p:cNvPr id="2" name="Title 1">
-            <a:extLst>
-              <a:ext uri="{FF2B5EF4-FFF2-40B4-BE49-F238E27FC236}">
-                <a16:creationId xmlns:a16="http://schemas.microsoft.com/office/drawing/2014/main" id="{D0C40941-8A71-7147-AF6E-BB94DDC1246B}"/>
-              </a:ext>
-            </a:extLst>
-          </p:cNvPr>
-          <p:cNvSpPr>
-            <a:spLocks noGrp="1"/>
-          </p:cNvSpPr>
-          <p:nvPr>
-            <p:ph type="title"/>
-          </p:nvPr>
-        </p:nvSpPr>
-        <p:spPr/>
-        <p:txBody>
-          <a:bodyPr/>
-          <a:lstStyle/>
-          <a:p>
-            <a:r>
-              <a:rPr lang="en-US" dirty="0"/>
-              <a:t>Boosting Ensembles</a:t>
-            </a:r>
-          </a:p>
-        </p:txBody>
-      </p:sp>
-      <p:sp>
-        <p:nvSpPr>
-          <p:cNvPr id="3" name="Content Placeholder 2">
-            <a:extLst>
-              <a:ext uri="{FF2B5EF4-FFF2-40B4-BE49-F238E27FC236}">
-                <a16:creationId xmlns:a16="http://schemas.microsoft.com/office/drawing/2014/main" id="{C2F710A9-B2C3-554A-B61D-C9190873FB50}"/>
-              </a:ext>
-            </a:extLst>
-          </p:cNvPr>
-          <p:cNvSpPr>
-            <a:spLocks noGrp="1"/>
-          </p:cNvSpPr>
-          <p:nvPr>
-            <p:ph idx="1"/>
-          </p:nvPr>
-        </p:nvSpPr>
-        <p:spPr/>
-        <p:txBody>
-          <a:bodyPr/>
-          <a:lstStyle/>
-          <a:p>
-            <a:r>
-              <a:rPr lang="en-US" dirty="0"/>
-              <a:t>Boosting algorithms take a combination of weak learners and combine them. </a:t>
-            </a:r>
-          </a:p>
-          <a:p>
-            <a:pPr lvl="1"/>
-            <a:r>
-              <a:rPr lang="en-US" dirty="0"/>
-              <a:t>Result is a strong learner. </a:t>
-            </a:r>
-          </a:p>
-          <a:p>
-            <a:r>
-              <a:rPr lang="en-US" dirty="0"/>
-              <a:t>Each step (model) of a boosted algorithm makes the current predictions marginally better. </a:t>
-            </a:r>
-          </a:p>
-          <a:p>
-            <a:pPr lvl="1"/>
-            <a:r>
-              <a:rPr lang="en-US" dirty="0"/>
-              <a:t>Process is sequential – one comes after another. </a:t>
-            </a:r>
-          </a:p>
-          <a:p>
-            <a:r>
-              <a:rPr lang="en-US" dirty="0"/>
-              <a:t>Some of the currently most accurate non-neural network models are ensembles. </a:t>
-            </a:r>
-          </a:p>
-          <a:p>
-            <a:pPr lvl="1"/>
-            <a:r>
-              <a:rPr lang="en-US" dirty="0" err="1"/>
-              <a:t>Xgboost</a:t>
-            </a:r>
-            <a:r>
-              <a:rPr lang="en-US" dirty="0"/>
-              <a:t>, </a:t>
-            </a:r>
-            <a:r>
-              <a:rPr lang="en-US" dirty="0" err="1"/>
-              <a:t>lightgbm</a:t>
-            </a:r>
-            <a:r>
-              <a:rPr lang="en-US" dirty="0"/>
-              <a:t>, </a:t>
-            </a:r>
-            <a:r>
-              <a:rPr lang="en-US" dirty="0" err="1"/>
-              <a:t>etc</a:t>
-            </a:r>
-            <a:r>
-              <a:rPr lang="en-US" dirty="0"/>
-              <a:t>…</a:t>
-            </a:r>
-          </a:p>
-        </p:txBody>
-      </p:sp>
-    </p:spTree>
-    <p:extLst>
-      <p:ext uri="{BB962C8B-B14F-4D97-AF65-F5344CB8AC3E}">
-        <p14:creationId xmlns:p14="http://schemas.microsoft.com/office/powerpoint/2010/main" val="401829261"/>
-      </p:ext>
-    </p:extLst>
-  </p:cSld>
-  <p:clrMapOvr>
-    <a:masterClrMapping/>
-  </p:clrMapOvr>
-</p:sld>
-</file>
-
-<file path=ppt/slides/slide12.xml><?xml version="1.0" encoding="utf-8"?>
-<p:sld xmlns:a="http://schemas.openxmlformats.org/drawingml/2006/main" xmlns:r="http://schemas.openxmlformats.org/officeDocument/2006/relationships" xmlns:p="http://schemas.openxmlformats.org/presentationml/2006/main">
-  <p:cSld>
-    <p:spTree>
-      <p:nvGrpSpPr>
-        <p:cNvPr id="1" name=""/>
-        <p:cNvGrpSpPr/>
-        <p:nvPr/>
-      </p:nvGrpSpPr>
-      <p:grpSpPr>
-        <a:xfrm>
-          <a:off x="0" y="0"/>
-          <a:ext cx="0" cy="0"/>
-          <a:chOff x="0" y="0"/>
-          <a:chExt cx="0" cy="0"/>
-        </a:xfrm>
-      </p:grpSpPr>
-      <p:sp>
-        <p:nvSpPr>
-          <p:cNvPr id="2" name="Title 1">
-            <a:extLst>
-              <a:ext uri="{FF2B5EF4-FFF2-40B4-BE49-F238E27FC236}">
-                <a16:creationId xmlns:a16="http://schemas.microsoft.com/office/drawing/2014/main" id="{9C433BE5-B67E-9341-8765-70A34033B7E7}"/>
-              </a:ext>
-            </a:extLst>
-          </p:cNvPr>
-          <p:cNvSpPr>
-            <a:spLocks noGrp="1"/>
-          </p:cNvSpPr>
-          <p:nvPr>
-            <p:ph type="title"/>
-          </p:nvPr>
-        </p:nvSpPr>
-        <p:spPr/>
-        <p:txBody>
-          <a:bodyPr/>
-          <a:lstStyle/>
-          <a:p>
-            <a:r>
-              <a:rPr lang="en-US" dirty="0"/>
-              <a:t>Boosting Implementation</a:t>
-            </a:r>
-          </a:p>
-        </p:txBody>
-      </p:sp>
-      <p:sp>
-        <p:nvSpPr>
-          <p:cNvPr id="3" name="Content Placeholder 2">
-            <a:extLst>
-              <a:ext uri="{FF2B5EF4-FFF2-40B4-BE49-F238E27FC236}">
-                <a16:creationId xmlns:a16="http://schemas.microsoft.com/office/drawing/2014/main" id="{AADBB7E1-E00E-7148-AAF5-DC6B22E9FFFA}"/>
-              </a:ext>
-            </a:extLst>
-          </p:cNvPr>
-          <p:cNvSpPr>
-            <a:spLocks noGrp="1"/>
-          </p:cNvSpPr>
-          <p:nvPr>
-            <p:ph idx="1"/>
-          </p:nvPr>
-        </p:nvSpPr>
-        <p:spPr>
-          <a:xfrm>
-            <a:off x="1451579" y="2015732"/>
-            <a:ext cx="9603275" cy="4150892"/>
-          </a:xfrm>
-        </p:spPr>
-        <p:txBody>
-          <a:bodyPr/>
-          <a:lstStyle/>
-          <a:p>
-            <a:r>
-              <a:rPr lang="en-US" dirty="0"/>
-              <a:t>Like bagging, boosting can theoretically be used with many base estimators. </a:t>
-            </a:r>
-          </a:p>
-          <a:p>
-            <a:pPr lvl="1"/>
-            <a:r>
-              <a:rPr lang="en-US" dirty="0"/>
-              <a:t>Need to be fast, and not overfit. </a:t>
-            </a:r>
-          </a:p>
-          <a:p>
-            <a:pPr lvl="1"/>
-            <a:r>
-              <a:rPr lang="en-US" dirty="0"/>
-              <a:t>Trees are by far the most common estimators, and can do classification and regression. </a:t>
-            </a:r>
-          </a:p>
-          <a:p>
-            <a:r>
-              <a:rPr lang="en-US" dirty="0"/>
-              <a:t>Boosting generally reduces BOTH bias and variance. </a:t>
-            </a:r>
-          </a:p>
-          <a:p>
-            <a:pPr lvl="1"/>
-            <a:r>
-              <a:rPr lang="en-US" dirty="0"/>
-              <a:t>i.e. it is better fitted to data, but less likely to be overfitted. </a:t>
-            </a:r>
-          </a:p>
-          <a:p>
-            <a:pPr lvl="1"/>
-            <a:r>
-              <a:rPr lang="en-US" dirty="0"/>
-              <a:t>The base models won’t overfit, and the algorithms try to focus only on errors. </a:t>
-            </a:r>
-          </a:p>
-          <a:p>
-            <a:r>
-              <a:rPr lang="en-US" dirty="0"/>
-              <a:t>Boosting has a small risk of reducing performance, mostly on very noisy datasets. </a:t>
-            </a:r>
-          </a:p>
-          <a:p>
-            <a:pPr lvl="1"/>
-            <a:r>
-              <a:rPr lang="en-US" dirty="0"/>
-              <a:t>Bagging rarely hurts performance, but tends to have less benefit than boosting. </a:t>
-            </a:r>
-          </a:p>
-          <a:p>
-            <a:pPr lvl="1"/>
-            <a:r>
-              <a:rPr lang="en-US" dirty="0"/>
-              <a:t>(Roughly) noise can cause the model to try to correct the error of the “errors” (noise). </a:t>
-            </a:r>
-          </a:p>
-        </p:txBody>
-      </p:sp>
-    </p:spTree>
-    <p:extLst>
-      <p:ext uri="{BB962C8B-B14F-4D97-AF65-F5344CB8AC3E}">
-        <p14:creationId xmlns:p14="http://schemas.microsoft.com/office/powerpoint/2010/main" val="1832023836"/>
-      </p:ext>
-    </p:extLst>
-  </p:cSld>
-  <p:clrMapOvr>
-    <a:masterClrMapping/>
-  </p:clrMapOvr>
-</p:sld>
-</file>
-
-<file path=ppt/slides/slide13.xml><?xml version="1.0" encoding="utf-8"?>
-<p:sld xmlns:a="http://schemas.openxmlformats.org/drawingml/2006/main" xmlns:r="http://schemas.openxmlformats.org/officeDocument/2006/relationships" xmlns:p="http://schemas.openxmlformats.org/presentationml/2006/main">
-  <p:cSld>
-    <p:spTree>
-      <p:nvGrpSpPr>
-        <p:cNvPr id="1" name=""/>
-        <p:cNvGrpSpPr/>
-        <p:nvPr/>
-      </p:nvGrpSpPr>
-      <p:grpSpPr>
-        <a:xfrm>
-          <a:off x="0" y="0"/>
-          <a:ext cx="0" cy="0"/>
-          <a:chOff x="0" y="0"/>
-          <a:chExt cx="0" cy="0"/>
-        </a:xfrm>
-      </p:grpSpPr>
-      <p:sp>
-        <p:nvSpPr>
-          <p:cNvPr id="2" name="Title 1">
-            <a:extLst>
-              <a:ext uri="{FF2B5EF4-FFF2-40B4-BE49-F238E27FC236}">
-                <a16:creationId xmlns:a16="http://schemas.microsoft.com/office/drawing/2014/main" id="{772030B4-8CE8-29D6-43D6-93FEF45D2BC4}"/>
-              </a:ext>
-            </a:extLst>
-          </p:cNvPr>
-          <p:cNvSpPr>
-            <a:spLocks noGrp="1"/>
-          </p:cNvSpPr>
-          <p:nvPr>
-            <p:ph type="title"/>
-          </p:nvPr>
-        </p:nvSpPr>
-        <p:spPr/>
-        <p:txBody>
-          <a:bodyPr/>
-          <a:lstStyle/>
-          <a:p>
-            <a:r>
-              <a:rPr lang="en-US" dirty="0"/>
-              <a:t>Boosting Models</a:t>
-            </a:r>
-          </a:p>
-        </p:txBody>
-      </p:sp>
-      <p:sp>
-        <p:nvSpPr>
-          <p:cNvPr id="3" name="Content Placeholder 2">
-            <a:extLst>
-              <a:ext uri="{FF2B5EF4-FFF2-40B4-BE49-F238E27FC236}">
-                <a16:creationId xmlns:a16="http://schemas.microsoft.com/office/drawing/2014/main" id="{026FA893-41CA-0C07-C1FF-D85DBBFE82F9}"/>
-              </a:ext>
-            </a:extLst>
-          </p:cNvPr>
-          <p:cNvSpPr>
-            <a:spLocks noGrp="1"/>
-          </p:cNvSpPr>
-          <p:nvPr>
-            <p:ph idx="1"/>
-          </p:nvPr>
-        </p:nvSpPr>
-        <p:spPr/>
-        <p:txBody>
-          <a:bodyPr/>
-          <a:lstStyle/>
-          <a:p>
-            <a:r>
-              <a:rPr lang="en-US" dirty="0"/>
-              <a:t>There are many boosted models in existence, and common use. </a:t>
-            </a:r>
-          </a:p>
-          <a:p>
-            <a:r>
-              <a:rPr lang="en-US" dirty="0" err="1"/>
-              <a:t>Adaboost</a:t>
-            </a:r>
-            <a:r>
-              <a:rPr lang="en-US" dirty="0"/>
-              <a:t>. </a:t>
-            </a:r>
-          </a:p>
-          <a:p>
-            <a:r>
-              <a:rPr lang="en-US" dirty="0"/>
-              <a:t>Gradient boosting. </a:t>
-            </a:r>
-          </a:p>
-          <a:p>
-            <a:r>
-              <a:rPr lang="en-US" dirty="0"/>
-              <a:t>Extreme!!!!!! Gradient boosting. </a:t>
-            </a:r>
-          </a:p>
-        </p:txBody>
-      </p:sp>
-    </p:spTree>
-    <p:extLst>
-      <p:ext uri="{BB962C8B-B14F-4D97-AF65-F5344CB8AC3E}">
-        <p14:creationId xmlns:p14="http://schemas.microsoft.com/office/powerpoint/2010/main" val="218823155"/>
-      </p:ext>
-    </p:extLst>
-  </p:cSld>
-  <p:clrMapOvr>
-    <a:masterClrMapping/>
-  </p:clrMapOvr>
-</p:sld>
-</file>
-
 <file path=ppt/slides/slide14.xml><?xml version="1.0" encoding="utf-8"?>
 <p:sld xmlns:a="http://schemas.openxmlformats.org/drawingml/2006/main" xmlns:r="http://schemas.openxmlformats.org/officeDocument/2006/relationships" xmlns:p="http://schemas.openxmlformats.org/presentationml/2006/main">
   <p:cSld>
@@ -4547,6 +4593,537 @@
           <p:cNvPr id="2" name="Title 1">
             <a:extLst>
               <a:ext uri="{FF2B5EF4-FFF2-40B4-BE49-F238E27FC236}">
+                <a16:creationId xmlns:a16="http://schemas.microsoft.com/office/drawing/2014/main" id="{D0C40941-8A71-7147-AF6E-BB94DDC1246B}"/>
+              </a:ext>
+            </a:extLst>
+          </p:cNvPr>
+          <p:cNvSpPr>
+            <a:spLocks noGrp="1"/>
+          </p:cNvSpPr>
+          <p:nvPr>
+            <p:ph type="title"/>
+          </p:nvPr>
+        </p:nvSpPr>
+        <p:spPr/>
+        <p:txBody>
+          <a:bodyPr/>
+          <a:lstStyle/>
+          <a:p>
+            <a:r>
+              <a:rPr lang="en-US" dirty="0"/>
+              <a:t>Boosting Ensembles</a:t>
+            </a:r>
+          </a:p>
+        </p:txBody>
+      </p:sp>
+      <p:sp>
+        <p:nvSpPr>
+          <p:cNvPr id="3" name="Content Placeholder 2">
+            <a:extLst>
+              <a:ext uri="{FF2B5EF4-FFF2-40B4-BE49-F238E27FC236}">
+                <a16:creationId xmlns:a16="http://schemas.microsoft.com/office/drawing/2014/main" id="{C2F710A9-B2C3-554A-B61D-C9190873FB50}"/>
+              </a:ext>
+            </a:extLst>
+          </p:cNvPr>
+          <p:cNvSpPr>
+            <a:spLocks noGrp="1"/>
+          </p:cNvSpPr>
+          <p:nvPr>
+            <p:ph idx="1"/>
+          </p:nvPr>
+        </p:nvSpPr>
+        <p:spPr>
+          <a:xfrm>
+            <a:off x="1451579" y="2015732"/>
+            <a:ext cx="10004697" cy="4037749"/>
+          </a:xfrm>
+        </p:spPr>
+        <p:txBody>
+          <a:bodyPr/>
+          <a:lstStyle/>
+          <a:p>
+            <a:r>
+              <a:rPr lang="en-US" dirty="0"/>
+              <a:t>Boosting algorithms take a combination of weak learners and combine them. </a:t>
+            </a:r>
+          </a:p>
+          <a:p>
+            <a:pPr lvl="1"/>
+            <a:r>
+              <a:rPr lang="en-US" dirty="0"/>
+              <a:t>Result is a strong learner. </a:t>
+            </a:r>
+          </a:p>
+          <a:p>
+            <a:r>
+              <a:rPr lang="en-US" dirty="0"/>
+              <a:t>Each step (model) of a boosted algorithm makes the current predictions marginally better. </a:t>
+            </a:r>
+          </a:p>
+          <a:p>
+            <a:pPr lvl="1"/>
+            <a:r>
+              <a:rPr lang="en-US" dirty="0"/>
+              <a:t>Process is sequential – one comes after another. </a:t>
+            </a:r>
+          </a:p>
+          <a:p>
+            <a:pPr lvl="1"/>
+            <a:r>
+              <a:rPr lang="en-US" dirty="0"/>
+              <a:t>Each step is ‘targeted’ to focus on the things that the model has wrong, thus far. </a:t>
+            </a:r>
+          </a:p>
+          <a:p>
+            <a:r>
+              <a:rPr lang="en-US" dirty="0"/>
+              <a:t>Some of the currently most accurate non-neural network models are ensembles. </a:t>
+            </a:r>
+          </a:p>
+          <a:p>
+            <a:pPr lvl="1"/>
+            <a:r>
+              <a:rPr lang="en-US" dirty="0" err="1"/>
+              <a:t>Xgboost</a:t>
+            </a:r>
+            <a:r>
+              <a:rPr lang="en-US" dirty="0"/>
+              <a:t>, </a:t>
+            </a:r>
+            <a:r>
+              <a:rPr lang="en-US" dirty="0" err="1"/>
+              <a:t>lightgbm</a:t>
+            </a:r>
+            <a:r>
+              <a:rPr lang="en-US" dirty="0"/>
+              <a:t>, </a:t>
+            </a:r>
+            <a:r>
+              <a:rPr lang="en-US" dirty="0" err="1"/>
+              <a:t>etc</a:t>
+            </a:r>
+            <a:r>
+              <a:rPr lang="en-US" dirty="0"/>
+              <a:t>…</a:t>
+            </a:r>
+          </a:p>
+        </p:txBody>
+      </p:sp>
+    </p:spTree>
+    <p:extLst>
+      <p:ext uri="{BB962C8B-B14F-4D97-AF65-F5344CB8AC3E}">
+        <p14:creationId xmlns:p14="http://schemas.microsoft.com/office/powerpoint/2010/main" val="401829261"/>
+      </p:ext>
+    </p:extLst>
+  </p:cSld>
+  <p:clrMapOvr>
+    <a:masterClrMapping/>
+  </p:clrMapOvr>
+</p:sld>
+</file>
+
+<file path=ppt/slides/slide15.xml><?xml version="1.0" encoding="utf-8"?>
+<p:sld xmlns:a="http://schemas.openxmlformats.org/drawingml/2006/main" xmlns:r="http://schemas.openxmlformats.org/officeDocument/2006/relationships" xmlns:p="http://schemas.openxmlformats.org/presentationml/2006/main">
+  <p:cSld>
+    <p:spTree>
+      <p:nvGrpSpPr>
+        <p:cNvPr id="1" name=""/>
+        <p:cNvGrpSpPr/>
+        <p:nvPr/>
+      </p:nvGrpSpPr>
+      <p:grpSpPr>
+        <a:xfrm>
+          <a:off x="0" y="0"/>
+          <a:ext cx="0" cy="0"/>
+          <a:chOff x="0" y="0"/>
+          <a:chExt cx="0" cy="0"/>
+        </a:xfrm>
+      </p:grpSpPr>
+      <p:sp>
+        <p:nvSpPr>
+          <p:cNvPr id="2" name="Title 1">
+            <a:extLst>
+              <a:ext uri="{FF2B5EF4-FFF2-40B4-BE49-F238E27FC236}">
+                <a16:creationId xmlns:a16="http://schemas.microsoft.com/office/drawing/2014/main" id="{9C433BE5-B67E-9341-8765-70A34033B7E7}"/>
+              </a:ext>
+            </a:extLst>
+          </p:cNvPr>
+          <p:cNvSpPr>
+            <a:spLocks noGrp="1"/>
+          </p:cNvSpPr>
+          <p:nvPr>
+            <p:ph type="title"/>
+          </p:nvPr>
+        </p:nvSpPr>
+        <p:spPr/>
+        <p:txBody>
+          <a:bodyPr/>
+          <a:lstStyle/>
+          <a:p>
+            <a:r>
+              <a:rPr lang="en-US" dirty="0"/>
+              <a:t>Boosting Implementation</a:t>
+            </a:r>
+          </a:p>
+        </p:txBody>
+      </p:sp>
+      <p:sp>
+        <p:nvSpPr>
+          <p:cNvPr id="3" name="Content Placeholder 2">
+            <a:extLst>
+              <a:ext uri="{FF2B5EF4-FFF2-40B4-BE49-F238E27FC236}">
+                <a16:creationId xmlns:a16="http://schemas.microsoft.com/office/drawing/2014/main" id="{AADBB7E1-E00E-7148-AAF5-DC6B22E9FFFA}"/>
+              </a:ext>
+            </a:extLst>
+          </p:cNvPr>
+          <p:cNvSpPr>
+            <a:spLocks noGrp="1"/>
+          </p:cNvSpPr>
+          <p:nvPr>
+            <p:ph idx="1"/>
+          </p:nvPr>
+        </p:nvSpPr>
+        <p:spPr>
+          <a:xfrm>
+            <a:off x="1451579" y="2015732"/>
+            <a:ext cx="9603275" cy="4150892"/>
+          </a:xfrm>
+        </p:spPr>
+        <p:txBody>
+          <a:bodyPr/>
+          <a:lstStyle/>
+          <a:p>
+            <a:r>
+              <a:rPr lang="en-US" dirty="0"/>
+              <a:t>Like bagging, boosting can theoretically be used with many base estimators. </a:t>
+            </a:r>
+          </a:p>
+          <a:p>
+            <a:pPr lvl="1"/>
+            <a:r>
+              <a:rPr lang="en-US" dirty="0"/>
+              <a:t>Need to be fast, and not overfit. </a:t>
+            </a:r>
+          </a:p>
+          <a:p>
+            <a:pPr lvl="1"/>
+            <a:r>
+              <a:rPr lang="en-US" dirty="0"/>
+              <a:t>Trees are by far the most common estimators, and can do classification and regression. </a:t>
+            </a:r>
+          </a:p>
+          <a:p>
+            <a:r>
+              <a:rPr lang="en-US" dirty="0"/>
+              <a:t>Boosting generally reduces BOTH bias and variance. </a:t>
+            </a:r>
+          </a:p>
+          <a:p>
+            <a:pPr lvl="1"/>
+            <a:r>
+              <a:rPr lang="en-US" dirty="0"/>
+              <a:t>i.e. it is better fitted to data, but less likely to be overfitted. </a:t>
+            </a:r>
+          </a:p>
+          <a:p>
+            <a:pPr lvl="1"/>
+            <a:r>
+              <a:rPr lang="en-US" dirty="0"/>
+              <a:t>The base models won’t overfit, and the algorithms try to focus only on errors. </a:t>
+            </a:r>
+          </a:p>
+          <a:p>
+            <a:r>
+              <a:rPr lang="en-US" dirty="0"/>
+              <a:t>Boosting has a small risk of reducing performance, mostly on very noisy datasets. </a:t>
+            </a:r>
+          </a:p>
+          <a:p>
+            <a:pPr lvl="1"/>
+            <a:r>
+              <a:rPr lang="en-US" dirty="0"/>
+              <a:t>Bagging rarely hurts performance, but tends to have less benefit than boosting. </a:t>
+            </a:r>
+          </a:p>
+          <a:p>
+            <a:pPr lvl="1"/>
+            <a:r>
+              <a:rPr lang="en-US" dirty="0"/>
+              <a:t>(Roughly) noise can cause the model to try to correct the error of the “errors” (noise). </a:t>
+            </a:r>
+          </a:p>
+        </p:txBody>
+      </p:sp>
+    </p:spTree>
+    <p:extLst>
+      <p:ext uri="{BB962C8B-B14F-4D97-AF65-F5344CB8AC3E}">
+        <p14:creationId xmlns:p14="http://schemas.microsoft.com/office/powerpoint/2010/main" val="1832023836"/>
+      </p:ext>
+    </p:extLst>
+  </p:cSld>
+  <p:clrMapOvr>
+    <a:masterClrMapping/>
+  </p:clrMapOvr>
+</p:sld>
+</file>
+
+<file path=ppt/slides/slide16.xml><?xml version="1.0" encoding="utf-8"?>
+<p:sld xmlns:a="http://schemas.openxmlformats.org/drawingml/2006/main" xmlns:r="http://schemas.openxmlformats.org/officeDocument/2006/relationships" xmlns:p="http://schemas.openxmlformats.org/presentationml/2006/main">
+  <p:cSld>
+    <p:spTree>
+      <p:nvGrpSpPr>
+        <p:cNvPr id="1" name=""/>
+        <p:cNvGrpSpPr/>
+        <p:nvPr/>
+      </p:nvGrpSpPr>
+      <p:grpSpPr>
+        <a:xfrm>
+          <a:off x="0" y="0"/>
+          <a:ext cx="0" cy="0"/>
+          <a:chOff x="0" y="0"/>
+          <a:chExt cx="0" cy="0"/>
+        </a:xfrm>
+      </p:grpSpPr>
+      <p:sp>
+        <p:nvSpPr>
+          <p:cNvPr id="2" name="Title 1">
+            <a:extLst>
+              <a:ext uri="{FF2B5EF4-FFF2-40B4-BE49-F238E27FC236}">
+                <a16:creationId xmlns:a16="http://schemas.microsoft.com/office/drawing/2014/main" id="{38B596BD-7E73-5CBF-134E-D77AD15E2EAE}"/>
+              </a:ext>
+            </a:extLst>
+          </p:cNvPr>
+          <p:cNvSpPr>
+            <a:spLocks noGrp="1"/>
+          </p:cNvSpPr>
+          <p:nvPr>
+            <p:ph type="title"/>
+          </p:nvPr>
+        </p:nvSpPr>
+        <p:spPr/>
+        <p:txBody>
+          <a:bodyPr/>
+          <a:lstStyle/>
+          <a:p>
+            <a:endParaRPr lang="en-US"/>
+          </a:p>
+        </p:txBody>
+      </p:sp>
+      <p:sp>
+        <p:nvSpPr>
+          <p:cNvPr id="3" name="Content Placeholder 2">
+            <a:extLst>
+              <a:ext uri="{FF2B5EF4-FFF2-40B4-BE49-F238E27FC236}">
+                <a16:creationId xmlns:a16="http://schemas.microsoft.com/office/drawing/2014/main" id="{EE0872E1-4288-650A-32F4-5E895731A4D2}"/>
+              </a:ext>
+            </a:extLst>
+          </p:cNvPr>
+          <p:cNvSpPr>
+            <a:spLocks noGrp="1"/>
+          </p:cNvSpPr>
+          <p:nvPr>
+            <p:ph idx="1"/>
+          </p:nvPr>
+        </p:nvSpPr>
+        <p:spPr/>
+        <p:txBody>
+          <a:bodyPr/>
+          <a:lstStyle/>
+          <a:p>
+            <a:endParaRPr lang="en-US"/>
+          </a:p>
+        </p:txBody>
+      </p:sp>
+      <p:pic>
+        <p:nvPicPr>
+          <p:cNvPr id="1026" name="Picture 2" descr="Bagging vs. Boosting: The Power of Ensemble Methods in Machine Learning |  by Thomas A Dorfer | Towards AI">
+            <a:extLst>
+              <a:ext uri="{FF2B5EF4-FFF2-40B4-BE49-F238E27FC236}">
+                <a16:creationId xmlns:a16="http://schemas.microsoft.com/office/drawing/2014/main" id="{4943ED63-F3A5-9D12-DB11-DBFA85383DF8}"/>
+              </a:ext>
+            </a:extLst>
+          </p:cNvPr>
+          <p:cNvPicPr>
+            <a:picLocks noChangeAspect="1" noChangeArrowheads="1"/>
+          </p:cNvPicPr>
+          <p:nvPr/>
+        </p:nvPicPr>
+        <p:blipFill>
+          <a:blip r:embed="rId2">
+            <a:extLst>
+              <a:ext uri="{28A0092B-C50C-407E-A947-70E740481C1C}">
+                <a14:useLocalDpi xmlns:a14="http://schemas.microsoft.com/office/drawing/2010/main" val="0"/>
+              </a:ext>
+            </a:extLst>
+          </a:blip>
+          <a:srcRect/>
+          <a:stretch>
+            <a:fillRect/>
+          </a:stretch>
+        </p:blipFill>
+        <p:spPr bwMode="auto">
+          <a:xfrm>
+            <a:off x="0" y="563563"/>
+            <a:ext cx="12192000" cy="5730875"/>
+          </a:xfrm>
+          <a:prstGeom prst="rect">
+            <a:avLst/>
+          </a:prstGeom>
+          <a:noFill/>
+          <a:extLst>
+            <a:ext uri="{909E8E84-426E-40DD-AFC4-6F175D3DCCD1}">
+              <a14:hiddenFill xmlns:a14="http://schemas.microsoft.com/office/drawing/2010/main">
+                <a:solidFill>
+                  <a:srgbClr val="FFFFFF"/>
+                </a:solidFill>
+              </a14:hiddenFill>
+            </a:ext>
+          </a:extLst>
+        </p:spPr>
+      </p:pic>
+    </p:spTree>
+    <p:extLst>
+      <p:ext uri="{BB962C8B-B14F-4D97-AF65-F5344CB8AC3E}">
+        <p14:creationId xmlns:p14="http://schemas.microsoft.com/office/powerpoint/2010/main" val="2182980020"/>
+      </p:ext>
+    </p:extLst>
+  </p:cSld>
+  <p:clrMapOvr>
+    <a:masterClrMapping/>
+  </p:clrMapOvr>
+</p:sld>
+</file>
+
+<file path=ppt/slides/slide17.xml><?xml version="1.0" encoding="utf-8"?>
+<p:sld xmlns:a="http://schemas.openxmlformats.org/drawingml/2006/main" xmlns:r="http://schemas.openxmlformats.org/officeDocument/2006/relationships" xmlns:p="http://schemas.openxmlformats.org/presentationml/2006/main">
+  <p:cSld>
+    <p:spTree>
+      <p:nvGrpSpPr>
+        <p:cNvPr id="1" name=""/>
+        <p:cNvGrpSpPr/>
+        <p:nvPr/>
+      </p:nvGrpSpPr>
+      <p:grpSpPr>
+        <a:xfrm>
+          <a:off x="0" y="0"/>
+          <a:ext cx="0" cy="0"/>
+          <a:chOff x="0" y="0"/>
+          <a:chExt cx="0" cy="0"/>
+        </a:xfrm>
+      </p:grpSpPr>
+      <p:sp>
+        <p:nvSpPr>
+          <p:cNvPr id="2" name="Title 1">
+            <a:extLst>
+              <a:ext uri="{FF2B5EF4-FFF2-40B4-BE49-F238E27FC236}">
+                <a16:creationId xmlns:a16="http://schemas.microsoft.com/office/drawing/2014/main" id="{772030B4-8CE8-29D6-43D6-93FEF45D2BC4}"/>
+              </a:ext>
+            </a:extLst>
+          </p:cNvPr>
+          <p:cNvSpPr>
+            <a:spLocks noGrp="1"/>
+          </p:cNvSpPr>
+          <p:nvPr>
+            <p:ph type="title"/>
+          </p:nvPr>
+        </p:nvSpPr>
+        <p:spPr/>
+        <p:txBody>
+          <a:bodyPr/>
+          <a:lstStyle/>
+          <a:p>
+            <a:r>
+              <a:rPr lang="en-US" dirty="0"/>
+              <a:t>Boosting Models</a:t>
+            </a:r>
+          </a:p>
+        </p:txBody>
+      </p:sp>
+      <p:sp>
+        <p:nvSpPr>
+          <p:cNvPr id="3" name="Content Placeholder 2">
+            <a:extLst>
+              <a:ext uri="{FF2B5EF4-FFF2-40B4-BE49-F238E27FC236}">
+                <a16:creationId xmlns:a16="http://schemas.microsoft.com/office/drawing/2014/main" id="{026FA893-41CA-0C07-C1FF-D85DBBFE82F9}"/>
+              </a:ext>
+            </a:extLst>
+          </p:cNvPr>
+          <p:cNvSpPr>
+            <a:spLocks noGrp="1"/>
+          </p:cNvSpPr>
+          <p:nvPr>
+            <p:ph idx="1"/>
+          </p:nvPr>
+        </p:nvSpPr>
+        <p:spPr/>
+        <p:txBody>
+          <a:bodyPr/>
+          <a:lstStyle/>
+          <a:p>
+            <a:r>
+              <a:rPr lang="en-US" dirty="0"/>
+              <a:t>There are many boosted models in existence, and common use. </a:t>
+            </a:r>
+          </a:p>
+          <a:p>
+            <a:r>
+              <a:rPr lang="en-US" dirty="0" err="1"/>
+              <a:t>Adaboost</a:t>
+            </a:r>
+            <a:r>
+              <a:rPr lang="en-US" dirty="0"/>
+              <a:t>. </a:t>
+            </a:r>
+          </a:p>
+          <a:p>
+            <a:r>
+              <a:rPr lang="en-US" dirty="0"/>
+              <a:t>Gradient boosting. </a:t>
+            </a:r>
+          </a:p>
+          <a:p>
+            <a:r>
+              <a:rPr lang="en-US" dirty="0"/>
+              <a:t>Extreme!!!!!! Gradient boosting. </a:t>
+            </a:r>
+          </a:p>
+        </p:txBody>
+      </p:sp>
+    </p:spTree>
+    <p:extLst>
+      <p:ext uri="{BB962C8B-B14F-4D97-AF65-F5344CB8AC3E}">
+        <p14:creationId xmlns:p14="http://schemas.microsoft.com/office/powerpoint/2010/main" val="218823155"/>
+      </p:ext>
+    </p:extLst>
+  </p:cSld>
+  <p:clrMapOvr>
+    <a:masterClrMapping/>
+  </p:clrMapOvr>
+</p:sld>
+</file>
+
+<file path=ppt/slides/slide18.xml><?xml version="1.0" encoding="utf-8"?>
+<p:sld xmlns:a="http://schemas.openxmlformats.org/drawingml/2006/main" xmlns:r="http://schemas.openxmlformats.org/officeDocument/2006/relationships" xmlns:p="http://schemas.openxmlformats.org/presentationml/2006/main">
+  <p:cSld>
+    <p:spTree>
+      <p:nvGrpSpPr>
+        <p:cNvPr id="1" name=""/>
+        <p:cNvGrpSpPr/>
+        <p:nvPr/>
+      </p:nvGrpSpPr>
+      <p:grpSpPr>
+        <a:xfrm>
+          <a:off x="0" y="0"/>
+          <a:ext cx="0" cy="0"/>
+          <a:chOff x="0" y="0"/>
+          <a:chExt cx="0" cy="0"/>
+        </a:xfrm>
+      </p:grpSpPr>
+      <p:sp>
+        <p:nvSpPr>
+          <p:cNvPr id="2" name="Title 1">
+            <a:extLst>
+              <a:ext uri="{FF2B5EF4-FFF2-40B4-BE49-F238E27FC236}">
                 <a16:creationId xmlns:a16="http://schemas.microsoft.com/office/drawing/2014/main" id="{AE9FA29D-E980-1147-A21A-3CDAA4C66116}"/>
               </a:ext>
             </a:extLst>
@@ -4675,7 +5252,7 @@
 </p:sld>
 </file>
 
-<file path=ppt/slides/slide15.xml><?xml version="1.0" encoding="utf-8"?>
+<file path=ppt/slides/slide19.xml><?xml version="1.0" encoding="utf-8"?>
 <p:sld xmlns:a="http://schemas.openxmlformats.org/drawingml/2006/main" xmlns:r="http://schemas.openxmlformats.org/officeDocument/2006/relationships" xmlns:p="http://schemas.openxmlformats.org/presentationml/2006/main">
   <p:cSld>
     <p:spTree>
@@ -4802,7 +5379,90 @@
 </p:sld>
 </file>
 
-<file path=ppt/slides/slide16.xml><?xml version="1.0" encoding="utf-8"?>
+<file path=ppt/slides/slide2.xml><?xml version="1.0" encoding="utf-8"?>
+<p:sld xmlns:a="http://schemas.openxmlformats.org/drawingml/2006/main" xmlns:r="http://schemas.openxmlformats.org/officeDocument/2006/relationships" xmlns:p="http://schemas.openxmlformats.org/presentationml/2006/main">
+  <p:cSld>
+    <p:spTree>
+      <p:nvGrpSpPr>
+        <p:cNvPr id="1" name=""/>
+        <p:cNvGrpSpPr/>
+        <p:nvPr/>
+      </p:nvGrpSpPr>
+      <p:grpSpPr>
+        <a:xfrm>
+          <a:off x="0" y="0"/>
+          <a:ext cx="0" cy="0"/>
+          <a:chOff x="0" y="0"/>
+          <a:chExt cx="0" cy="0"/>
+        </a:xfrm>
+      </p:grpSpPr>
+      <p:sp>
+        <p:nvSpPr>
+          <p:cNvPr id="2" name="Title 1">
+            <a:extLst>
+              <a:ext uri="{FF2B5EF4-FFF2-40B4-BE49-F238E27FC236}">
+                <a16:creationId xmlns:a16="http://schemas.microsoft.com/office/drawing/2014/main" id="{FF5B9330-C4A5-4D40-9A9D-83E1F133EEB8}"/>
+              </a:ext>
+            </a:extLst>
+          </p:cNvPr>
+          <p:cNvSpPr>
+            <a:spLocks noGrp="1"/>
+          </p:cNvSpPr>
+          <p:nvPr>
+            <p:ph type="ctrTitle"/>
+          </p:nvPr>
+        </p:nvSpPr>
+        <p:spPr/>
+        <p:txBody>
+          <a:bodyPr/>
+          <a:lstStyle/>
+          <a:p>
+            <a:r>
+              <a:rPr lang="en-US" dirty="0"/>
+              <a:t>Boosting Ensembles</a:t>
+            </a:r>
+          </a:p>
+        </p:txBody>
+      </p:sp>
+      <p:sp>
+        <p:nvSpPr>
+          <p:cNvPr id="3" name="Subtitle 2">
+            <a:extLst>
+              <a:ext uri="{FF2B5EF4-FFF2-40B4-BE49-F238E27FC236}">
+                <a16:creationId xmlns:a16="http://schemas.microsoft.com/office/drawing/2014/main" id="{50329856-91F1-BD4F-9F50-9220817C4A40}"/>
+              </a:ext>
+            </a:extLst>
+          </p:cNvPr>
+          <p:cNvSpPr>
+            <a:spLocks noGrp="1"/>
+          </p:cNvSpPr>
+          <p:nvPr>
+            <p:ph type="subTitle" idx="1"/>
+          </p:nvPr>
+        </p:nvSpPr>
+        <p:spPr/>
+        <p:txBody>
+          <a:bodyPr/>
+          <a:lstStyle/>
+          <a:p>
+            <a:endParaRPr lang="en-US"/>
+          </a:p>
+        </p:txBody>
+      </p:sp>
+    </p:spTree>
+    <p:extLst>
+      <p:ext uri="{BB962C8B-B14F-4D97-AF65-F5344CB8AC3E}">
+        <p14:creationId xmlns:p14="http://schemas.microsoft.com/office/powerpoint/2010/main" val="3723217331"/>
+      </p:ext>
+    </p:extLst>
+  </p:cSld>
+  <p:clrMapOvr>
+    <a:masterClrMapping/>
+  </p:clrMapOvr>
+</p:sld>
+</file>
+
+<file path=ppt/slides/slide20.xml><?xml version="1.0" encoding="utf-8"?>
 <p:sld xmlns:a="http://schemas.openxmlformats.org/drawingml/2006/main" xmlns:r="http://schemas.openxmlformats.org/officeDocument/2006/relationships" xmlns:p="http://schemas.openxmlformats.org/presentationml/2006/main">
   <p:cSld>
     <p:spTree>
@@ -4929,7 +5589,7 @@
 </p:sld>
 </file>
 
-<file path=ppt/slides/slide17.xml><?xml version="1.0" encoding="utf-8"?>
+<file path=ppt/slides/slide21.xml><?xml version="1.0" encoding="utf-8"?>
 <p:sld xmlns:a="http://schemas.openxmlformats.org/drawingml/2006/main" xmlns:r="http://schemas.openxmlformats.org/officeDocument/2006/relationships" xmlns:p="http://schemas.openxmlformats.org/presentationml/2006/main">
   <p:cSld>
     <p:bg>
@@ -5172,7 +5832,7 @@
 </p:sld>
 </file>
 
-<file path=ppt/slides/slide18.xml><?xml version="1.0" encoding="utf-8"?>
+<file path=ppt/slides/slide22.xml><?xml version="1.0" encoding="utf-8"?>
 <p:sld xmlns:a="http://schemas.openxmlformats.org/drawingml/2006/main" xmlns:r="http://schemas.openxmlformats.org/officeDocument/2006/relationships" xmlns:p="http://schemas.openxmlformats.org/presentationml/2006/main">
   <p:cSld>
     <p:spTree>
@@ -5310,7 +5970,7 @@
 </p:sld>
 </file>
 
-<file path=ppt/slides/slide19.xml><?xml version="1.0" encoding="utf-8"?>
+<file path=ppt/slides/slide23.xml><?xml version="1.0" encoding="utf-8"?>
 <p:sld xmlns:a="http://schemas.openxmlformats.org/drawingml/2006/main" xmlns:r="http://schemas.openxmlformats.org/officeDocument/2006/relationships" xmlns:p="http://schemas.openxmlformats.org/presentationml/2006/main">
   <p:cSld>
     <p:spTree>
@@ -5332,7 +5992,7 @@
           <p:cNvPr id="2" name="Title 1">
             <a:extLst>
               <a:ext uri="{FF2B5EF4-FFF2-40B4-BE49-F238E27FC236}">
-                <a16:creationId xmlns:a16="http://schemas.microsoft.com/office/drawing/2014/main" id="{35B12685-B74B-2F40-9D8C-C29BB959C210}"/>
+                <a16:creationId xmlns:a16="http://schemas.microsoft.com/office/drawing/2014/main" id="{CD92D14B-5A00-8E6F-F9F8-5FCBF6263401}"/>
               </a:ext>
             </a:extLst>
           </p:cNvPr>
@@ -5348,10 +6008,7 @@
           <a:bodyPr/>
           <a:lstStyle/>
           <a:p>
-            <a:r>
-              <a:rPr lang="en-US" dirty="0"/>
-              <a:t>Gradient Boosting</a:t>
-            </a:r>
+            <a:endParaRPr lang="en-US"/>
           </a:p>
         </p:txBody>
       </p:sp>
@@ -5360,7 +6017,7 @@
           <p:cNvPr id="3" name="Content Placeholder 2">
             <a:extLst>
               <a:ext uri="{FF2B5EF4-FFF2-40B4-BE49-F238E27FC236}">
-                <a16:creationId xmlns:a16="http://schemas.microsoft.com/office/drawing/2014/main" id="{D118F504-1382-EA44-A114-B15E2C94ED27}"/>
+                <a16:creationId xmlns:a16="http://schemas.microsoft.com/office/drawing/2014/main" id="{4F361A69-9137-85EF-278E-0A56B2873DA9}"/>
               </a:ext>
             </a:extLst>
           </p:cNvPr>
@@ -5371,100 +6028,19 @@
             <p:ph idx="1"/>
           </p:nvPr>
         </p:nvSpPr>
-        <p:spPr>
-          <a:xfrm>
-            <a:off x="1451579" y="2015732"/>
-            <a:ext cx="9603275" cy="4150892"/>
-          </a:xfrm>
-        </p:spPr>
+        <p:spPr/>
         <p:txBody>
           <a:bodyPr/>
           <a:lstStyle/>
           <a:p>
-            <a:r>
-              <a:rPr lang="en-US" dirty="0"/>
-              <a:t>Gradient boosting is an ensemble that focuses on loss (residuals) to train the models. </a:t>
-            </a:r>
-          </a:p>
-          <a:p>
-            <a:r>
-              <a:rPr lang="en-US" dirty="0"/>
-              <a:t>The algorithm’s (regression version is easier to picture) process is:</a:t>
-            </a:r>
-          </a:p>
-          <a:p>
-            <a:pPr lvl="1"/>
-            <a:r>
-              <a:rPr lang="en-US" dirty="0"/>
-              <a:t>Make initial predictions (this can be a guess). Calculate residuals for each prediction. </a:t>
-            </a:r>
-          </a:p>
-          <a:p>
-            <a:pPr lvl="1"/>
-            <a:r>
-              <a:rPr lang="en-US" b="1" dirty="0"/>
-              <a:t>Fit the next model to the residuals </a:t>
-            </a:r>
-            <a:r>
-              <a:rPr lang="en-US" dirty="0"/>
-              <a:t>from the previous round. </a:t>
-            </a:r>
-          </a:p>
-          <a:p>
-            <a:pPr lvl="1"/>
-            <a:r>
-              <a:rPr lang="en-US" dirty="0"/>
-              <a:t>Repeat until limit or cutoff is reached. </a:t>
-            </a:r>
-          </a:p>
-          <a:p>
-            <a:pPr lvl="1"/>
-            <a:r>
-              <a:rPr lang="en-US" dirty="0"/>
-              <a:t>Predictions are incremented by the set of residual predictions:</a:t>
-            </a:r>
-          </a:p>
-          <a:p>
-            <a:pPr lvl="2"/>
-            <a:r>
-              <a:rPr lang="en-CA" dirty="0"/>
-              <a:t>y(</a:t>
-            </a:r>
-            <a:r>
-              <a:rPr lang="en-CA" dirty="0" err="1"/>
-              <a:t>pred</a:t>
-            </a:r>
-            <a:r>
-              <a:rPr lang="en-CA" dirty="0"/>
-              <a:t>) = y1 + (eta * r1) + (eta * r2) + ....... + (eta * </a:t>
-            </a:r>
-            <a:r>
-              <a:rPr lang="en-CA" dirty="0" err="1"/>
-              <a:t>rN</a:t>
-            </a:r>
-            <a:r>
-              <a:rPr lang="en-CA" dirty="0"/>
-              <a:t>)</a:t>
-            </a:r>
-          </a:p>
-          <a:p>
-            <a:r>
-              <a:rPr lang="en-US" dirty="0"/>
-              <a:t>Result – each subsequent tree “bumps’ a prediction a little closer to the true value. </a:t>
-            </a:r>
-          </a:p>
-          <a:p>
-            <a:r>
-              <a:rPr lang="en-US" dirty="0"/>
-              <a:t>Any differentiable loss function can be gradient boosted. </a:t>
-            </a:r>
+            <a:endParaRPr lang="en-US"/>
           </a:p>
         </p:txBody>
       </p:sp>
     </p:spTree>
     <p:extLst>
       <p:ext uri="{BB962C8B-B14F-4D97-AF65-F5344CB8AC3E}">
-        <p14:creationId xmlns:p14="http://schemas.microsoft.com/office/powerpoint/2010/main" val="2330224921"/>
+        <p14:creationId xmlns:p14="http://schemas.microsoft.com/office/powerpoint/2010/main" val="3592954396"/>
       </p:ext>
     </p:extLst>
   </p:cSld>
@@ -5474,7 +6050,7 @@
 </p:sld>
 </file>
 
-<file path=ppt/slides/slide2.xml><?xml version="1.0" encoding="utf-8"?>
+<file path=ppt/slides/slide24.xml><?xml version="1.0" encoding="utf-8"?>
 <p:sld xmlns:a="http://schemas.openxmlformats.org/drawingml/2006/main" xmlns:r="http://schemas.openxmlformats.org/officeDocument/2006/relationships" xmlns:p="http://schemas.openxmlformats.org/presentationml/2006/main">
   <p:cSld>
     <p:spTree>
@@ -5496,15 +6072,15 @@
           <p:cNvPr id="2" name="Title 1">
             <a:extLst>
               <a:ext uri="{FF2B5EF4-FFF2-40B4-BE49-F238E27FC236}">
-                <a16:creationId xmlns:a16="http://schemas.microsoft.com/office/drawing/2014/main" id="{FF5B9330-C4A5-4D40-9A9D-83E1F133EEB8}"/>
-              </a:ext>
-            </a:extLst>
-          </p:cNvPr>
-          <p:cNvSpPr>
-            <a:spLocks noGrp="1"/>
-          </p:cNvSpPr>
-          <p:nvPr>
-            <p:ph type="ctrTitle"/>
+                <a16:creationId xmlns:a16="http://schemas.microsoft.com/office/drawing/2014/main" id="{35B12685-B74B-2F40-9D8C-C29BB959C210}"/>
+              </a:ext>
+            </a:extLst>
+          </p:cNvPr>
+          <p:cNvSpPr>
+            <a:spLocks noGrp="1"/>
+          </p:cNvSpPr>
+          <p:nvPr>
+            <p:ph type="title"/>
           </p:nvPr>
         </p:nvSpPr>
         <p:spPr/>
@@ -5514,40 +6090,121 @@
           <a:p>
             <a:r>
               <a:rPr lang="en-US" dirty="0"/>
-              <a:t>Boosting Ensembles</a:t>
-            </a:r>
-          </a:p>
-        </p:txBody>
-      </p:sp>
-      <p:sp>
-        <p:nvSpPr>
-          <p:cNvPr id="3" name="Subtitle 2">
-            <a:extLst>
-              <a:ext uri="{FF2B5EF4-FFF2-40B4-BE49-F238E27FC236}">
-                <a16:creationId xmlns:a16="http://schemas.microsoft.com/office/drawing/2014/main" id="{50329856-91F1-BD4F-9F50-9220817C4A40}"/>
-              </a:ext>
-            </a:extLst>
-          </p:cNvPr>
-          <p:cNvSpPr>
-            <a:spLocks noGrp="1"/>
-          </p:cNvSpPr>
-          <p:nvPr>
-            <p:ph type="subTitle" idx="1"/>
-          </p:nvPr>
-        </p:nvSpPr>
-        <p:spPr/>
+              <a:t>Gradient Boosting</a:t>
+            </a:r>
+          </a:p>
+        </p:txBody>
+      </p:sp>
+      <p:sp>
+        <p:nvSpPr>
+          <p:cNvPr id="3" name="Content Placeholder 2">
+            <a:extLst>
+              <a:ext uri="{FF2B5EF4-FFF2-40B4-BE49-F238E27FC236}">
+                <a16:creationId xmlns:a16="http://schemas.microsoft.com/office/drawing/2014/main" id="{D118F504-1382-EA44-A114-B15E2C94ED27}"/>
+              </a:ext>
+            </a:extLst>
+          </p:cNvPr>
+          <p:cNvSpPr>
+            <a:spLocks noGrp="1"/>
+          </p:cNvSpPr>
+          <p:nvPr>
+            <p:ph idx="1"/>
+          </p:nvPr>
+        </p:nvSpPr>
+        <p:spPr>
+          <a:xfrm>
+            <a:off x="1451579" y="2015732"/>
+            <a:ext cx="9603275" cy="4150892"/>
+          </a:xfrm>
+        </p:spPr>
         <p:txBody>
           <a:bodyPr/>
           <a:lstStyle/>
           <a:p>
-            <a:endParaRPr lang="en-US"/>
+            <a:r>
+              <a:rPr lang="en-US" dirty="0"/>
+              <a:t>Gradient boosting is an ensemble that focuses on loss (residuals) to train the models. </a:t>
+            </a:r>
+          </a:p>
+          <a:p>
+            <a:r>
+              <a:rPr lang="en-US" dirty="0"/>
+              <a:t>The algorithm’s (regression version is easier to picture) process is:</a:t>
+            </a:r>
+          </a:p>
+          <a:p>
+            <a:pPr lvl="1"/>
+            <a:r>
+              <a:rPr lang="en-US" dirty="0"/>
+              <a:t>Make initial predictions (this can be a guess). Calculate residuals for each prediction. </a:t>
+            </a:r>
+          </a:p>
+          <a:p>
+            <a:pPr lvl="1"/>
+            <a:r>
+              <a:rPr lang="en-US" b="1" dirty="0"/>
+              <a:t>Fit the next model to the residuals </a:t>
+            </a:r>
+            <a:r>
+              <a:rPr lang="en-US" dirty="0"/>
+              <a:t>from the previous round. </a:t>
+            </a:r>
+          </a:p>
+          <a:p>
+            <a:pPr lvl="1"/>
+            <a:r>
+              <a:rPr lang="en-US" dirty="0"/>
+              <a:t>Repeat until limit or cutoff is reached. </a:t>
+            </a:r>
+          </a:p>
+          <a:p>
+            <a:pPr lvl="1"/>
+            <a:r>
+              <a:rPr lang="en-US" dirty="0"/>
+              <a:t>Predictions are incremented by the set of residual predictions:</a:t>
+            </a:r>
+          </a:p>
+          <a:p>
+            <a:pPr lvl="2"/>
+            <a:r>
+              <a:rPr lang="en-CA" dirty="0"/>
+              <a:t>y(</a:t>
+            </a:r>
+            <a:r>
+              <a:rPr lang="en-CA" dirty="0" err="1"/>
+              <a:t>pred</a:t>
+            </a:r>
+            <a:r>
+              <a:rPr lang="en-CA" dirty="0"/>
+              <a:t>) = y1 + (eta * r1) + (eta * r2) + ....... + (eta * </a:t>
+            </a:r>
+            <a:r>
+              <a:rPr lang="en-CA" dirty="0" err="1"/>
+              <a:t>rN</a:t>
+            </a:r>
+            <a:r>
+              <a:rPr lang="en-CA" dirty="0"/>
+              <a:t>)</a:t>
+            </a:r>
+          </a:p>
+          <a:p>
+            <a:r>
+              <a:rPr lang="en-US" dirty="0"/>
+              <a:t>Result – each subsequent tree “bumps’ a prediction a little closer to the true value. </a:t>
+            </a:r>
+          </a:p>
+          <a:p>
+            <a:r>
+              <a:rPr lang="en-US" dirty="0"/>
+              <a:t>Any differentiable loss function can be gradient boosted. </a:t>
+            </a:r>
           </a:p>
         </p:txBody>
       </p:sp>
     </p:spTree>
     <p:extLst>
       <p:ext uri="{BB962C8B-B14F-4D97-AF65-F5344CB8AC3E}">
-        <p14:creationId xmlns:p14="http://schemas.microsoft.com/office/powerpoint/2010/main" val="3723217331"/>
+        <p14:creationId xmlns:p14="http://schemas.microsoft.com/office/powerpoint/2010/main" val="2330224921"/>
       </p:ext>
     </p:extLst>
   </p:cSld>
@@ -5557,7 +6214,7 @@
 </p:sld>
 </file>
 
-<file path=ppt/slides/slide20.xml><?xml version="1.0" encoding="utf-8"?>
+<file path=ppt/slides/slide25.xml><?xml version="1.0" encoding="utf-8"?>
 <p:sld xmlns:a="http://schemas.openxmlformats.org/drawingml/2006/main" xmlns:r="http://schemas.openxmlformats.org/officeDocument/2006/relationships" xmlns:p="http://schemas.openxmlformats.org/presentationml/2006/main">
   <p:cSld>
     <p:spTree>
@@ -5695,7 +6352,7 @@
 </p:sld>
 </file>
 
-<file path=ppt/slides/slide21.xml><?xml version="1.0" encoding="utf-8"?>
+<file path=ppt/slides/slide26.xml><?xml version="1.0" encoding="utf-8"?>
 <p:sld xmlns:a="http://schemas.openxmlformats.org/drawingml/2006/main" xmlns:r="http://schemas.openxmlformats.org/officeDocument/2006/relationships" xmlns:p="http://schemas.openxmlformats.org/presentationml/2006/main">
   <p:cSld>
     <p:spTree>
@@ -5825,7 +6482,7 @@
 </p:sld>
 </file>
 
-<file path=ppt/slides/slide22.xml><?xml version="1.0" encoding="utf-8"?>
+<file path=ppt/slides/slide27.xml><?xml version="1.0" encoding="utf-8"?>
 <p:sld xmlns:a="http://schemas.openxmlformats.org/drawingml/2006/main" xmlns:r="http://schemas.openxmlformats.org/officeDocument/2006/relationships" xmlns:p="http://schemas.openxmlformats.org/presentationml/2006/main">
   <p:cSld>
     <p:spTree>
@@ -6237,7 +6894,7 @@
 </p:sld>
 </file>
 
-<file path=ppt/slides/slide23.xml><?xml version="1.0" encoding="utf-8"?>
+<file path=ppt/slides/slide28.xml><?xml version="1.0" encoding="utf-8"?>
 <p:sld xmlns:a="http://schemas.openxmlformats.org/drawingml/2006/main" xmlns:r="http://schemas.openxmlformats.org/officeDocument/2006/relationships" xmlns:p="http://schemas.openxmlformats.org/presentationml/2006/main">
   <p:cSld>
     <p:spTree>
@@ -6402,7 +7059,7 @@
 </p:sld>
 </file>
 
-<file path=ppt/slides/slide24.xml><?xml version="1.0" encoding="utf-8"?>
+<file path=ppt/slides/slide29.xml><?xml version="1.0" encoding="utf-8"?>
 <p:sld xmlns:a="http://schemas.openxmlformats.org/drawingml/2006/main" xmlns:r="http://schemas.openxmlformats.org/officeDocument/2006/relationships" xmlns:p="http://schemas.openxmlformats.org/presentationml/2006/main">
   <p:cSld>
     <p:spTree>
@@ -6515,7 +7172,135 @@
 </p:sld>
 </file>
 
-<file path=ppt/slides/slide25.xml><?xml version="1.0" encoding="utf-8"?>
+<file path=ppt/slides/slide3.xml><?xml version="1.0" encoding="utf-8"?>
+<p:sld xmlns:a="http://schemas.openxmlformats.org/drawingml/2006/main" xmlns:r="http://schemas.openxmlformats.org/officeDocument/2006/relationships" xmlns:p="http://schemas.openxmlformats.org/presentationml/2006/main">
+  <p:cSld>
+    <p:spTree>
+      <p:nvGrpSpPr>
+        <p:cNvPr id="1" name=""/>
+        <p:cNvGrpSpPr/>
+        <p:nvPr/>
+      </p:nvGrpSpPr>
+      <p:grpSpPr>
+        <a:xfrm>
+          <a:off x="0" y="0"/>
+          <a:ext cx="0" cy="0"/>
+          <a:chOff x="0" y="0"/>
+          <a:chExt cx="0" cy="0"/>
+        </a:xfrm>
+      </p:grpSpPr>
+      <p:sp>
+        <p:nvSpPr>
+          <p:cNvPr id="2" name="Title 1">
+            <a:extLst>
+              <a:ext uri="{FF2B5EF4-FFF2-40B4-BE49-F238E27FC236}">
+                <a16:creationId xmlns:a16="http://schemas.microsoft.com/office/drawing/2014/main" id="{F1DC919C-510F-A81C-2190-A91B7D28B9E9}"/>
+              </a:ext>
+            </a:extLst>
+          </p:cNvPr>
+          <p:cNvSpPr>
+            <a:spLocks noGrp="1"/>
+          </p:cNvSpPr>
+          <p:nvPr>
+            <p:ph type="title"/>
+          </p:nvPr>
+        </p:nvSpPr>
+        <p:spPr/>
+        <p:txBody>
+          <a:bodyPr/>
+          <a:lstStyle/>
+          <a:p>
+            <a:r>
+              <a:rPr lang="en-US" dirty="0"/>
+              <a:t>Remember Forests and Ensembles…</a:t>
+            </a:r>
+          </a:p>
+        </p:txBody>
+      </p:sp>
+      <p:sp>
+        <p:nvSpPr>
+          <p:cNvPr id="3" name="Content Placeholder 2">
+            <a:extLst>
+              <a:ext uri="{FF2B5EF4-FFF2-40B4-BE49-F238E27FC236}">
+                <a16:creationId xmlns:a16="http://schemas.microsoft.com/office/drawing/2014/main" id="{4D05D7E3-E013-3B97-17E8-C9DA00CA633D}"/>
+              </a:ext>
+            </a:extLst>
+          </p:cNvPr>
+          <p:cNvSpPr>
+            <a:spLocks noGrp="1"/>
+          </p:cNvSpPr>
+          <p:nvPr>
+            <p:ph idx="1"/>
+          </p:nvPr>
+        </p:nvSpPr>
+        <p:spPr/>
+        <p:txBody>
+          <a:bodyPr/>
+          <a:lstStyle/>
+          <a:p>
+            <a:endParaRPr lang="en-US"/>
+          </a:p>
+        </p:txBody>
+      </p:sp>
+      <p:pic>
+        <p:nvPicPr>
+          <p:cNvPr id="1026" name="Picture 2" descr="Random Forest Classifier using Scikit-learn - GeeksforGeeks">
+            <a:extLst>
+              <a:ext uri="{FF2B5EF4-FFF2-40B4-BE49-F238E27FC236}">
+                <a16:creationId xmlns:a16="http://schemas.microsoft.com/office/drawing/2014/main" id="{6C638949-93E5-1C98-9560-ABDBD25C7AAE}"/>
+              </a:ext>
+            </a:extLst>
+          </p:cNvPr>
+          <p:cNvPicPr>
+            <a:picLocks noChangeAspect="1" noChangeArrowheads="1"/>
+          </p:cNvPicPr>
+          <p:nvPr/>
+        </p:nvPicPr>
+        <p:blipFill rotWithShape="1">
+          <a:blip r:embed="rId2">
+            <a:extLst>
+              <a:ext uri="{28A0092B-C50C-407E-A947-70E740481C1C}">
+                <a14:useLocalDpi xmlns:a14="http://schemas.microsoft.com/office/drawing/2010/main" val="0"/>
+              </a:ext>
+            </a:extLst>
+          </a:blip>
+          <a:srcRect b="6928"/>
+          <a:stretch/>
+        </p:blipFill>
+        <p:spPr bwMode="auto">
+          <a:xfrm>
+            <a:off x="1016000" y="2015732"/>
+            <a:ext cx="10160000" cy="4728029"/>
+          </a:xfrm>
+          <a:prstGeom prst="rect">
+            <a:avLst/>
+          </a:prstGeom>
+          <a:noFill/>
+          <a:extLst>
+            <a:ext uri="{909E8E84-426E-40DD-AFC4-6F175D3DCCD1}">
+              <a14:hiddenFill xmlns:a14="http://schemas.microsoft.com/office/drawing/2010/main">
+                <a:solidFill>
+                  <a:srgbClr val="FFFFFF"/>
+                </a:solidFill>
+              </a14:hiddenFill>
+            </a:ext>
+          </a:extLst>
+        </p:spPr>
+      </p:pic>
+    </p:spTree>
+    <p:extLst>
+      <p:ext uri="{BB962C8B-B14F-4D97-AF65-F5344CB8AC3E}">
+        <p14:creationId xmlns:p14="http://schemas.microsoft.com/office/powerpoint/2010/main" val="351378709"/>
+      </p:ext>
+    </p:extLst>
+  </p:cSld>
+  <p:clrMapOvr>
+    <a:masterClrMapping/>
+  </p:clrMapOvr>
+</p:sld>
+</file>
+
+<file path=ppt/slides/slide30.xml><?xml version="1.0" encoding="utf-8"?>
 <p:sld xmlns:a="http://schemas.openxmlformats.org/drawingml/2006/main" xmlns:r="http://schemas.openxmlformats.org/officeDocument/2006/relationships" xmlns:p="http://schemas.openxmlformats.org/presentationml/2006/main" show="0">
   <p:cSld>
     <p:spTree>
@@ -6642,7 +7427,7 @@
 </p:sld>
 </file>
 
-<file path=ppt/slides/slide26.xml><?xml version="1.0" encoding="utf-8"?>
+<file path=ppt/slides/slide31.xml><?xml version="1.0" encoding="utf-8"?>
 <p:sld xmlns:a="http://schemas.openxmlformats.org/drawingml/2006/main" xmlns:r="http://schemas.openxmlformats.org/officeDocument/2006/relationships" xmlns:p="http://schemas.openxmlformats.org/presentationml/2006/main">
   <p:cSld>
     <p:spTree>
@@ -7006,1462 +7791,7 @@
 </p:sld>
 </file>
 
-<file path=ppt/slides/slide27.xml><?xml version="1.0" encoding="utf-8"?>
-<p:sld xmlns:a="http://schemas.openxmlformats.org/drawingml/2006/main" xmlns:r="http://schemas.openxmlformats.org/officeDocument/2006/relationships" xmlns:p="http://schemas.openxmlformats.org/presentationml/2006/main">
-  <p:cSld>
-    <p:spTree>
-      <p:nvGrpSpPr>
-        <p:cNvPr id="1" name=""/>
-        <p:cNvGrpSpPr/>
-        <p:nvPr/>
-      </p:nvGrpSpPr>
-      <p:grpSpPr>
-        <a:xfrm>
-          <a:off x="0" y="0"/>
-          <a:ext cx="0" cy="0"/>
-          <a:chOff x="0" y="0"/>
-          <a:chExt cx="0" cy="0"/>
-        </a:xfrm>
-      </p:grpSpPr>
-      <p:sp>
-        <p:nvSpPr>
-          <p:cNvPr id="2" name="Title 1">
-            <a:extLst>
-              <a:ext uri="{FF2B5EF4-FFF2-40B4-BE49-F238E27FC236}">
-                <a16:creationId xmlns:a16="http://schemas.microsoft.com/office/drawing/2014/main" id="{8E4D1305-7727-C3FE-C01D-6DFAA4FB1BC1}"/>
-              </a:ext>
-            </a:extLst>
-          </p:cNvPr>
-          <p:cNvSpPr>
-            <a:spLocks noGrp="1"/>
-          </p:cNvSpPr>
-          <p:nvPr>
-            <p:ph type="title"/>
-          </p:nvPr>
-        </p:nvSpPr>
-        <p:spPr/>
-        <p:txBody>
-          <a:bodyPr/>
-          <a:lstStyle/>
-          <a:p>
-            <a:endParaRPr lang="en-US"/>
-          </a:p>
-        </p:txBody>
-      </p:sp>
-      <p:sp>
-        <p:nvSpPr>
-          <p:cNvPr id="3" name="Content Placeholder 2">
-            <a:extLst>
-              <a:ext uri="{FF2B5EF4-FFF2-40B4-BE49-F238E27FC236}">
-                <a16:creationId xmlns:a16="http://schemas.microsoft.com/office/drawing/2014/main" id="{1DCAEE70-F5DC-6BE3-6A90-BAFB43F2DB0E}"/>
-              </a:ext>
-            </a:extLst>
-          </p:cNvPr>
-          <p:cNvSpPr>
-            <a:spLocks noGrp="1"/>
-          </p:cNvSpPr>
-          <p:nvPr>
-            <p:ph idx="1"/>
-          </p:nvPr>
-        </p:nvSpPr>
-        <p:spPr/>
-        <p:txBody>
-          <a:bodyPr/>
-          <a:lstStyle/>
-          <a:p>
-            <a:endParaRPr lang="en-US"/>
-          </a:p>
-        </p:txBody>
-      </p:sp>
-      <p:pic>
-        <p:nvPicPr>
-          <p:cNvPr id="6" name="Picture 5">
-            <a:extLst>
-              <a:ext uri="{FF2B5EF4-FFF2-40B4-BE49-F238E27FC236}">
-                <a16:creationId xmlns:a16="http://schemas.microsoft.com/office/drawing/2014/main" id="{289699E1-6E7F-29CF-F9BF-5521850D9E01}"/>
-              </a:ext>
-            </a:extLst>
-          </p:cNvPr>
-          <p:cNvPicPr>
-            <a:picLocks noChangeAspect="1"/>
-          </p:cNvPicPr>
-          <p:nvPr/>
-        </p:nvPicPr>
-        <p:blipFill>
-          <a:blip r:embed="rId2"/>
-          <a:stretch>
-            <a:fillRect/>
-          </a:stretch>
-        </p:blipFill>
-        <p:spPr>
-          <a:xfrm>
-            <a:off x="5652186" y="352696"/>
-            <a:ext cx="6539814" cy="6505303"/>
-          </a:xfrm>
-          <a:prstGeom prst="rect">
-            <a:avLst/>
-          </a:prstGeom>
-        </p:spPr>
-      </p:pic>
-      <p:pic>
-        <p:nvPicPr>
-          <p:cNvPr id="5" name="Picture 4">
-            <a:extLst>
-              <a:ext uri="{FF2B5EF4-FFF2-40B4-BE49-F238E27FC236}">
-                <a16:creationId xmlns:a16="http://schemas.microsoft.com/office/drawing/2014/main" id="{A1DC8B92-4458-77BE-92C0-1A3946ADA7EE}"/>
-              </a:ext>
-            </a:extLst>
-          </p:cNvPr>
-          <p:cNvPicPr>
-            <a:picLocks noChangeAspect="1"/>
-          </p:cNvPicPr>
-          <p:nvPr/>
-        </p:nvPicPr>
-        <p:blipFill rotWithShape="1">
-          <a:blip r:embed="rId3"/>
-          <a:srcRect l="2910" r="3992"/>
-          <a:stretch/>
-        </p:blipFill>
-        <p:spPr>
-          <a:xfrm>
-            <a:off x="-16955" y="1122884"/>
-            <a:ext cx="6270171" cy="5236307"/>
-          </a:xfrm>
-          <a:prstGeom prst="rect">
-            <a:avLst/>
-          </a:prstGeom>
-        </p:spPr>
-      </p:pic>
-    </p:spTree>
-    <p:extLst>
-      <p:ext uri="{BB962C8B-B14F-4D97-AF65-F5344CB8AC3E}">
-        <p14:creationId xmlns:p14="http://schemas.microsoft.com/office/powerpoint/2010/main" val="2064548987"/>
-      </p:ext>
-    </p:extLst>
-  </p:cSld>
-  <p:clrMapOvr>
-    <a:masterClrMapping/>
-  </p:clrMapOvr>
-</p:sld>
-</file>
-
-<file path=ppt/slides/slide28.xml><?xml version="1.0" encoding="utf-8"?>
-<p:sld xmlns:a="http://schemas.openxmlformats.org/drawingml/2006/main" xmlns:r="http://schemas.openxmlformats.org/officeDocument/2006/relationships" xmlns:p="http://schemas.openxmlformats.org/presentationml/2006/main">
-  <p:cSld>
-    <p:spTree>
-      <p:nvGrpSpPr>
-        <p:cNvPr id="1" name=""/>
-        <p:cNvGrpSpPr/>
-        <p:nvPr/>
-      </p:nvGrpSpPr>
-      <p:grpSpPr>
-        <a:xfrm>
-          <a:off x="0" y="0"/>
-          <a:ext cx="0" cy="0"/>
-          <a:chOff x="0" y="0"/>
-          <a:chExt cx="0" cy="0"/>
-        </a:xfrm>
-      </p:grpSpPr>
-      <p:sp>
-        <p:nvSpPr>
-          <p:cNvPr id="2" name="Title 1">
-            <a:extLst>
-              <a:ext uri="{FF2B5EF4-FFF2-40B4-BE49-F238E27FC236}">
-                <a16:creationId xmlns:a16="http://schemas.microsoft.com/office/drawing/2014/main" id="{005585CB-DAA7-6442-B4F9-7BE26149DE47}"/>
-              </a:ext>
-            </a:extLst>
-          </p:cNvPr>
-          <p:cNvSpPr>
-            <a:spLocks noGrp="1"/>
-          </p:cNvSpPr>
-          <p:nvPr>
-            <p:ph type="title"/>
-          </p:nvPr>
-        </p:nvSpPr>
-        <p:spPr/>
-        <p:txBody>
-          <a:bodyPr/>
-          <a:lstStyle/>
-          <a:p>
-            <a:endParaRPr lang="en-US"/>
-          </a:p>
-        </p:txBody>
-      </p:sp>
-      <p:sp>
-        <p:nvSpPr>
-          <p:cNvPr id="3" name="Content Placeholder 2">
-            <a:extLst>
-              <a:ext uri="{FF2B5EF4-FFF2-40B4-BE49-F238E27FC236}">
-                <a16:creationId xmlns:a16="http://schemas.microsoft.com/office/drawing/2014/main" id="{CA28FB0F-93B1-E547-83A3-01BB02851281}"/>
-              </a:ext>
-            </a:extLst>
-          </p:cNvPr>
-          <p:cNvSpPr>
-            <a:spLocks noGrp="1"/>
-          </p:cNvSpPr>
-          <p:nvPr>
-            <p:ph idx="1"/>
-          </p:nvPr>
-        </p:nvSpPr>
-        <p:spPr/>
-        <p:txBody>
-          <a:bodyPr/>
-          <a:lstStyle/>
-          <a:p>
-            <a:endParaRPr lang="en-US"/>
-          </a:p>
-        </p:txBody>
-      </p:sp>
-      <p:pic>
-        <p:nvPicPr>
-          <p:cNvPr id="4" name="Picture 3">
-            <a:extLst>
-              <a:ext uri="{FF2B5EF4-FFF2-40B4-BE49-F238E27FC236}">
-                <a16:creationId xmlns:a16="http://schemas.microsoft.com/office/drawing/2014/main" id="{EEB651EF-B499-FA4C-9A10-26BADAE83690}"/>
-              </a:ext>
-            </a:extLst>
-          </p:cNvPr>
-          <p:cNvPicPr>
-            <a:picLocks noChangeAspect="1"/>
-          </p:cNvPicPr>
-          <p:nvPr/>
-        </p:nvPicPr>
-        <p:blipFill>
-          <a:blip r:embed="rId2"/>
-          <a:stretch>
-            <a:fillRect/>
-          </a:stretch>
-        </p:blipFill>
-        <p:spPr>
-          <a:xfrm>
-            <a:off x="2735637" y="287"/>
-            <a:ext cx="6720725" cy="6872217"/>
-          </a:xfrm>
-          <a:prstGeom prst="rect">
-            <a:avLst/>
-          </a:prstGeom>
-        </p:spPr>
-      </p:pic>
-    </p:spTree>
-    <p:extLst>
-      <p:ext uri="{BB962C8B-B14F-4D97-AF65-F5344CB8AC3E}">
-        <p14:creationId xmlns:p14="http://schemas.microsoft.com/office/powerpoint/2010/main" val="2459392408"/>
-      </p:ext>
-    </p:extLst>
-  </p:cSld>
-  <p:clrMapOvr>
-    <a:masterClrMapping/>
-  </p:clrMapOvr>
-</p:sld>
-</file>
-
-<file path=ppt/slides/slide29.xml><?xml version="1.0" encoding="utf-8"?>
-<p:sld xmlns:a="http://schemas.openxmlformats.org/drawingml/2006/main" xmlns:r="http://schemas.openxmlformats.org/officeDocument/2006/relationships" xmlns:p="http://schemas.openxmlformats.org/presentationml/2006/main">
-  <p:cSld>
-    <p:spTree>
-      <p:nvGrpSpPr>
-        <p:cNvPr id="1" name=""/>
-        <p:cNvGrpSpPr/>
-        <p:nvPr/>
-      </p:nvGrpSpPr>
-      <p:grpSpPr>
-        <a:xfrm>
-          <a:off x="0" y="0"/>
-          <a:ext cx="0" cy="0"/>
-          <a:chOff x="0" y="0"/>
-          <a:chExt cx="0" cy="0"/>
-        </a:xfrm>
-      </p:grpSpPr>
-      <p:sp>
-        <p:nvSpPr>
-          <p:cNvPr id="2" name="Title 1">
-            <a:extLst>
-              <a:ext uri="{FF2B5EF4-FFF2-40B4-BE49-F238E27FC236}">
-                <a16:creationId xmlns:a16="http://schemas.microsoft.com/office/drawing/2014/main" id="{1EAAF59C-281E-5F10-4E1A-3E2A0BF7620E}"/>
-              </a:ext>
-            </a:extLst>
-          </p:cNvPr>
-          <p:cNvSpPr>
-            <a:spLocks noGrp="1"/>
-          </p:cNvSpPr>
-          <p:nvPr>
-            <p:ph type="title"/>
-          </p:nvPr>
-        </p:nvSpPr>
-        <p:spPr/>
-        <p:txBody>
-          <a:bodyPr/>
-          <a:lstStyle/>
-          <a:p>
-            <a:r>
-              <a:rPr lang="en-US" dirty="0"/>
-              <a:t>Gradient Boosting Magic</a:t>
-            </a:r>
-          </a:p>
-        </p:txBody>
-      </p:sp>
-      <p:sp>
-        <p:nvSpPr>
-          <p:cNvPr id="3" name="Content Placeholder 2">
-            <a:extLst>
-              <a:ext uri="{FF2B5EF4-FFF2-40B4-BE49-F238E27FC236}">
-                <a16:creationId xmlns:a16="http://schemas.microsoft.com/office/drawing/2014/main" id="{DBF5FB0F-8D09-D08E-B8A2-A77F0D0A718E}"/>
-              </a:ext>
-            </a:extLst>
-          </p:cNvPr>
-          <p:cNvSpPr>
-            <a:spLocks noGrp="1"/>
-          </p:cNvSpPr>
-          <p:nvPr>
-            <p:ph idx="1"/>
-          </p:nvPr>
-        </p:nvSpPr>
-        <p:spPr>
-          <a:xfrm>
-            <a:off x="1451579" y="1938130"/>
-            <a:ext cx="9603275" cy="3528215"/>
-          </a:xfrm>
-        </p:spPr>
-        <p:txBody>
-          <a:bodyPr/>
-          <a:lstStyle/>
-          <a:p>
-            <a:r>
-              <a:rPr lang="en-US" dirty="0"/>
-              <a:t>Gradient boosted models generally perform very well. </a:t>
-            </a:r>
-          </a:p>
-          <a:p>
-            <a:r>
-              <a:rPr lang="en-US" dirty="0"/>
-              <a:t>Each new model in the ensemble is fitted to correct whatever problems the model has at that moment, without hurting the things the ensemble does well. </a:t>
-            </a:r>
-          </a:p>
-          <a:p>
-            <a:r>
-              <a:rPr lang="en-US" dirty="0"/>
-              <a:t>This allows for:</a:t>
-            </a:r>
-          </a:p>
-          <a:p>
-            <a:pPr lvl="1"/>
-            <a:r>
-              <a:rPr lang="en-US" dirty="0"/>
-              <a:t>Lots of learning by the model to happen (reduce bias error). </a:t>
-            </a:r>
-          </a:p>
-          <a:p>
-            <a:pPr lvl="1"/>
-            <a:r>
-              <a:rPr lang="en-US" dirty="0"/>
-              <a:t>Not overfit, because it’s only acting on the errors (prevent the introduction of variance error).</a:t>
-            </a:r>
-          </a:p>
-        </p:txBody>
-      </p:sp>
-    </p:spTree>
-    <p:extLst>
-      <p:ext uri="{BB962C8B-B14F-4D97-AF65-F5344CB8AC3E}">
-        <p14:creationId xmlns:p14="http://schemas.microsoft.com/office/powerpoint/2010/main" val="1110663046"/>
-      </p:ext>
-    </p:extLst>
-  </p:cSld>
-  <p:clrMapOvr>
-    <a:masterClrMapping/>
-  </p:clrMapOvr>
-</p:sld>
-</file>
-
-<file path=ppt/slides/slide3.xml><?xml version="1.0" encoding="utf-8"?>
-<p:sld xmlns:a="http://schemas.openxmlformats.org/drawingml/2006/main" xmlns:r="http://schemas.openxmlformats.org/officeDocument/2006/relationships" xmlns:p="http://schemas.openxmlformats.org/presentationml/2006/main">
-  <p:cSld>
-    <p:spTree>
-      <p:nvGrpSpPr>
-        <p:cNvPr id="1" name=""/>
-        <p:cNvGrpSpPr/>
-        <p:nvPr/>
-      </p:nvGrpSpPr>
-      <p:grpSpPr>
-        <a:xfrm>
-          <a:off x="0" y="0"/>
-          <a:ext cx="0" cy="0"/>
-          <a:chOff x="0" y="0"/>
-          <a:chExt cx="0" cy="0"/>
-        </a:xfrm>
-      </p:grpSpPr>
-      <p:sp>
-        <p:nvSpPr>
-          <p:cNvPr id="2" name="Title 1">
-            <a:extLst>
-              <a:ext uri="{FF2B5EF4-FFF2-40B4-BE49-F238E27FC236}">
-                <a16:creationId xmlns:a16="http://schemas.microsoft.com/office/drawing/2014/main" id="{F1DC919C-510F-A81C-2190-A91B7D28B9E9}"/>
-              </a:ext>
-            </a:extLst>
-          </p:cNvPr>
-          <p:cNvSpPr>
-            <a:spLocks noGrp="1"/>
-          </p:cNvSpPr>
-          <p:nvPr>
-            <p:ph type="title"/>
-          </p:nvPr>
-        </p:nvSpPr>
-        <p:spPr/>
-        <p:txBody>
-          <a:bodyPr/>
-          <a:lstStyle/>
-          <a:p>
-            <a:r>
-              <a:rPr lang="en-US" dirty="0"/>
-              <a:t>Remember Forests and Ensembles…</a:t>
-            </a:r>
-          </a:p>
-        </p:txBody>
-      </p:sp>
-      <p:sp>
-        <p:nvSpPr>
-          <p:cNvPr id="3" name="Content Placeholder 2">
-            <a:extLst>
-              <a:ext uri="{FF2B5EF4-FFF2-40B4-BE49-F238E27FC236}">
-                <a16:creationId xmlns:a16="http://schemas.microsoft.com/office/drawing/2014/main" id="{4D05D7E3-E013-3B97-17E8-C9DA00CA633D}"/>
-              </a:ext>
-            </a:extLst>
-          </p:cNvPr>
-          <p:cNvSpPr>
-            <a:spLocks noGrp="1"/>
-          </p:cNvSpPr>
-          <p:nvPr>
-            <p:ph idx="1"/>
-          </p:nvPr>
-        </p:nvSpPr>
-        <p:spPr/>
-        <p:txBody>
-          <a:bodyPr/>
-          <a:lstStyle/>
-          <a:p>
-            <a:endParaRPr lang="en-US"/>
-          </a:p>
-        </p:txBody>
-      </p:sp>
-      <p:pic>
-        <p:nvPicPr>
-          <p:cNvPr id="1026" name="Picture 2" descr="Random Forest Classifier using Scikit-learn - GeeksforGeeks">
-            <a:extLst>
-              <a:ext uri="{FF2B5EF4-FFF2-40B4-BE49-F238E27FC236}">
-                <a16:creationId xmlns:a16="http://schemas.microsoft.com/office/drawing/2014/main" id="{6C638949-93E5-1C98-9560-ABDBD25C7AAE}"/>
-              </a:ext>
-            </a:extLst>
-          </p:cNvPr>
-          <p:cNvPicPr>
-            <a:picLocks noChangeAspect="1" noChangeArrowheads="1"/>
-          </p:cNvPicPr>
-          <p:nvPr/>
-        </p:nvPicPr>
-        <p:blipFill rotWithShape="1">
-          <a:blip r:embed="rId2">
-            <a:extLst>
-              <a:ext uri="{28A0092B-C50C-407E-A947-70E740481C1C}">
-                <a14:useLocalDpi xmlns:a14="http://schemas.microsoft.com/office/drawing/2010/main" val="0"/>
-              </a:ext>
-            </a:extLst>
-          </a:blip>
-          <a:srcRect b="6928"/>
-          <a:stretch/>
-        </p:blipFill>
-        <p:spPr bwMode="auto">
-          <a:xfrm>
-            <a:off x="1016000" y="2015732"/>
-            <a:ext cx="10160000" cy="4728029"/>
-          </a:xfrm>
-          <a:prstGeom prst="rect">
-            <a:avLst/>
-          </a:prstGeom>
-          <a:noFill/>
-          <a:extLst>
-            <a:ext uri="{909E8E84-426E-40DD-AFC4-6F175D3DCCD1}">
-              <a14:hiddenFill xmlns:a14="http://schemas.microsoft.com/office/drawing/2010/main">
-                <a:solidFill>
-                  <a:srgbClr val="FFFFFF"/>
-                </a:solidFill>
-              </a14:hiddenFill>
-            </a:ext>
-          </a:extLst>
-        </p:spPr>
-      </p:pic>
-    </p:spTree>
-    <p:extLst>
-      <p:ext uri="{BB962C8B-B14F-4D97-AF65-F5344CB8AC3E}">
-        <p14:creationId xmlns:p14="http://schemas.microsoft.com/office/powerpoint/2010/main" val="351378709"/>
-      </p:ext>
-    </p:extLst>
-  </p:cSld>
-  <p:clrMapOvr>
-    <a:masterClrMapping/>
-  </p:clrMapOvr>
-</p:sld>
-</file>
-
-<file path=ppt/slides/slide30.xml><?xml version="1.0" encoding="utf-8"?>
-<p:sld xmlns:a="http://schemas.openxmlformats.org/drawingml/2006/main" xmlns:r="http://schemas.openxmlformats.org/officeDocument/2006/relationships" xmlns:p="http://schemas.openxmlformats.org/presentationml/2006/main">
-  <p:cSld>
-    <p:spTree>
-      <p:nvGrpSpPr>
-        <p:cNvPr id="1" name=""/>
-        <p:cNvGrpSpPr/>
-        <p:nvPr/>
-      </p:nvGrpSpPr>
-      <p:grpSpPr>
-        <a:xfrm>
-          <a:off x="0" y="0"/>
-          <a:ext cx="0" cy="0"/>
-          <a:chOff x="0" y="0"/>
-          <a:chExt cx="0" cy="0"/>
-        </a:xfrm>
-      </p:grpSpPr>
-      <p:sp>
-        <p:nvSpPr>
-          <p:cNvPr id="2" name="Title 1">
-            <a:extLst>
-              <a:ext uri="{FF2B5EF4-FFF2-40B4-BE49-F238E27FC236}">
-                <a16:creationId xmlns:a16="http://schemas.microsoft.com/office/drawing/2014/main" id="{DC144B30-6FC5-6B4B-8B10-45FE64DA2645}"/>
-              </a:ext>
-            </a:extLst>
-          </p:cNvPr>
-          <p:cNvSpPr>
-            <a:spLocks noGrp="1"/>
-          </p:cNvSpPr>
-          <p:nvPr>
-            <p:ph type="title"/>
-          </p:nvPr>
-        </p:nvSpPr>
-        <p:spPr/>
-        <p:txBody>
-          <a:bodyPr>
-            <a:normAutofit/>
-          </a:bodyPr>
-          <a:lstStyle/>
-          <a:p>
-            <a:r>
-              <a:rPr lang="en-US" dirty="0" err="1"/>
-              <a:t>XGBoost</a:t>
-            </a:r>
-            <a:r>
-              <a:rPr lang="en-US" dirty="0"/>
-              <a:t> – E</a:t>
-            </a:r>
-            <a:r>
-              <a:rPr lang="en-US" sz="6700" dirty="0"/>
-              <a:t>x</a:t>
-            </a:r>
-            <a:r>
-              <a:rPr lang="en-US" dirty="0"/>
-              <a:t>treme Gradient Boosting</a:t>
-            </a:r>
-          </a:p>
-        </p:txBody>
-      </p:sp>
-      <p:sp>
-        <p:nvSpPr>
-          <p:cNvPr id="3" name="Content Placeholder 2">
-            <a:extLst>
-              <a:ext uri="{FF2B5EF4-FFF2-40B4-BE49-F238E27FC236}">
-                <a16:creationId xmlns:a16="http://schemas.microsoft.com/office/drawing/2014/main" id="{5F4ECAFD-2A7C-8147-85A7-D2AD8E9B8210}"/>
-              </a:ext>
-            </a:extLst>
-          </p:cNvPr>
-          <p:cNvSpPr>
-            <a:spLocks noGrp="1"/>
-          </p:cNvSpPr>
-          <p:nvPr>
-            <p:ph idx="1"/>
-          </p:nvPr>
-        </p:nvSpPr>
-        <p:spPr>
-          <a:xfrm>
-            <a:off x="1103243" y="1853754"/>
-            <a:ext cx="10287000" cy="4199727"/>
-          </a:xfrm>
-        </p:spPr>
-        <p:txBody>
-          <a:bodyPr>
-            <a:normAutofit lnSpcReduction="10000"/>
-          </a:bodyPr>
-          <a:lstStyle/>
-          <a:p>
-            <a:r>
-              <a:rPr lang="en-US" dirty="0" err="1"/>
-              <a:t>XGboost</a:t>
-            </a:r>
-            <a:r>
-              <a:rPr lang="en-US" dirty="0"/>
-              <a:t> is one of the current “champions” of non-neural network algorithms. </a:t>
-            </a:r>
-          </a:p>
-          <a:p>
-            <a:pPr lvl="1"/>
-            <a:r>
-              <a:rPr lang="en-US" dirty="0" err="1"/>
-              <a:t>LightGBM</a:t>
-            </a:r>
-            <a:r>
-              <a:rPr lang="en-US" dirty="0"/>
-              <a:t> (by MS) is similar to </a:t>
-            </a:r>
-            <a:r>
-              <a:rPr lang="en-US" dirty="0" err="1"/>
-              <a:t>xgboost</a:t>
-            </a:r>
-            <a:r>
-              <a:rPr lang="en-US" dirty="0"/>
-              <a:t>, but often even faster. Trees get deeper. </a:t>
-            </a:r>
-          </a:p>
-          <a:p>
-            <a:pPr lvl="1"/>
-            <a:r>
-              <a:rPr lang="en-US" dirty="0" err="1"/>
-              <a:t>HistGradientBoosting</a:t>
-            </a:r>
-            <a:r>
-              <a:rPr lang="en-US" dirty="0"/>
-              <a:t> from </a:t>
-            </a:r>
-            <a:r>
-              <a:rPr lang="en-US" dirty="0" err="1"/>
-              <a:t>sklearn</a:t>
-            </a:r>
-            <a:r>
-              <a:rPr lang="en-US" dirty="0"/>
-              <a:t> is similar to </a:t>
-            </a:r>
-            <a:r>
-              <a:rPr lang="en-US" dirty="0" err="1"/>
-              <a:t>LightGBM</a:t>
-            </a:r>
-            <a:r>
-              <a:rPr lang="en-US" dirty="0"/>
-              <a:t>. </a:t>
-            </a:r>
-          </a:p>
-          <a:p>
-            <a:r>
-              <a:rPr lang="en-US" dirty="0"/>
-              <a:t>New – only developed in 2014. Mostly by one dude!</a:t>
-            </a:r>
-          </a:p>
-          <a:p>
-            <a:r>
-              <a:rPr lang="en-US" dirty="0"/>
-              <a:t>Applies many tricks/optimizations to gradient boosting. </a:t>
-            </a:r>
-          </a:p>
-          <a:p>
-            <a:pPr lvl="1"/>
-            <a:r>
-              <a:rPr lang="en-US" dirty="0"/>
-              <a:t>Parallelized and written to optimally utilize hardware for speed. </a:t>
-            </a:r>
-          </a:p>
-          <a:p>
-            <a:pPr lvl="1"/>
-            <a:r>
-              <a:rPr lang="en-US" dirty="0"/>
-              <a:t>Built in cross validation and regularization. </a:t>
-            </a:r>
-          </a:p>
-          <a:p>
-            <a:pPr lvl="1"/>
-            <a:r>
-              <a:rPr lang="en-US" dirty="0"/>
-              <a:t>Handles sparse or dense data by default, as well as data that is too large for memory. </a:t>
-            </a:r>
-          </a:p>
-          <a:p>
-            <a:pPr lvl="1"/>
-            <a:r>
-              <a:rPr lang="en-US" dirty="0"/>
-              <a:t>Revised methods to efficiently find internal calculations like tree split points. </a:t>
-            </a:r>
-          </a:p>
-          <a:p>
-            <a:r>
-              <a:rPr lang="en-US" dirty="0"/>
-              <a:t>Effectively – gradient boosting + all the “extra stuff” that can make algorithms faster and better. </a:t>
-            </a:r>
-          </a:p>
-        </p:txBody>
-      </p:sp>
-    </p:spTree>
-    <p:extLst>
-      <p:ext uri="{BB962C8B-B14F-4D97-AF65-F5344CB8AC3E}">
-        <p14:creationId xmlns:p14="http://schemas.microsoft.com/office/powerpoint/2010/main" val="763310812"/>
-      </p:ext>
-    </p:extLst>
-  </p:cSld>
-  <p:clrMapOvr>
-    <a:masterClrMapping/>
-  </p:clrMapOvr>
-</p:sld>
-</file>
-
-<file path=ppt/slides/slide31.xml><?xml version="1.0" encoding="utf-8"?>
-<p:sld xmlns:a="http://schemas.openxmlformats.org/drawingml/2006/main" xmlns:r="http://schemas.openxmlformats.org/officeDocument/2006/relationships" xmlns:p="http://schemas.openxmlformats.org/presentationml/2006/main">
-  <p:cSld>
-    <p:spTree>
-      <p:nvGrpSpPr>
-        <p:cNvPr id="1" name=""/>
-        <p:cNvGrpSpPr/>
-        <p:nvPr/>
-      </p:nvGrpSpPr>
-      <p:grpSpPr>
-        <a:xfrm>
-          <a:off x="0" y="0"/>
-          <a:ext cx="0" cy="0"/>
-          <a:chOff x="0" y="0"/>
-          <a:chExt cx="0" cy="0"/>
-        </a:xfrm>
-      </p:grpSpPr>
-      <p:sp>
-        <p:nvSpPr>
-          <p:cNvPr id="2" name="Title 1">
-            <a:extLst>
-              <a:ext uri="{FF2B5EF4-FFF2-40B4-BE49-F238E27FC236}">
-                <a16:creationId xmlns:a16="http://schemas.microsoft.com/office/drawing/2014/main" id="{8FED0CAF-C52B-F00F-980D-E97D55A1D13A}"/>
-              </a:ext>
-            </a:extLst>
-          </p:cNvPr>
-          <p:cNvSpPr>
-            <a:spLocks noGrp="1"/>
-          </p:cNvSpPr>
-          <p:nvPr>
-            <p:ph type="title"/>
-          </p:nvPr>
-        </p:nvSpPr>
-        <p:spPr/>
-        <p:txBody>
-          <a:bodyPr/>
-          <a:lstStyle/>
-          <a:p>
-            <a:endParaRPr lang="en-US"/>
-          </a:p>
-        </p:txBody>
-      </p:sp>
-      <p:sp>
-        <p:nvSpPr>
-          <p:cNvPr id="3" name="Content Placeholder 2">
-            <a:extLst>
-              <a:ext uri="{FF2B5EF4-FFF2-40B4-BE49-F238E27FC236}">
-                <a16:creationId xmlns:a16="http://schemas.microsoft.com/office/drawing/2014/main" id="{2A458A39-B073-51F5-5315-9D0C81A56CA7}"/>
-              </a:ext>
-            </a:extLst>
-          </p:cNvPr>
-          <p:cNvSpPr>
-            <a:spLocks noGrp="1"/>
-          </p:cNvSpPr>
-          <p:nvPr>
-            <p:ph idx="1"/>
-          </p:nvPr>
-        </p:nvSpPr>
-        <p:spPr/>
-        <p:txBody>
-          <a:bodyPr/>
-          <a:lstStyle/>
-          <a:p>
-            <a:endParaRPr lang="en-US"/>
-          </a:p>
-        </p:txBody>
-      </p:sp>
-      <p:pic>
-        <p:nvPicPr>
-          <p:cNvPr id="2050" name="Picture 2" descr="XGBoost (Extreme Gradient Boosting) in Machine Learning | by Abhishek Shah  | Medium">
-            <a:extLst>
-              <a:ext uri="{FF2B5EF4-FFF2-40B4-BE49-F238E27FC236}">
-                <a16:creationId xmlns:a16="http://schemas.microsoft.com/office/drawing/2014/main" id="{327D153B-B6B9-7D0A-1268-679D93C984BD}"/>
-              </a:ext>
-            </a:extLst>
-          </p:cNvPr>
-          <p:cNvPicPr>
-            <a:picLocks noChangeAspect="1" noChangeArrowheads="1"/>
-          </p:cNvPicPr>
-          <p:nvPr/>
-        </p:nvPicPr>
-        <p:blipFill>
-          <a:blip r:embed="rId2">
-            <a:extLst>
-              <a:ext uri="{28A0092B-C50C-407E-A947-70E740481C1C}">
-                <a14:useLocalDpi xmlns:a14="http://schemas.microsoft.com/office/drawing/2010/main" val="0"/>
-              </a:ext>
-            </a:extLst>
-          </a:blip>
-          <a:srcRect/>
-          <a:stretch>
-            <a:fillRect/>
-          </a:stretch>
-        </p:blipFill>
-        <p:spPr bwMode="auto">
-          <a:xfrm>
-            <a:off x="0" y="336550"/>
-            <a:ext cx="12192000" cy="6183313"/>
-          </a:xfrm>
-          <a:prstGeom prst="rect">
-            <a:avLst/>
-          </a:prstGeom>
-          <a:noFill/>
-          <a:extLst>
-            <a:ext uri="{909E8E84-426E-40DD-AFC4-6F175D3DCCD1}">
-              <a14:hiddenFill xmlns:a14="http://schemas.microsoft.com/office/drawing/2010/main">
-                <a:solidFill>
-                  <a:srgbClr val="FFFFFF"/>
-                </a:solidFill>
-              </a14:hiddenFill>
-            </a:ext>
-          </a:extLst>
-        </p:spPr>
-      </p:pic>
-    </p:spTree>
-    <p:extLst>
-      <p:ext uri="{BB962C8B-B14F-4D97-AF65-F5344CB8AC3E}">
-        <p14:creationId xmlns:p14="http://schemas.microsoft.com/office/powerpoint/2010/main" val="2420854655"/>
-      </p:ext>
-    </p:extLst>
-  </p:cSld>
-  <p:clrMapOvr>
-    <a:masterClrMapping/>
-  </p:clrMapOvr>
-</p:sld>
-</file>
-
 <file path=ppt/slides/slide32.xml><?xml version="1.0" encoding="utf-8"?>
-<p:sld xmlns:a="http://schemas.openxmlformats.org/drawingml/2006/main" xmlns:r="http://schemas.openxmlformats.org/officeDocument/2006/relationships" xmlns:p="http://schemas.openxmlformats.org/presentationml/2006/main">
-  <p:cSld>
-    <p:spTree>
-      <p:nvGrpSpPr>
-        <p:cNvPr id="1" name=""/>
-        <p:cNvGrpSpPr/>
-        <p:nvPr/>
-      </p:nvGrpSpPr>
-      <p:grpSpPr>
-        <a:xfrm>
-          <a:off x="0" y="0"/>
-          <a:ext cx="0" cy="0"/>
-          <a:chOff x="0" y="0"/>
-          <a:chExt cx="0" cy="0"/>
-        </a:xfrm>
-      </p:grpSpPr>
-      <p:sp>
-        <p:nvSpPr>
-          <p:cNvPr id="2" name="Title 1">
-            <a:extLst>
-              <a:ext uri="{FF2B5EF4-FFF2-40B4-BE49-F238E27FC236}">
-                <a16:creationId xmlns:a16="http://schemas.microsoft.com/office/drawing/2014/main" id="{FC05C898-8CE1-1D2F-0F25-527F0378E63B}"/>
-              </a:ext>
-            </a:extLst>
-          </p:cNvPr>
-          <p:cNvSpPr>
-            <a:spLocks noGrp="1"/>
-          </p:cNvSpPr>
-          <p:nvPr>
-            <p:ph type="title"/>
-          </p:nvPr>
-        </p:nvSpPr>
-        <p:spPr/>
-        <p:txBody>
-          <a:bodyPr/>
-          <a:lstStyle/>
-          <a:p>
-            <a:r>
-              <a:rPr lang="en-US" dirty="0" err="1"/>
-              <a:t>Xgboost</a:t>
-            </a:r>
-            <a:r>
-              <a:rPr lang="en-US" dirty="0"/>
-              <a:t> Oddities</a:t>
-            </a:r>
-          </a:p>
-        </p:txBody>
-      </p:sp>
-      <p:sp>
-        <p:nvSpPr>
-          <p:cNvPr id="3" name="Content Placeholder 2">
-            <a:extLst>
-              <a:ext uri="{FF2B5EF4-FFF2-40B4-BE49-F238E27FC236}">
-                <a16:creationId xmlns:a16="http://schemas.microsoft.com/office/drawing/2014/main" id="{A31F948C-1A78-23DC-EC4F-37084D231CCE}"/>
-              </a:ext>
-            </a:extLst>
-          </p:cNvPr>
-          <p:cNvSpPr>
-            <a:spLocks noGrp="1"/>
-          </p:cNvSpPr>
-          <p:nvPr>
-            <p:ph idx="1"/>
-          </p:nvPr>
-        </p:nvSpPr>
-        <p:spPr>
-          <a:xfrm>
-            <a:off x="1451579" y="1853754"/>
-            <a:ext cx="9603275" cy="4199727"/>
-          </a:xfrm>
-        </p:spPr>
-        <p:txBody>
-          <a:bodyPr>
-            <a:normAutofit/>
-          </a:bodyPr>
-          <a:lstStyle/>
-          <a:p>
-            <a:r>
-              <a:rPr lang="en-US" dirty="0" err="1"/>
-              <a:t>Xgboost</a:t>
-            </a:r>
-            <a:r>
-              <a:rPr lang="en-US" dirty="0"/>
-              <a:t> and similar models excel over the “pure” gradient boost due to optimizations. </a:t>
-            </a:r>
-          </a:p>
-          <a:p>
-            <a:r>
-              <a:rPr lang="en-US" dirty="0"/>
-              <a:t>Exist both to better utilize hardware and make calculations faster, e.g.:</a:t>
-            </a:r>
-          </a:p>
-          <a:p>
-            <a:pPr lvl="1"/>
-            <a:r>
-              <a:rPr lang="en-US" dirty="0"/>
-              <a:t>Uses “</a:t>
-            </a:r>
-            <a:r>
-              <a:rPr lang="en-US" dirty="0" err="1"/>
-              <a:t>max_depth</a:t>
-            </a:r>
-            <a:r>
-              <a:rPr lang="en-US" dirty="0"/>
-              <a:t>” in place of criterion (</a:t>
-            </a:r>
-            <a:r>
-              <a:rPr lang="en-US" dirty="0" err="1"/>
-              <a:t>gini</a:t>
-            </a:r>
-            <a:r>
-              <a:rPr lang="en-US" dirty="0"/>
-              <a:t>/entropy) for some calculations like stopping criteria. </a:t>
-            </a:r>
-          </a:p>
-          <a:p>
-            <a:pPr lvl="1"/>
-            <a:r>
-              <a:rPr lang="en-US" dirty="0"/>
-              <a:t>Calculates imputation internally based on training loss. </a:t>
-            </a:r>
-          </a:p>
-          <a:p>
-            <a:pPr lvl="1"/>
-            <a:r>
-              <a:rPr lang="en-US" dirty="0"/>
-              <a:t>Parts of the algorithm that can be parallelized are, aggressively. </a:t>
-            </a:r>
-          </a:p>
-          <a:p>
-            <a:pPr lvl="1"/>
-            <a:r>
-              <a:rPr lang="en-US" dirty="0"/>
-              <a:t>Manages cache and memory to prevent memory related slowdowns. </a:t>
-            </a:r>
-          </a:p>
-          <a:p>
-            <a:r>
-              <a:rPr lang="en-US" dirty="0"/>
-              <a:t>Small improvements can yield massive differences, as large datasets require lots of calculations. </a:t>
-            </a:r>
-          </a:p>
-          <a:p>
-            <a:pPr lvl="1"/>
-            <a:r>
-              <a:rPr lang="en-US" dirty="0"/>
-              <a:t>Faster executions allow for more experiments for optimization. </a:t>
-            </a:r>
-          </a:p>
-          <a:p>
-            <a:endParaRPr lang="en-US" dirty="0"/>
-          </a:p>
-        </p:txBody>
-      </p:sp>
-    </p:spTree>
-    <p:extLst>
-      <p:ext uri="{BB962C8B-B14F-4D97-AF65-F5344CB8AC3E}">
-        <p14:creationId xmlns:p14="http://schemas.microsoft.com/office/powerpoint/2010/main" val="810779003"/>
-      </p:ext>
-    </p:extLst>
-  </p:cSld>
-  <p:clrMapOvr>
-    <a:masterClrMapping/>
-  </p:clrMapOvr>
-</p:sld>
-</file>
-
-<file path=ppt/slides/slide33.xml><?xml version="1.0" encoding="utf-8"?>
-<p:sld xmlns:a="http://schemas.openxmlformats.org/drawingml/2006/main" xmlns:r="http://schemas.openxmlformats.org/officeDocument/2006/relationships" xmlns:p="http://schemas.openxmlformats.org/presentationml/2006/main">
-  <p:cSld>
-    <p:spTree>
-      <p:nvGrpSpPr>
-        <p:cNvPr id="1" name=""/>
-        <p:cNvGrpSpPr/>
-        <p:nvPr/>
-      </p:nvGrpSpPr>
-      <p:grpSpPr>
-        <a:xfrm>
-          <a:off x="0" y="0"/>
-          <a:ext cx="0" cy="0"/>
-          <a:chOff x="0" y="0"/>
-          <a:chExt cx="0" cy="0"/>
-        </a:xfrm>
-      </p:grpSpPr>
-      <p:sp>
-        <p:nvSpPr>
-          <p:cNvPr id="2" name="Title 1">
-            <a:extLst>
-              <a:ext uri="{FF2B5EF4-FFF2-40B4-BE49-F238E27FC236}">
-                <a16:creationId xmlns:a16="http://schemas.microsoft.com/office/drawing/2014/main" id="{4EAC0E8D-3DF8-F34F-8FD2-602F9A93A905}"/>
-              </a:ext>
-            </a:extLst>
-          </p:cNvPr>
-          <p:cNvSpPr>
-            <a:spLocks noGrp="1"/>
-          </p:cNvSpPr>
-          <p:nvPr>
-            <p:ph type="title"/>
-          </p:nvPr>
-        </p:nvSpPr>
-        <p:spPr/>
-        <p:txBody>
-          <a:bodyPr/>
-          <a:lstStyle/>
-          <a:p>
-            <a:r>
-              <a:rPr lang="en-US" dirty="0"/>
-              <a:t>Other Ensembles - Stacking</a:t>
-            </a:r>
-          </a:p>
-        </p:txBody>
-      </p:sp>
-      <p:sp>
-        <p:nvSpPr>
-          <p:cNvPr id="3" name="Content Placeholder 2">
-            <a:extLst>
-              <a:ext uri="{FF2B5EF4-FFF2-40B4-BE49-F238E27FC236}">
-                <a16:creationId xmlns:a16="http://schemas.microsoft.com/office/drawing/2014/main" id="{1037789D-FE7B-3A46-AF9F-F6348271B017}"/>
-              </a:ext>
-            </a:extLst>
-          </p:cNvPr>
-          <p:cNvSpPr>
-            <a:spLocks noGrp="1"/>
-          </p:cNvSpPr>
-          <p:nvPr>
-            <p:ph idx="1"/>
-          </p:nvPr>
-        </p:nvSpPr>
-        <p:spPr>
-          <a:xfrm>
-            <a:off x="1451579" y="1853754"/>
-            <a:ext cx="9603275" cy="4290568"/>
-          </a:xfrm>
-        </p:spPr>
-        <p:txBody>
-          <a:bodyPr>
-            <a:normAutofit/>
-          </a:bodyPr>
-          <a:lstStyle/>
-          <a:p>
-            <a:r>
-              <a:rPr lang="en-US" dirty="0"/>
-              <a:t>Stacking is an ensemble technique that uses another model that is used to do the “blending” step for the final predictions. </a:t>
-            </a:r>
-          </a:p>
-          <a:p>
-            <a:pPr lvl="1"/>
-            <a:r>
-              <a:rPr lang="en-US" dirty="0"/>
-              <a:t>I.e. rather than taking a “vote” of all the predictions like one would for a random forest classification, those predictions are the feature set of another model (e.g. log. reg.)</a:t>
-            </a:r>
-          </a:p>
-          <a:p>
-            <a:r>
-              <a:rPr lang="en-US" dirty="0"/>
-              <a:t>The stacking model is setup as:</a:t>
-            </a:r>
-          </a:p>
-          <a:p>
-            <a:pPr lvl="1"/>
-            <a:r>
-              <a:rPr lang="en-US" dirty="0"/>
-              <a:t>Y = final prediction being made. </a:t>
-            </a:r>
-          </a:p>
-          <a:p>
-            <a:pPr lvl="1"/>
-            <a:r>
-              <a:rPr lang="en-US" dirty="0"/>
-              <a:t>X = feature set made of each estimator’s individual prediction. </a:t>
-            </a:r>
-          </a:p>
-          <a:p>
-            <a:r>
-              <a:rPr lang="en-US" dirty="0"/>
-              <a:t>Stacking tends to increase performance on average, but it is often slow. </a:t>
-            </a:r>
-          </a:p>
-          <a:p>
-            <a:pPr lvl="1"/>
-            <a:r>
-              <a:rPr lang="en-US" dirty="0"/>
-              <a:t>Generally, reduces variance. </a:t>
-            </a:r>
-          </a:p>
-          <a:p>
-            <a:r>
-              <a:rPr lang="en-US" dirty="0"/>
-              <a:t>If we have enough data, a neural network can likely learn what the stack is doing, better.</a:t>
-            </a:r>
-          </a:p>
-        </p:txBody>
-      </p:sp>
-    </p:spTree>
-    <p:extLst>
-      <p:ext uri="{BB962C8B-B14F-4D97-AF65-F5344CB8AC3E}">
-        <p14:creationId xmlns:p14="http://schemas.microsoft.com/office/powerpoint/2010/main" val="3393901998"/>
-      </p:ext>
-    </p:extLst>
-  </p:cSld>
-  <p:clrMapOvr>
-    <a:masterClrMapping/>
-  </p:clrMapOvr>
-</p:sld>
-</file>
-
-<file path=ppt/slides/slide34.xml><?xml version="1.0" encoding="utf-8"?>
-<p:sld xmlns:a="http://schemas.openxmlformats.org/drawingml/2006/main" xmlns:r="http://schemas.openxmlformats.org/officeDocument/2006/relationships" xmlns:p="http://schemas.openxmlformats.org/presentationml/2006/main">
-  <p:cSld>
-    <p:spTree>
-      <p:nvGrpSpPr>
-        <p:cNvPr id="1" name=""/>
-        <p:cNvGrpSpPr/>
-        <p:nvPr/>
-      </p:nvGrpSpPr>
-      <p:grpSpPr>
-        <a:xfrm>
-          <a:off x="0" y="0"/>
-          <a:ext cx="0" cy="0"/>
-          <a:chOff x="0" y="0"/>
-          <a:chExt cx="0" cy="0"/>
-        </a:xfrm>
-      </p:grpSpPr>
-      <p:sp>
-        <p:nvSpPr>
-          <p:cNvPr id="2" name="Title 1">
-            <a:extLst>
-              <a:ext uri="{FF2B5EF4-FFF2-40B4-BE49-F238E27FC236}">
-                <a16:creationId xmlns:a16="http://schemas.microsoft.com/office/drawing/2014/main" id="{AEA5FB89-E580-084A-ADA5-97F2DEE3C93E}"/>
-              </a:ext>
-            </a:extLst>
-          </p:cNvPr>
-          <p:cNvSpPr>
-            <a:spLocks noGrp="1"/>
-          </p:cNvSpPr>
-          <p:nvPr>
-            <p:ph type="title"/>
-          </p:nvPr>
-        </p:nvSpPr>
-        <p:spPr/>
-        <p:txBody>
-          <a:bodyPr/>
-          <a:lstStyle/>
-          <a:p>
-            <a:endParaRPr lang="en-US"/>
-          </a:p>
-        </p:txBody>
-      </p:sp>
-      <p:sp>
-        <p:nvSpPr>
-          <p:cNvPr id="3" name="Content Placeholder 2">
-            <a:extLst>
-              <a:ext uri="{FF2B5EF4-FFF2-40B4-BE49-F238E27FC236}">
-                <a16:creationId xmlns:a16="http://schemas.microsoft.com/office/drawing/2014/main" id="{920461A8-3A03-174D-B0DD-22B5D345C501}"/>
-              </a:ext>
-            </a:extLst>
-          </p:cNvPr>
-          <p:cNvSpPr>
-            <a:spLocks noGrp="1"/>
-          </p:cNvSpPr>
-          <p:nvPr>
-            <p:ph idx="1"/>
-          </p:nvPr>
-        </p:nvSpPr>
-        <p:spPr/>
-        <p:txBody>
-          <a:bodyPr/>
-          <a:lstStyle/>
-          <a:p>
-            <a:endParaRPr lang="en-US"/>
-          </a:p>
-        </p:txBody>
-      </p:sp>
-      <p:pic>
-        <p:nvPicPr>
-          <p:cNvPr id="6146" name="Picture 2" descr="meta+classifier+machine+learning cheap buy online">
-            <a:extLst>
-              <a:ext uri="{FF2B5EF4-FFF2-40B4-BE49-F238E27FC236}">
-                <a16:creationId xmlns:a16="http://schemas.microsoft.com/office/drawing/2014/main" id="{61F4A8AF-344F-E945-ABA5-9218DC6F4FF5}"/>
-              </a:ext>
-            </a:extLst>
-          </p:cNvPr>
-          <p:cNvPicPr>
-            <a:picLocks noChangeAspect="1" noChangeArrowheads="1"/>
-          </p:cNvPicPr>
-          <p:nvPr/>
-        </p:nvPicPr>
-        <p:blipFill rotWithShape="1">
-          <a:blip r:embed="rId2">
-            <a:extLst>
-              <a:ext uri="{28A0092B-C50C-407E-A947-70E740481C1C}">
-                <a14:useLocalDpi xmlns:a14="http://schemas.microsoft.com/office/drawing/2010/main" val="0"/>
-              </a:ext>
-            </a:extLst>
-          </a:blip>
-          <a:srcRect b="6878"/>
-          <a:stretch/>
-        </p:blipFill>
-        <p:spPr bwMode="auto">
-          <a:xfrm>
-            <a:off x="2213882" y="-19768"/>
-            <a:ext cx="7764236" cy="6861690"/>
-          </a:xfrm>
-          <a:prstGeom prst="rect">
-            <a:avLst/>
-          </a:prstGeom>
-          <a:noFill/>
-          <a:extLst>
-            <a:ext uri="{909E8E84-426E-40DD-AFC4-6F175D3DCCD1}">
-              <a14:hiddenFill xmlns:a14="http://schemas.microsoft.com/office/drawing/2010/main">
-                <a:solidFill>
-                  <a:srgbClr val="FFFFFF"/>
-                </a:solidFill>
-              </a14:hiddenFill>
-            </a:ext>
-          </a:extLst>
-        </p:spPr>
-      </p:pic>
-    </p:spTree>
-    <p:extLst>
-      <p:ext uri="{BB962C8B-B14F-4D97-AF65-F5344CB8AC3E}">
-        <p14:creationId xmlns:p14="http://schemas.microsoft.com/office/powerpoint/2010/main" val="1510919830"/>
-      </p:ext>
-    </p:extLst>
-  </p:cSld>
-  <p:clrMapOvr>
-    <a:masterClrMapping/>
-  </p:clrMapOvr>
-</p:sld>
-</file>
-
-<file path=ppt/slides/slide35.xml><?xml version="1.0" encoding="utf-8"?>
-<p:sld xmlns:a="http://schemas.openxmlformats.org/drawingml/2006/main" xmlns:r="http://schemas.openxmlformats.org/officeDocument/2006/relationships" xmlns:p="http://schemas.openxmlformats.org/presentationml/2006/main">
-  <p:cSld>
-    <p:spTree>
-      <p:nvGrpSpPr>
-        <p:cNvPr id="1" name=""/>
-        <p:cNvGrpSpPr/>
-        <p:nvPr/>
-      </p:nvGrpSpPr>
-      <p:grpSpPr>
-        <a:xfrm>
-          <a:off x="0" y="0"/>
-          <a:ext cx="0" cy="0"/>
-          <a:chOff x="0" y="0"/>
-          <a:chExt cx="0" cy="0"/>
-        </a:xfrm>
-      </p:grpSpPr>
-      <p:sp>
-        <p:nvSpPr>
-          <p:cNvPr id="2" name="Title 1">
-            <a:extLst>
-              <a:ext uri="{FF2B5EF4-FFF2-40B4-BE49-F238E27FC236}">
-                <a16:creationId xmlns:a16="http://schemas.microsoft.com/office/drawing/2014/main" id="{175FBE52-5274-FC4D-BF51-A5E7CE443A98}"/>
-              </a:ext>
-            </a:extLst>
-          </p:cNvPr>
-          <p:cNvSpPr>
-            <a:spLocks noGrp="1"/>
-          </p:cNvSpPr>
-          <p:nvPr>
-            <p:ph type="title"/>
-          </p:nvPr>
-        </p:nvSpPr>
-        <p:spPr/>
-        <p:txBody>
-          <a:bodyPr/>
-          <a:lstStyle/>
-          <a:p>
-            <a:r>
-              <a:rPr lang="en-US" dirty="0"/>
-              <a:t>Boosting Conclusion</a:t>
-            </a:r>
-          </a:p>
-        </p:txBody>
-      </p:sp>
-      <p:sp>
-        <p:nvSpPr>
-          <p:cNvPr id="3" name="Content Placeholder 2">
-            <a:extLst>
-              <a:ext uri="{FF2B5EF4-FFF2-40B4-BE49-F238E27FC236}">
-                <a16:creationId xmlns:a16="http://schemas.microsoft.com/office/drawing/2014/main" id="{D6FD434A-3946-BA43-9CD6-AD729E119DD3}"/>
-              </a:ext>
-            </a:extLst>
-          </p:cNvPr>
-          <p:cNvSpPr>
-            <a:spLocks noGrp="1"/>
-          </p:cNvSpPr>
-          <p:nvPr>
-            <p:ph idx="1"/>
-          </p:nvPr>
-        </p:nvSpPr>
-        <p:spPr>
-          <a:xfrm>
-            <a:off x="1359243" y="1853754"/>
-            <a:ext cx="9786552" cy="4199727"/>
-          </a:xfrm>
-        </p:spPr>
-        <p:txBody>
-          <a:bodyPr/>
-          <a:lstStyle/>
-          <a:p>
-            <a:r>
-              <a:rPr lang="en-US" dirty="0"/>
-              <a:t>Boosting is extremely effective – boosted trees are the best overall models in many cases. </a:t>
-            </a:r>
-          </a:p>
-          <a:p>
-            <a:pPr lvl="1"/>
-            <a:r>
-              <a:rPr lang="en-US" dirty="0"/>
-              <a:t>Weak learners prevent excessive overfitting. </a:t>
-            </a:r>
-          </a:p>
-          <a:p>
-            <a:pPr lvl="1"/>
-            <a:r>
-              <a:rPr lang="en-US" dirty="0"/>
-              <a:t>Multiple learners and weighting allow for good fitting, and not underfitting. </a:t>
-            </a:r>
-          </a:p>
-          <a:p>
-            <a:pPr lvl="1"/>
-            <a:r>
-              <a:rPr lang="en-US" dirty="0" err="1"/>
-              <a:t>XGboost</a:t>
-            </a:r>
-            <a:r>
-              <a:rPr lang="en-US" dirty="0"/>
-              <a:t> (and competitors) incorporate a suite of optimizations to maximize performance. </a:t>
-            </a:r>
-          </a:p>
-          <a:p>
-            <a:pPr lvl="1"/>
-            <a:r>
-              <a:rPr lang="en-US" b="1" dirty="0"/>
-              <a:t>Rule of Thumb:</a:t>
-            </a:r>
-            <a:r>
-              <a:rPr lang="en-US" dirty="0"/>
-              <a:t> Smaller/structured -&gt; </a:t>
-            </a:r>
-            <a:r>
-              <a:rPr lang="en-US" dirty="0" err="1"/>
-              <a:t>xgboost</a:t>
-            </a:r>
-            <a:r>
-              <a:rPr lang="en-US" dirty="0"/>
-              <a:t>/</a:t>
-            </a:r>
-            <a:r>
-              <a:rPr lang="en-US" dirty="0" err="1"/>
-              <a:t>lgbm</a:t>
-            </a:r>
-            <a:r>
-              <a:rPr lang="en-US" dirty="0"/>
-              <a:t>. Larger/unstructured -&gt; neural network. </a:t>
-            </a:r>
-          </a:p>
-          <a:p>
-            <a:r>
-              <a:rPr lang="en-US" dirty="0"/>
-              <a:t>Are less parallelizable, due to sequential calculations, than other models. </a:t>
-            </a:r>
-          </a:p>
-          <a:p>
-            <a:pPr lvl="1"/>
-            <a:r>
-              <a:rPr lang="en-US" dirty="0"/>
-              <a:t>Partially mitigated by </a:t>
-            </a:r>
-            <a:r>
-              <a:rPr lang="en-US" dirty="0" err="1"/>
-              <a:t>xgboost</a:t>
-            </a:r>
-            <a:r>
-              <a:rPr lang="en-US" dirty="0"/>
-              <a:t>/</a:t>
-            </a:r>
-            <a:r>
-              <a:rPr lang="en-US" dirty="0" err="1"/>
-              <a:t>lgbm</a:t>
-            </a:r>
-            <a:r>
-              <a:rPr lang="en-US" dirty="0"/>
-              <a:t>. </a:t>
-            </a:r>
-          </a:p>
-          <a:p>
-            <a:r>
-              <a:rPr lang="en-US" dirty="0"/>
-              <a:t>Going forward, the concept for boosting is similar-</a:t>
-            </a:r>
-            <a:r>
-              <a:rPr lang="en-US" dirty="0" err="1"/>
-              <a:t>ish</a:t>
-            </a:r>
-            <a:r>
-              <a:rPr lang="en-US" dirty="0"/>
-              <a:t> in a way to neural networks. </a:t>
-            </a:r>
-          </a:p>
-          <a:p>
-            <a:pPr lvl="1"/>
-            <a:r>
-              <a:rPr lang="en-US" dirty="0"/>
-              <a:t>Each model in boosting expands the capacity of the model to fit data. </a:t>
-            </a:r>
-          </a:p>
-          <a:p>
-            <a:pPr lvl="1"/>
-            <a:r>
-              <a:rPr lang="en-US" dirty="0"/>
-              <a:t>Each layer in a neural network expands the capacity of the model to fit data. </a:t>
-            </a:r>
-          </a:p>
-        </p:txBody>
-      </p:sp>
-    </p:spTree>
-    <p:extLst>
-      <p:ext uri="{BB962C8B-B14F-4D97-AF65-F5344CB8AC3E}">
-        <p14:creationId xmlns:p14="http://schemas.microsoft.com/office/powerpoint/2010/main" val="1515088144"/>
-      </p:ext>
-    </p:extLst>
-  </p:cSld>
-  <p:clrMapOvr>
-    <a:masterClrMapping/>
-  </p:clrMapOvr>
-</p:sld>
-</file>
-
-<file path=ppt/slides/slide36.xml><?xml version="1.0" encoding="utf-8"?>
 <p:sld xmlns:a="http://schemas.openxmlformats.org/drawingml/2006/main" xmlns:r="http://schemas.openxmlformats.org/officeDocument/2006/relationships" xmlns:p="http://schemas.openxmlformats.org/presentationml/2006/main">
   <p:cSld>
     <p:bg>
@@ -8675,7 +8005,7 @@
 </p:sld>
 </file>
 
-<file path=ppt/slides/slide37.xml><?xml version="1.0" encoding="utf-8"?>
+<file path=ppt/slides/slide33.xml><?xml version="1.0" encoding="utf-8"?>
 <p:sld xmlns:a="http://schemas.openxmlformats.org/drawingml/2006/main" xmlns:r="http://schemas.openxmlformats.org/officeDocument/2006/relationships" xmlns:p="http://schemas.openxmlformats.org/presentationml/2006/main">
   <p:cSld>
     <p:bg>
@@ -8879,7 +8209,7 @@
 </p:sld>
 </file>
 
-<file path=ppt/slides/slide38.xml><?xml version="1.0" encoding="utf-8"?>
+<file path=ppt/slides/slide34.xml><?xml version="1.0" encoding="utf-8"?>
 <p:sld xmlns:a="http://schemas.openxmlformats.org/drawingml/2006/main" xmlns:r="http://schemas.openxmlformats.org/officeDocument/2006/relationships" xmlns:p="http://schemas.openxmlformats.org/presentationml/2006/main">
   <p:cSld>
     <p:bg>
@@ -9079,7 +8409,7 @@
 </p:sld>
 </file>
 
-<file path=ppt/slides/slide39.xml><?xml version="1.0" encoding="utf-8"?>
+<file path=ppt/slides/slide35.xml><?xml version="1.0" encoding="utf-8"?>
 <p:sld xmlns:a="http://schemas.openxmlformats.org/drawingml/2006/main" xmlns:r="http://schemas.openxmlformats.org/officeDocument/2006/relationships" xmlns:p="http://schemas.openxmlformats.org/presentationml/2006/main">
   <p:cSld>
     <p:bg>
@@ -9534,6 +8864,489 @@
 </p:sld>
 </file>
 
+<file path=ppt/slides/slide36.xml><?xml version="1.0" encoding="utf-8"?>
+<p:sld xmlns:a="http://schemas.openxmlformats.org/drawingml/2006/main" xmlns:r="http://schemas.openxmlformats.org/officeDocument/2006/relationships" xmlns:p="http://schemas.openxmlformats.org/presentationml/2006/main">
+  <p:cSld>
+    <p:spTree>
+      <p:nvGrpSpPr>
+        <p:cNvPr id="1" name=""/>
+        <p:cNvGrpSpPr/>
+        <p:nvPr/>
+      </p:nvGrpSpPr>
+      <p:grpSpPr>
+        <a:xfrm>
+          <a:off x="0" y="0"/>
+          <a:ext cx="0" cy="0"/>
+          <a:chOff x="0" y="0"/>
+          <a:chExt cx="0" cy="0"/>
+        </a:xfrm>
+      </p:grpSpPr>
+      <p:sp>
+        <p:nvSpPr>
+          <p:cNvPr id="2" name="Title 1">
+            <a:extLst>
+              <a:ext uri="{FF2B5EF4-FFF2-40B4-BE49-F238E27FC236}">
+                <a16:creationId xmlns:a16="http://schemas.microsoft.com/office/drawing/2014/main" id="{8E4D1305-7727-C3FE-C01D-6DFAA4FB1BC1}"/>
+              </a:ext>
+            </a:extLst>
+          </p:cNvPr>
+          <p:cNvSpPr>
+            <a:spLocks noGrp="1"/>
+          </p:cNvSpPr>
+          <p:nvPr>
+            <p:ph type="title"/>
+          </p:nvPr>
+        </p:nvSpPr>
+        <p:spPr/>
+        <p:txBody>
+          <a:bodyPr/>
+          <a:lstStyle/>
+          <a:p>
+            <a:endParaRPr lang="en-US"/>
+          </a:p>
+        </p:txBody>
+      </p:sp>
+      <p:sp>
+        <p:nvSpPr>
+          <p:cNvPr id="3" name="Content Placeholder 2">
+            <a:extLst>
+              <a:ext uri="{FF2B5EF4-FFF2-40B4-BE49-F238E27FC236}">
+                <a16:creationId xmlns:a16="http://schemas.microsoft.com/office/drawing/2014/main" id="{1DCAEE70-F5DC-6BE3-6A90-BAFB43F2DB0E}"/>
+              </a:ext>
+            </a:extLst>
+          </p:cNvPr>
+          <p:cNvSpPr>
+            <a:spLocks noGrp="1"/>
+          </p:cNvSpPr>
+          <p:nvPr>
+            <p:ph idx="1"/>
+          </p:nvPr>
+        </p:nvSpPr>
+        <p:spPr/>
+        <p:txBody>
+          <a:bodyPr/>
+          <a:lstStyle/>
+          <a:p>
+            <a:endParaRPr lang="en-US"/>
+          </a:p>
+        </p:txBody>
+      </p:sp>
+      <p:pic>
+        <p:nvPicPr>
+          <p:cNvPr id="6" name="Picture 5">
+            <a:extLst>
+              <a:ext uri="{FF2B5EF4-FFF2-40B4-BE49-F238E27FC236}">
+                <a16:creationId xmlns:a16="http://schemas.microsoft.com/office/drawing/2014/main" id="{289699E1-6E7F-29CF-F9BF-5521850D9E01}"/>
+              </a:ext>
+            </a:extLst>
+          </p:cNvPr>
+          <p:cNvPicPr>
+            <a:picLocks noChangeAspect="1"/>
+          </p:cNvPicPr>
+          <p:nvPr/>
+        </p:nvPicPr>
+        <p:blipFill>
+          <a:blip r:embed="rId2"/>
+          <a:stretch>
+            <a:fillRect/>
+          </a:stretch>
+        </p:blipFill>
+        <p:spPr>
+          <a:xfrm>
+            <a:off x="5652186" y="352696"/>
+            <a:ext cx="6539814" cy="6505303"/>
+          </a:xfrm>
+          <a:prstGeom prst="rect">
+            <a:avLst/>
+          </a:prstGeom>
+        </p:spPr>
+      </p:pic>
+      <p:pic>
+        <p:nvPicPr>
+          <p:cNvPr id="5" name="Picture 4">
+            <a:extLst>
+              <a:ext uri="{FF2B5EF4-FFF2-40B4-BE49-F238E27FC236}">
+                <a16:creationId xmlns:a16="http://schemas.microsoft.com/office/drawing/2014/main" id="{A1DC8B92-4458-77BE-92C0-1A3946ADA7EE}"/>
+              </a:ext>
+            </a:extLst>
+          </p:cNvPr>
+          <p:cNvPicPr>
+            <a:picLocks noChangeAspect="1"/>
+          </p:cNvPicPr>
+          <p:nvPr/>
+        </p:nvPicPr>
+        <p:blipFill rotWithShape="1">
+          <a:blip r:embed="rId3"/>
+          <a:srcRect l="2910" r="3992"/>
+          <a:stretch/>
+        </p:blipFill>
+        <p:spPr>
+          <a:xfrm>
+            <a:off x="-16955" y="1122884"/>
+            <a:ext cx="6270171" cy="5236307"/>
+          </a:xfrm>
+          <a:prstGeom prst="rect">
+            <a:avLst/>
+          </a:prstGeom>
+        </p:spPr>
+      </p:pic>
+    </p:spTree>
+    <p:extLst>
+      <p:ext uri="{BB962C8B-B14F-4D97-AF65-F5344CB8AC3E}">
+        <p14:creationId xmlns:p14="http://schemas.microsoft.com/office/powerpoint/2010/main" val="2064548987"/>
+      </p:ext>
+    </p:extLst>
+  </p:cSld>
+  <p:clrMapOvr>
+    <a:masterClrMapping/>
+  </p:clrMapOvr>
+</p:sld>
+</file>
+
+<file path=ppt/slides/slide37.xml><?xml version="1.0" encoding="utf-8"?>
+<p:sld xmlns:a="http://schemas.openxmlformats.org/drawingml/2006/main" xmlns:r="http://schemas.openxmlformats.org/officeDocument/2006/relationships" xmlns:p="http://schemas.openxmlformats.org/presentationml/2006/main">
+  <p:cSld>
+    <p:spTree>
+      <p:nvGrpSpPr>
+        <p:cNvPr id="1" name=""/>
+        <p:cNvGrpSpPr/>
+        <p:nvPr/>
+      </p:nvGrpSpPr>
+      <p:grpSpPr>
+        <a:xfrm>
+          <a:off x="0" y="0"/>
+          <a:ext cx="0" cy="0"/>
+          <a:chOff x="0" y="0"/>
+          <a:chExt cx="0" cy="0"/>
+        </a:xfrm>
+      </p:grpSpPr>
+      <p:sp>
+        <p:nvSpPr>
+          <p:cNvPr id="2" name="Title 1">
+            <a:extLst>
+              <a:ext uri="{FF2B5EF4-FFF2-40B4-BE49-F238E27FC236}">
+                <a16:creationId xmlns:a16="http://schemas.microsoft.com/office/drawing/2014/main" id="{005585CB-DAA7-6442-B4F9-7BE26149DE47}"/>
+              </a:ext>
+            </a:extLst>
+          </p:cNvPr>
+          <p:cNvSpPr>
+            <a:spLocks noGrp="1"/>
+          </p:cNvSpPr>
+          <p:nvPr>
+            <p:ph type="title"/>
+          </p:nvPr>
+        </p:nvSpPr>
+        <p:spPr/>
+        <p:txBody>
+          <a:bodyPr/>
+          <a:lstStyle/>
+          <a:p>
+            <a:endParaRPr lang="en-US"/>
+          </a:p>
+        </p:txBody>
+      </p:sp>
+      <p:sp>
+        <p:nvSpPr>
+          <p:cNvPr id="3" name="Content Placeholder 2">
+            <a:extLst>
+              <a:ext uri="{FF2B5EF4-FFF2-40B4-BE49-F238E27FC236}">
+                <a16:creationId xmlns:a16="http://schemas.microsoft.com/office/drawing/2014/main" id="{CA28FB0F-93B1-E547-83A3-01BB02851281}"/>
+              </a:ext>
+            </a:extLst>
+          </p:cNvPr>
+          <p:cNvSpPr>
+            <a:spLocks noGrp="1"/>
+          </p:cNvSpPr>
+          <p:nvPr>
+            <p:ph idx="1"/>
+          </p:nvPr>
+        </p:nvSpPr>
+        <p:spPr/>
+        <p:txBody>
+          <a:bodyPr/>
+          <a:lstStyle/>
+          <a:p>
+            <a:endParaRPr lang="en-US"/>
+          </a:p>
+        </p:txBody>
+      </p:sp>
+      <p:pic>
+        <p:nvPicPr>
+          <p:cNvPr id="4" name="Picture 3">
+            <a:extLst>
+              <a:ext uri="{FF2B5EF4-FFF2-40B4-BE49-F238E27FC236}">
+                <a16:creationId xmlns:a16="http://schemas.microsoft.com/office/drawing/2014/main" id="{EEB651EF-B499-FA4C-9A10-26BADAE83690}"/>
+              </a:ext>
+            </a:extLst>
+          </p:cNvPr>
+          <p:cNvPicPr>
+            <a:picLocks noChangeAspect="1"/>
+          </p:cNvPicPr>
+          <p:nvPr/>
+        </p:nvPicPr>
+        <p:blipFill>
+          <a:blip r:embed="rId2"/>
+          <a:stretch>
+            <a:fillRect/>
+          </a:stretch>
+        </p:blipFill>
+        <p:spPr>
+          <a:xfrm>
+            <a:off x="2735637" y="287"/>
+            <a:ext cx="6720725" cy="6872217"/>
+          </a:xfrm>
+          <a:prstGeom prst="rect">
+            <a:avLst/>
+          </a:prstGeom>
+        </p:spPr>
+      </p:pic>
+    </p:spTree>
+    <p:extLst>
+      <p:ext uri="{BB962C8B-B14F-4D97-AF65-F5344CB8AC3E}">
+        <p14:creationId xmlns:p14="http://schemas.microsoft.com/office/powerpoint/2010/main" val="2459392408"/>
+      </p:ext>
+    </p:extLst>
+  </p:cSld>
+  <p:clrMapOvr>
+    <a:masterClrMapping/>
+  </p:clrMapOvr>
+</p:sld>
+</file>
+
+<file path=ppt/slides/slide38.xml><?xml version="1.0" encoding="utf-8"?>
+<p:sld xmlns:a="http://schemas.openxmlformats.org/drawingml/2006/main" xmlns:r="http://schemas.openxmlformats.org/officeDocument/2006/relationships" xmlns:p="http://schemas.openxmlformats.org/presentationml/2006/main">
+  <p:cSld>
+    <p:spTree>
+      <p:nvGrpSpPr>
+        <p:cNvPr id="1" name=""/>
+        <p:cNvGrpSpPr/>
+        <p:nvPr/>
+      </p:nvGrpSpPr>
+      <p:grpSpPr>
+        <a:xfrm>
+          <a:off x="0" y="0"/>
+          <a:ext cx="0" cy="0"/>
+          <a:chOff x="0" y="0"/>
+          <a:chExt cx="0" cy="0"/>
+        </a:xfrm>
+      </p:grpSpPr>
+      <p:sp>
+        <p:nvSpPr>
+          <p:cNvPr id="2" name="Title 1">
+            <a:extLst>
+              <a:ext uri="{FF2B5EF4-FFF2-40B4-BE49-F238E27FC236}">
+                <a16:creationId xmlns:a16="http://schemas.microsoft.com/office/drawing/2014/main" id="{1EAAF59C-281E-5F10-4E1A-3E2A0BF7620E}"/>
+              </a:ext>
+            </a:extLst>
+          </p:cNvPr>
+          <p:cNvSpPr>
+            <a:spLocks noGrp="1"/>
+          </p:cNvSpPr>
+          <p:nvPr>
+            <p:ph type="title"/>
+          </p:nvPr>
+        </p:nvSpPr>
+        <p:spPr/>
+        <p:txBody>
+          <a:bodyPr/>
+          <a:lstStyle/>
+          <a:p>
+            <a:r>
+              <a:rPr lang="en-US" dirty="0"/>
+              <a:t>Gradient Boosting Magic</a:t>
+            </a:r>
+          </a:p>
+        </p:txBody>
+      </p:sp>
+      <p:sp>
+        <p:nvSpPr>
+          <p:cNvPr id="3" name="Content Placeholder 2">
+            <a:extLst>
+              <a:ext uri="{FF2B5EF4-FFF2-40B4-BE49-F238E27FC236}">
+                <a16:creationId xmlns:a16="http://schemas.microsoft.com/office/drawing/2014/main" id="{DBF5FB0F-8D09-D08E-B8A2-A77F0D0A718E}"/>
+              </a:ext>
+            </a:extLst>
+          </p:cNvPr>
+          <p:cNvSpPr>
+            <a:spLocks noGrp="1"/>
+          </p:cNvSpPr>
+          <p:nvPr>
+            <p:ph idx="1"/>
+          </p:nvPr>
+        </p:nvSpPr>
+        <p:spPr>
+          <a:xfrm>
+            <a:off x="1451579" y="1938130"/>
+            <a:ext cx="9603275" cy="3528215"/>
+          </a:xfrm>
+        </p:spPr>
+        <p:txBody>
+          <a:bodyPr/>
+          <a:lstStyle/>
+          <a:p>
+            <a:r>
+              <a:rPr lang="en-US" dirty="0"/>
+              <a:t>Gradient boosted models generally perform very well. </a:t>
+            </a:r>
+          </a:p>
+          <a:p>
+            <a:r>
+              <a:rPr lang="en-US" dirty="0"/>
+              <a:t>Each new model in the ensemble is fitted to correct whatever problems the model has at that moment, without hurting the things the ensemble does well. </a:t>
+            </a:r>
+          </a:p>
+          <a:p>
+            <a:r>
+              <a:rPr lang="en-US" dirty="0"/>
+              <a:t>This allows for:</a:t>
+            </a:r>
+          </a:p>
+          <a:p>
+            <a:pPr lvl="1"/>
+            <a:r>
+              <a:rPr lang="en-US" dirty="0"/>
+              <a:t>Lots of learning by the model to happen (reduce bias error). </a:t>
+            </a:r>
+          </a:p>
+          <a:p>
+            <a:pPr lvl="1"/>
+            <a:r>
+              <a:rPr lang="en-US" dirty="0"/>
+              <a:t>Not overfit, because it’s only acting on the errors (prevent the introduction of variance error).</a:t>
+            </a:r>
+          </a:p>
+        </p:txBody>
+      </p:sp>
+    </p:spTree>
+    <p:extLst>
+      <p:ext uri="{BB962C8B-B14F-4D97-AF65-F5344CB8AC3E}">
+        <p14:creationId xmlns:p14="http://schemas.microsoft.com/office/powerpoint/2010/main" val="1110663046"/>
+      </p:ext>
+    </p:extLst>
+  </p:cSld>
+  <p:clrMapOvr>
+    <a:masterClrMapping/>
+  </p:clrMapOvr>
+</p:sld>
+</file>
+
+<file path=ppt/slides/slide39.xml><?xml version="1.0" encoding="utf-8"?>
+<p:sld xmlns:a="http://schemas.openxmlformats.org/drawingml/2006/main" xmlns:r="http://schemas.openxmlformats.org/officeDocument/2006/relationships" xmlns:p="http://schemas.openxmlformats.org/presentationml/2006/main">
+  <p:cSld>
+    <p:spTree>
+      <p:nvGrpSpPr>
+        <p:cNvPr id="1" name=""/>
+        <p:cNvGrpSpPr/>
+        <p:nvPr/>
+      </p:nvGrpSpPr>
+      <p:grpSpPr>
+        <a:xfrm>
+          <a:off x="0" y="0"/>
+          <a:ext cx="0" cy="0"/>
+          <a:chOff x="0" y="0"/>
+          <a:chExt cx="0" cy="0"/>
+        </a:xfrm>
+      </p:grpSpPr>
+      <p:sp>
+        <p:nvSpPr>
+          <p:cNvPr id="2" name="Title 1">
+            <a:extLst>
+              <a:ext uri="{FF2B5EF4-FFF2-40B4-BE49-F238E27FC236}">
+                <a16:creationId xmlns:a16="http://schemas.microsoft.com/office/drawing/2014/main" id="{94195561-095C-9887-06D2-96563FBA2529}"/>
+              </a:ext>
+            </a:extLst>
+          </p:cNvPr>
+          <p:cNvSpPr>
+            <a:spLocks noGrp="1"/>
+          </p:cNvSpPr>
+          <p:nvPr>
+            <p:ph type="title"/>
+          </p:nvPr>
+        </p:nvSpPr>
+        <p:spPr/>
+        <p:txBody>
+          <a:bodyPr/>
+          <a:lstStyle/>
+          <a:p>
+            <a:r>
+              <a:rPr lang="en-US" dirty="0"/>
+              <a:t>Stochastic Factor</a:t>
+            </a:r>
+          </a:p>
+        </p:txBody>
+      </p:sp>
+      <p:sp>
+        <p:nvSpPr>
+          <p:cNvPr id="3" name="Content Placeholder 2">
+            <a:extLst>
+              <a:ext uri="{FF2B5EF4-FFF2-40B4-BE49-F238E27FC236}">
+                <a16:creationId xmlns:a16="http://schemas.microsoft.com/office/drawing/2014/main" id="{E22EBB10-7EF1-6E5A-477D-F2450596241F}"/>
+              </a:ext>
+            </a:extLst>
+          </p:cNvPr>
+          <p:cNvSpPr>
+            <a:spLocks noGrp="1"/>
+          </p:cNvSpPr>
+          <p:nvPr>
+            <p:ph idx="1"/>
+          </p:nvPr>
+        </p:nvSpPr>
+        <p:spPr>
+          <a:xfrm>
+            <a:off x="1451579" y="2015732"/>
+            <a:ext cx="9603275" cy="4037749"/>
+          </a:xfrm>
+        </p:spPr>
+        <p:txBody>
+          <a:bodyPr/>
+          <a:lstStyle/>
+          <a:p>
+            <a:r>
+              <a:rPr lang="en-US" dirty="0"/>
+              <a:t>When performing gradient boosting, we can also make it stochastic. </a:t>
+            </a:r>
+          </a:p>
+          <a:p>
+            <a:pPr lvl="1"/>
+            <a:r>
+              <a:rPr lang="en-US" dirty="0"/>
+              <a:t>Recall, that means we randomly select some subset of data for each update, rather than all. </a:t>
+            </a:r>
+          </a:p>
+          <a:p>
+            <a:r>
+              <a:rPr lang="en-US" dirty="0"/>
+              <a:t>The subset parameter controls this split. </a:t>
+            </a:r>
+          </a:p>
+          <a:p>
+            <a:pPr lvl="1"/>
+            <a:r>
+              <a:rPr lang="en-US" dirty="0"/>
+              <a:t>A split in the 30% range is common, but this is pretty flexible. </a:t>
+            </a:r>
+          </a:p>
+          <a:p>
+            <a:r>
+              <a:rPr lang="en-US" dirty="0"/>
+              <a:t>This can speed things up a bit as data grows large. </a:t>
+            </a:r>
+          </a:p>
+        </p:txBody>
+      </p:sp>
+    </p:spTree>
+    <p:extLst>
+      <p:ext uri="{BB962C8B-B14F-4D97-AF65-F5344CB8AC3E}">
+        <p14:creationId xmlns:p14="http://schemas.microsoft.com/office/powerpoint/2010/main" val="1366219691"/>
+      </p:ext>
+    </p:extLst>
+  </p:cSld>
+  <p:clrMapOvr>
+    <a:masterClrMapping/>
+  </p:clrMapOvr>
+</p:sld>
+</file>
+
 <file path=ppt/slides/slide4.xml><?xml version="1.0" encoding="utf-8"?>
 <p:sld xmlns:a="http://schemas.openxmlformats.org/drawingml/2006/main" xmlns:r="http://schemas.openxmlformats.org/officeDocument/2006/relationships" xmlns:p="http://schemas.openxmlformats.org/presentationml/2006/main">
   <p:cSld>
@@ -9712,7 +9525,7 @@
 </p:sld>
 </file>
 
-<file path=ppt/slides/slide5.xml><?xml version="1.0" encoding="utf-8"?>
+<file path=ppt/slides/slide40.xml><?xml version="1.0" encoding="utf-8"?>
 <p:sld xmlns:a="http://schemas.openxmlformats.org/drawingml/2006/main" xmlns:r="http://schemas.openxmlformats.org/officeDocument/2006/relationships" xmlns:p="http://schemas.openxmlformats.org/presentationml/2006/main">
   <p:cSld>
     <p:spTree>
@@ -9734,6 +9547,1096 @@
           <p:cNvPr id="2" name="Title 1">
             <a:extLst>
               <a:ext uri="{FF2B5EF4-FFF2-40B4-BE49-F238E27FC236}">
+                <a16:creationId xmlns:a16="http://schemas.microsoft.com/office/drawing/2014/main" id="{DC144B30-6FC5-6B4B-8B10-45FE64DA2645}"/>
+              </a:ext>
+            </a:extLst>
+          </p:cNvPr>
+          <p:cNvSpPr>
+            <a:spLocks noGrp="1"/>
+          </p:cNvSpPr>
+          <p:nvPr>
+            <p:ph type="title"/>
+          </p:nvPr>
+        </p:nvSpPr>
+        <p:spPr/>
+        <p:txBody>
+          <a:bodyPr>
+            <a:normAutofit/>
+          </a:bodyPr>
+          <a:lstStyle/>
+          <a:p>
+            <a:r>
+              <a:rPr lang="en-US" dirty="0" err="1"/>
+              <a:t>XGBoost</a:t>
+            </a:r>
+            <a:r>
+              <a:rPr lang="en-US" dirty="0"/>
+              <a:t> – E</a:t>
+            </a:r>
+            <a:r>
+              <a:rPr lang="en-US" sz="6700" dirty="0"/>
+              <a:t>x</a:t>
+            </a:r>
+            <a:r>
+              <a:rPr lang="en-US" dirty="0"/>
+              <a:t>treme Gradient Boosting</a:t>
+            </a:r>
+          </a:p>
+        </p:txBody>
+      </p:sp>
+      <p:sp>
+        <p:nvSpPr>
+          <p:cNvPr id="3" name="Content Placeholder 2">
+            <a:extLst>
+              <a:ext uri="{FF2B5EF4-FFF2-40B4-BE49-F238E27FC236}">
+                <a16:creationId xmlns:a16="http://schemas.microsoft.com/office/drawing/2014/main" id="{5F4ECAFD-2A7C-8147-85A7-D2AD8E9B8210}"/>
+              </a:ext>
+            </a:extLst>
+          </p:cNvPr>
+          <p:cNvSpPr>
+            <a:spLocks noGrp="1"/>
+          </p:cNvSpPr>
+          <p:nvPr>
+            <p:ph idx="1"/>
+          </p:nvPr>
+        </p:nvSpPr>
+        <p:spPr>
+          <a:xfrm>
+            <a:off x="1103243" y="1853754"/>
+            <a:ext cx="10287000" cy="4199727"/>
+          </a:xfrm>
+        </p:spPr>
+        <p:txBody>
+          <a:bodyPr>
+            <a:normAutofit lnSpcReduction="10000"/>
+          </a:bodyPr>
+          <a:lstStyle/>
+          <a:p>
+            <a:r>
+              <a:rPr lang="en-US" dirty="0" err="1"/>
+              <a:t>XGboost</a:t>
+            </a:r>
+            <a:r>
+              <a:rPr lang="en-US" dirty="0"/>
+              <a:t> is one of the current “champions” of non-neural network algorithms. </a:t>
+            </a:r>
+          </a:p>
+          <a:p>
+            <a:pPr lvl="1"/>
+            <a:r>
+              <a:rPr lang="en-US" dirty="0" err="1"/>
+              <a:t>LightGBM</a:t>
+            </a:r>
+            <a:r>
+              <a:rPr lang="en-US" dirty="0"/>
+              <a:t> (by MS) is similar to </a:t>
+            </a:r>
+            <a:r>
+              <a:rPr lang="en-US" dirty="0" err="1"/>
+              <a:t>xgboost</a:t>
+            </a:r>
+            <a:r>
+              <a:rPr lang="en-US" dirty="0"/>
+              <a:t>, but often even faster. Trees get deeper. </a:t>
+            </a:r>
+          </a:p>
+          <a:p>
+            <a:pPr lvl="1"/>
+            <a:r>
+              <a:rPr lang="en-US" dirty="0" err="1"/>
+              <a:t>HistGradientBoosting</a:t>
+            </a:r>
+            <a:r>
+              <a:rPr lang="en-US" dirty="0"/>
+              <a:t> from </a:t>
+            </a:r>
+            <a:r>
+              <a:rPr lang="en-US" dirty="0" err="1"/>
+              <a:t>sklearn</a:t>
+            </a:r>
+            <a:r>
+              <a:rPr lang="en-US" dirty="0"/>
+              <a:t> is similar to </a:t>
+            </a:r>
+            <a:r>
+              <a:rPr lang="en-US" dirty="0" err="1"/>
+              <a:t>LightGBM</a:t>
+            </a:r>
+            <a:r>
+              <a:rPr lang="en-US" dirty="0"/>
+              <a:t>. </a:t>
+            </a:r>
+          </a:p>
+          <a:p>
+            <a:r>
+              <a:rPr lang="en-US" dirty="0"/>
+              <a:t>New – only developed in 2014. Mostly by one dude!</a:t>
+            </a:r>
+          </a:p>
+          <a:p>
+            <a:r>
+              <a:rPr lang="en-US" dirty="0"/>
+              <a:t>Applies many tricks/optimizations to gradient boosting. </a:t>
+            </a:r>
+          </a:p>
+          <a:p>
+            <a:pPr lvl="1"/>
+            <a:r>
+              <a:rPr lang="en-US" dirty="0"/>
+              <a:t>Parallelized and written to optimally utilize hardware for speed. </a:t>
+            </a:r>
+          </a:p>
+          <a:p>
+            <a:pPr lvl="1"/>
+            <a:r>
+              <a:rPr lang="en-US" dirty="0"/>
+              <a:t>Built in cross validation and regularization. </a:t>
+            </a:r>
+          </a:p>
+          <a:p>
+            <a:pPr lvl="1"/>
+            <a:r>
+              <a:rPr lang="en-US" dirty="0"/>
+              <a:t>Handles sparse or dense data by default, as well as data that is too large for memory. </a:t>
+            </a:r>
+          </a:p>
+          <a:p>
+            <a:pPr lvl="1"/>
+            <a:r>
+              <a:rPr lang="en-US" dirty="0"/>
+              <a:t>Revised methods to efficiently find internal calculations like tree split points. </a:t>
+            </a:r>
+          </a:p>
+          <a:p>
+            <a:r>
+              <a:rPr lang="en-US" dirty="0"/>
+              <a:t>Effectively – gradient boosting + all the “extra stuff” that can make algorithms faster and better. </a:t>
+            </a:r>
+          </a:p>
+        </p:txBody>
+      </p:sp>
+    </p:spTree>
+    <p:extLst>
+      <p:ext uri="{BB962C8B-B14F-4D97-AF65-F5344CB8AC3E}">
+        <p14:creationId xmlns:p14="http://schemas.microsoft.com/office/powerpoint/2010/main" val="763310812"/>
+      </p:ext>
+    </p:extLst>
+  </p:cSld>
+  <p:clrMapOvr>
+    <a:masterClrMapping/>
+  </p:clrMapOvr>
+</p:sld>
+</file>
+
+<file path=ppt/slides/slide41.xml><?xml version="1.0" encoding="utf-8"?>
+<p:sld xmlns:a="http://schemas.openxmlformats.org/drawingml/2006/main" xmlns:r="http://schemas.openxmlformats.org/officeDocument/2006/relationships" xmlns:p="http://schemas.openxmlformats.org/presentationml/2006/main">
+  <p:cSld>
+    <p:spTree>
+      <p:nvGrpSpPr>
+        <p:cNvPr id="1" name=""/>
+        <p:cNvGrpSpPr/>
+        <p:nvPr/>
+      </p:nvGrpSpPr>
+      <p:grpSpPr>
+        <a:xfrm>
+          <a:off x="0" y="0"/>
+          <a:ext cx="0" cy="0"/>
+          <a:chOff x="0" y="0"/>
+          <a:chExt cx="0" cy="0"/>
+        </a:xfrm>
+      </p:grpSpPr>
+      <p:sp>
+        <p:nvSpPr>
+          <p:cNvPr id="2" name="Title 1">
+            <a:extLst>
+              <a:ext uri="{FF2B5EF4-FFF2-40B4-BE49-F238E27FC236}">
+                <a16:creationId xmlns:a16="http://schemas.microsoft.com/office/drawing/2014/main" id="{8FED0CAF-C52B-F00F-980D-E97D55A1D13A}"/>
+              </a:ext>
+            </a:extLst>
+          </p:cNvPr>
+          <p:cNvSpPr>
+            <a:spLocks noGrp="1"/>
+          </p:cNvSpPr>
+          <p:nvPr>
+            <p:ph type="title"/>
+          </p:nvPr>
+        </p:nvSpPr>
+        <p:spPr/>
+        <p:txBody>
+          <a:bodyPr/>
+          <a:lstStyle/>
+          <a:p>
+            <a:endParaRPr lang="en-US"/>
+          </a:p>
+        </p:txBody>
+      </p:sp>
+      <p:sp>
+        <p:nvSpPr>
+          <p:cNvPr id="3" name="Content Placeholder 2">
+            <a:extLst>
+              <a:ext uri="{FF2B5EF4-FFF2-40B4-BE49-F238E27FC236}">
+                <a16:creationId xmlns:a16="http://schemas.microsoft.com/office/drawing/2014/main" id="{2A458A39-B073-51F5-5315-9D0C81A56CA7}"/>
+              </a:ext>
+            </a:extLst>
+          </p:cNvPr>
+          <p:cNvSpPr>
+            <a:spLocks noGrp="1"/>
+          </p:cNvSpPr>
+          <p:nvPr>
+            <p:ph idx="1"/>
+          </p:nvPr>
+        </p:nvSpPr>
+        <p:spPr/>
+        <p:txBody>
+          <a:bodyPr/>
+          <a:lstStyle/>
+          <a:p>
+            <a:endParaRPr lang="en-US"/>
+          </a:p>
+        </p:txBody>
+      </p:sp>
+      <p:pic>
+        <p:nvPicPr>
+          <p:cNvPr id="2050" name="Picture 2" descr="XGBoost (Extreme Gradient Boosting) in Machine Learning | by Abhishek Shah  | Medium">
+            <a:extLst>
+              <a:ext uri="{FF2B5EF4-FFF2-40B4-BE49-F238E27FC236}">
+                <a16:creationId xmlns:a16="http://schemas.microsoft.com/office/drawing/2014/main" id="{327D153B-B6B9-7D0A-1268-679D93C984BD}"/>
+              </a:ext>
+            </a:extLst>
+          </p:cNvPr>
+          <p:cNvPicPr>
+            <a:picLocks noChangeAspect="1" noChangeArrowheads="1"/>
+          </p:cNvPicPr>
+          <p:nvPr/>
+        </p:nvPicPr>
+        <p:blipFill>
+          <a:blip r:embed="rId2">
+            <a:extLst>
+              <a:ext uri="{28A0092B-C50C-407E-A947-70E740481C1C}">
+                <a14:useLocalDpi xmlns:a14="http://schemas.microsoft.com/office/drawing/2010/main" val="0"/>
+              </a:ext>
+            </a:extLst>
+          </a:blip>
+          <a:srcRect/>
+          <a:stretch>
+            <a:fillRect/>
+          </a:stretch>
+        </p:blipFill>
+        <p:spPr bwMode="auto">
+          <a:xfrm>
+            <a:off x="0" y="336550"/>
+            <a:ext cx="12192000" cy="6183313"/>
+          </a:xfrm>
+          <a:prstGeom prst="rect">
+            <a:avLst/>
+          </a:prstGeom>
+          <a:noFill/>
+          <a:extLst>
+            <a:ext uri="{909E8E84-426E-40DD-AFC4-6F175D3DCCD1}">
+              <a14:hiddenFill xmlns:a14="http://schemas.microsoft.com/office/drawing/2010/main">
+                <a:solidFill>
+                  <a:srgbClr val="FFFFFF"/>
+                </a:solidFill>
+              </a14:hiddenFill>
+            </a:ext>
+          </a:extLst>
+        </p:spPr>
+      </p:pic>
+    </p:spTree>
+    <p:extLst>
+      <p:ext uri="{BB962C8B-B14F-4D97-AF65-F5344CB8AC3E}">
+        <p14:creationId xmlns:p14="http://schemas.microsoft.com/office/powerpoint/2010/main" val="2420854655"/>
+      </p:ext>
+    </p:extLst>
+  </p:cSld>
+  <p:clrMapOvr>
+    <a:masterClrMapping/>
+  </p:clrMapOvr>
+</p:sld>
+</file>
+
+<file path=ppt/slides/slide42.xml><?xml version="1.0" encoding="utf-8"?>
+<p:sld xmlns:a="http://schemas.openxmlformats.org/drawingml/2006/main" xmlns:r="http://schemas.openxmlformats.org/officeDocument/2006/relationships" xmlns:p="http://schemas.openxmlformats.org/presentationml/2006/main">
+  <p:cSld>
+    <p:spTree>
+      <p:nvGrpSpPr>
+        <p:cNvPr id="1" name=""/>
+        <p:cNvGrpSpPr/>
+        <p:nvPr/>
+      </p:nvGrpSpPr>
+      <p:grpSpPr>
+        <a:xfrm>
+          <a:off x="0" y="0"/>
+          <a:ext cx="0" cy="0"/>
+          <a:chOff x="0" y="0"/>
+          <a:chExt cx="0" cy="0"/>
+        </a:xfrm>
+      </p:grpSpPr>
+      <p:sp>
+        <p:nvSpPr>
+          <p:cNvPr id="2" name="Title 1">
+            <a:extLst>
+              <a:ext uri="{FF2B5EF4-FFF2-40B4-BE49-F238E27FC236}">
+                <a16:creationId xmlns:a16="http://schemas.microsoft.com/office/drawing/2014/main" id="{FC05C898-8CE1-1D2F-0F25-527F0378E63B}"/>
+              </a:ext>
+            </a:extLst>
+          </p:cNvPr>
+          <p:cNvSpPr>
+            <a:spLocks noGrp="1"/>
+          </p:cNvSpPr>
+          <p:nvPr>
+            <p:ph type="title"/>
+          </p:nvPr>
+        </p:nvSpPr>
+        <p:spPr/>
+        <p:txBody>
+          <a:bodyPr/>
+          <a:lstStyle/>
+          <a:p>
+            <a:r>
+              <a:rPr lang="en-US" dirty="0" err="1"/>
+              <a:t>Xgboost</a:t>
+            </a:r>
+            <a:r>
+              <a:rPr lang="en-US" dirty="0"/>
+              <a:t> Oddities</a:t>
+            </a:r>
+          </a:p>
+        </p:txBody>
+      </p:sp>
+      <p:sp>
+        <p:nvSpPr>
+          <p:cNvPr id="3" name="Content Placeholder 2">
+            <a:extLst>
+              <a:ext uri="{FF2B5EF4-FFF2-40B4-BE49-F238E27FC236}">
+                <a16:creationId xmlns:a16="http://schemas.microsoft.com/office/drawing/2014/main" id="{A31F948C-1A78-23DC-EC4F-37084D231CCE}"/>
+              </a:ext>
+            </a:extLst>
+          </p:cNvPr>
+          <p:cNvSpPr>
+            <a:spLocks noGrp="1"/>
+          </p:cNvSpPr>
+          <p:nvPr>
+            <p:ph idx="1"/>
+          </p:nvPr>
+        </p:nvSpPr>
+        <p:spPr>
+          <a:xfrm>
+            <a:off x="1451578" y="1853754"/>
+            <a:ext cx="10362049" cy="4199727"/>
+          </a:xfrm>
+        </p:spPr>
+        <p:txBody>
+          <a:bodyPr>
+            <a:normAutofit/>
+          </a:bodyPr>
+          <a:lstStyle/>
+          <a:p>
+            <a:r>
+              <a:rPr lang="en-US" dirty="0" err="1"/>
+              <a:t>Xgboost</a:t>
+            </a:r>
+            <a:r>
+              <a:rPr lang="en-US" dirty="0"/>
+              <a:t> and similar models excel over the “pure” gradient boost due to optimizations. </a:t>
+            </a:r>
+          </a:p>
+          <a:p>
+            <a:r>
+              <a:rPr lang="en-US" dirty="0"/>
+              <a:t>Exist both to better utilize hardware and make calculations faster, e.g.:</a:t>
+            </a:r>
+          </a:p>
+          <a:p>
+            <a:pPr lvl="1"/>
+            <a:r>
+              <a:rPr lang="en-US" dirty="0"/>
+              <a:t>Uses “</a:t>
+            </a:r>
+            <a:r>
+              <a:rPr lang="en-US" dirty="0" err="1"/>
+              <a:t>max_depth</a:t>
+            </a:r>
+            <a:r>
+              <a:rPr lang="en-US" dirty="0"/>
+              <a:t>” in place of criterion (</a:t>
+            </a:r>
+            <a:r>
+              <a:rPr lang="en-US" dirty="0" err="1"/>
+              <a:t>gini</a:t>
+            </a:r>
+            <a:r>
+              <a:rPr lang="en-US" dirty="0"/>
+              <a:t>/entropy) for some calculations like stopping criteria. </a:t>
+            </a:r>
+          </a:p>
+          <a:p>
+            <a:pPr lvl="1"/>
+            <a:r>
+              <a:rPr lang="en-US" dirty="0"/>
+              <a:t>Calculates imputation internally based on training loss. </a:t>
+            </a:r>
+          </a:p>
+          <a:p>
+            <a:pPr lvl="1"/>
+            <a:r>
+              <a:rPr lang="en-US" dirty="0"/>
+              <a:t>Parts of the algorithm that can be parallelized are, aggressively. </a:t>
+            </a:r>
+          </a:p>
+          <a:p>
+            <a:pPr lvl="1"/>
+            <a:r>
+              <a:rPr lang="en-US" dirty="0"/>
+              <a:t>Manages cache and memory to prevent memory related slowdowns. </a:t>
+            </a:r>
+          </a:p>
+          <a:p>
+            <a:r>
+              <a:rPr lang="en-US" dirty="0"/>
+              <a:t>Small improvements can yield massive differences, as large datasets require lots of calculations. </a:t>
+            </a:r>
+          </a:p>
+          <a:p>
+            <a:pPr lvl="1"/>
+            <a:r>
+              <a:rPr lang="en-US" dirty="0"/>
+              <a:t>Faster executions allow for more experiments for optimization. </a:t>
+            </a:r>
+          </a:p>
+          <a:p>
+            <a:endParaRPr lang="en-US" dirty="0"/>
+          </a:p>
+        </p:txBody>
+      </p:sp>
+    </p:spTree>
+    <p:extLst>
+      <p:ext uri="{BB962C8B-B14F-4D97-AF65-F5344CB8AC3E}">
+        <p14:creationId xmlns:p14="http://schemas.microsoft.com/office/powerpoint/2010/main" val="810779003"/>
+      </p:ext>
+    </p:extLst>
+  </p:cSld>
+  <p:clrMapOvr>
+    <a:masterClrMapping/>
+  </p:clrMapOvr>
+</p:sld>
+</file>
+
+<file path=ppt/slides/slide43.xml><?xml version="1.0" encoding="utf-8"?>
+<p:sld xmlns:a="http://schemas.openxmlformats.org/drawingml/2006/main" xmlns:r="http://schemas.openxmlformats.org/officeDocument/2006/relationships" xmlns:p="http://schemas.openxmlformats.org/presentationml/2006/main">
+  <p:cSld>
+    <p:spTree>
+      <p:nvGrpSpPr>
+        <p:cNvPr id="1" name=""/>
+        <p:cNvGrpSpPr/>
+        <p:nvPr/>
+      </p:nvGrpSpPr>
+      <p:grpSpPr>
+        <a:xfrm>
+          <a:off x="0" y="0"/>
+          <a:ext cx="0" cy="0"/>
+          <a:chOff x="0" y="0"/>
+          <a:chExt cx="0" cy="0"/>
+        </a:xfrm>
+      </p:grpSpPr>
+      <p:sp>
+        <p:nvSpPr>
+          <p:cNvPr id="2" name="Title 1">
+            <a:extLst>
+              <a:ext uri="{FF2B5EF4-FFF2-40B4-BE49-F238E27FC236}">
+                <a16:creationId xmlns:a16="http://schemas.microsoft.com/office/drawing/2014/main" id="{4EAC0E8D-3DF8-F34F-8FD2-602F9A93A905}"/>
+              </a:ext>
+            </a:extLst>
+          </p:cNvPr>
+          <p:cNvSpPr>
+            <a:spLocks noGrp="1"/>
+          </p:cNvSpPr>
+          <p:nvPr>
+            <p:ph type="title"/>
+          </p:nvPr>
+        </p:nvSpPr>
+        <p:spPr/>
+        <p:txBody>
+          <a:bodyPr/>
+          <a:lstStyle/>
+          <a:p>
+            <a:r>
+              <a:rPr lang="en-US" dirty="0"/>
+              <a:t>Other Ensembles - Stacking</a:t>
+            </a:r>
+          </a:p>
+        </p:txBody>
+      </p:sp>
+      <p:sp>
+        <p:nvSpPr>
+          <p:cNvPr id="3" name="Content Placeholder 2">
+            <a:extLst>
+              <a:ext uri="{FF2B5EF4-FFF2-40B4-BE49-F238E27FC236}">
+                <a16:creationId xmlns:a16="http://schemas.microsoft.com/office/drawing/2014/main" id="{1037789D-FE7B-3A46-AF9F-F6348271B017}"/>
+              </a:ext>
+            </a:extLst>
+          </p:cNvPr>
+          <p:cNvSpPr>
+            <a:spLocks noGrp="1"/>
+          </p:cNvSpPr>
+          <p:nvPr>
+            <p:ph idx="1"/>
+          </p:nvPr>
+        </p:nvSpPr>
+        <p:spPr>
+          <a:xfrm>
+            <a:off x="1451579" y="1853754"/>
+            <a:ext cx="9603275" cy="4290568"/>
+          </a:xfrm>
+        </p:spPr>
+        <p:txBody>
+          <a:bodyPr>
+            <a:normAutofit/>
+          </a:bodyPr>
+          <a:lstStyle/>
+          <a:p>
+            <a:r>
+              <a:rPr lang="en-US" dirty="0"/>
+              <a:t>Stacking is an ensemble technique that uses another model that is used to do the “blending” step for the final predictions. </a:t>
+            </a:r>
+          </a:p>
+          <a:p>
+            <a:pPr lvl="1"/>
+            <a:r>
+              <a:rPr lang="en-US" dirty="0"/>
+              <a:t>I.e. rather than taking a “vote” of all the predictions like one would for a random forest classification, those predictions are the feature set of another model (e.g. log. reg.)</a:t>
+            </a:r>
+          </a:p>
+          <a:p>
+            <a:r>
+              <a:rPr lang="en-US" dirty="0"/>
+              <a:t>The stacking model is setup as:</a:t>
+            </a:r>
+          </a:p>
+          <a:p>
+            <a:pPr lvl="1"/>
+            <a:r>
+              <a:rPr lang="en-US" dirty="0"/>
+              <a:t>Y = final prediction being made. </a:t>
+            </a:r>
+          </a:p>
+          <a:p>
+            <a:pPr lvl="1"/>
+            <a:r>
+              <a:rPr lang="en-US" dirty="0"/>
+              <a:t>X = feature set made of each estimator’s individual prediction. </a:t>
+            </a:r>
+          </a:p>
+          <a:p>
+            <a:r>
+              <a:rPr lang="en-US" dirty="0"/>
+              <a:t>Stacking tends to increase performance on average, but it is often slow. </a:t>
+            </a:r>
+          </a:p>
+          <a:p>
+            <a:pPr lvl="1"/>
+            <a:r>
+              <a:rPr lang="en-US" dirty="0"/>
+              <a:t>Generally, reduces variance. </a:t>
+            </a:r>
+          </a:p>
+          <a:p>
+            <a:r>
+              <a:rPr lang="en-US" dirty="0"/>
+              <a:t>If we have enough data, a neural network can likely learn what the stack is doing, better.</a:t>
+            </a:r>
+          </a:p>
+        </p:txBody>
+      </p:sp>
+    </p:spTree>
+    <p:extLst>
+      <p:ext uri="{BB962C8B-B14F-4D97-AF65-F5344CB8AC3E}">
+        <p14:creationId xmlns:p14="http://schemas.microsoft.com/office/powerpoint/2010/main" val="3393901998"/>
+      </p:ext>
+    </p:extLst>
+  </p:cSld>
+  <p:clrMapOvr>
+    <a:masterClrMapping/>
+  </p:clrMapOvr>
+</p:sld>
+</file>
+
+<file path=ppt/slides/slide44.xml><?xml version="1.0" encoding="utf-8"?>
+<p:sld xmlns:a="http://schemas.openxmlformats.org/drawingml/2006/main" xmlns:r="http://schemas.openxmlformats.org/officeDocument/2006/relationships" xmlns:p="http://schemas.openxmlformats.org/presentationml/2006/main">
+  <p:cSld>
+    <p:spTree>
+      <p:nvGrpSpPr>
+        <p:cNvPr id="1" name=""/>
+        <p:cNvGrpSpPr/>
+        <p:nvPr/>
+      </p:nvGrpSpPr>
+      <p:grpSpPr>
+        <a:xfrm>
+          <a:off x="0" y="0"/>
+          <a:ext cx="0" cy="0"/>
+          <a:chOff x="0" y="0"/>
+          <a:chExt cx="0" cy="0"/>
+        </a:xfrm>
+      </p:grpSpPr>
+      <p:sp>
+        <p:nvSpPr>
+          <p:cNvPr id="2" name="Title 1">
+            <a:extLst>
+              <a:ext uri="{FF2B5EF4-FFF2-40B4-BE49-F238E27FC236}">
+                <a16:creationId xmlns:a16="http://schemas.microsoft.com/office/drawing/2014/main" id="{AEA5FB89-E580-084A-ADA5-97F2DEE3C93E}"/>
+              </a:ext>
+            </a:extLst>
+          </p:cNvPr>
+          <p:cNvSpPr>
+            <a:spLocks noGrp="1"/>
+          </p:cNvSpPr>
+          <p:nvPr>
+            <p:ph type="title"/>
+          </p:nvPr>
+        </p:nvSpPr>
+        <p:spPr/>
+        <p:txBody>
+          <a:bodyPr/>
+          <a:lstStyle/>
+          <a:p>
+            <a:endParaRPr lang="en-US"/>
+          </a:p>
+        </p:txBody>
+      </p:sp>
+      <p:sp>
+        <p:nvSpPr>
+          <p:cNvPr id="3" name="Content Placeholder 2">
+            <a:extLst>
+              <a:ext uri="{FF2B5EF4-FFF2-40B4-BE49-F238E27FC236}">
+                <a16:creationId xmlns:a16="http://schemas.microsoft.com/office/drawing/2014/main" id="{920461A8-3A03-174D-B0DD-22B5D345C501}"/>
+              </a:ext>
+            </a:extLst>
+          </p:cNvPr>
+          <p:cNvSpPr>
+            <a:spLocks noGrp="1"/>
+          </p:cNvSpPr>
+          <p:nvPr>
+            <p:ph idx="1"/>
+          </p:nvPr>
+        </p:nvSpPr>
+        <p:spPr/>
+        <p:txBody>
+          <a:bodyPr/>
+          <a:lstStyle/>
+          <a:p>
+            <a:endParaRPr lang="en-US"/>
+          </a:p>
+        </p:txBody>
+      </p:sp>
+      <p:pic>
+        <p:nvPicPr>
+          <p:cNvPr id="6146" name="Picture 2" descr="meta+classifier+machine+learning cheap buy online">
+            <a:extLst>
+              <a:ext uri="{FF2B5EF4-FFF2-40B4-BE49-F238E27FC236}">
+                <a16:creationId xmlns:a16="http://schemas.microsoft.com/office/drawing/2014/main" id="{61F4A8AF-344F-E945-ABA5-9218DC6F4FF5}"/>
+              </a:ext>
+            </a:extLst>
+          </p:cNvPr>
+          <p:cNvPicPr>
+            <a:picLocks noChangeAspect="1" noChangeArrowheads="1"/>
+          </p:cNvPicPr>
+          <p:nvPr/>
+        </p:nvPicPr>
+        <p:blipFill rotWithShape="1">
+          <a:blip r:embed="rId2">
+            <a:extLst>
+              <a:ext uri="{28A0092B-C50C-407E-A947-70E740481C1C}">
+                <a14:useLocalDpi xmlns:a14="http://schemas.microsoft.com/office/drawing/2010/main" val="0"/>
+              </a:ext>
+            </a:extLst>
+          </a:blip>
+          <a:srcRect b="6878"/>
+          <a:stretch/>
+        </p:blipFill>
+        <p:spPr bwMode="auto">
+          <a:xfrm>
+            <a:off x="2213882" y="-19768"/>
+            <a:ext cx="7764236" cy="6861690"/>
+          </a:xfrm>
+          <a:prstGeom prst="rect">
+            <a:avLst/>
+          </a:prstGeom>
+          <a:noFill/>
+          <a:extLst>
+            <a:ext uri="{909E8E84-426E-40DD-AFC4-6F175D3DCCD1}">
+              <a14:hiddenFill xmlns:a14="http://schemas.microsoft.com/office/drawing/2010/main">
+                <a:solidFill>
+                  <a:srgbClr val="FFFFFF"/>
+                </a:solidFill>
+              </a14:hiddenFill>
+            </a:ext>
+          </a:extLst>
+        </p:spPr>
+      </p:pic>
+    </p:spTree>
+    <p:extLst>
+      <p:ext uri="{BB962C8B-B14F-4D97-AF65-F5344CB8AC3E}">
+        <p14:creationId xmlns:p14="http://schemas.microsoft.com/office/powerpoint/2010/main" val="1510919830"/>
+      </p:ext>
+    </p:extLst>
+  </p:cSld>
+  <p:clrMapOvr>
+    <a:masterClrMapping/>
+  </p:clrMapOvr>
+</p:sld>
+</file>
+
+<file path=ppt/slides/slide45.xml><?xml version="1.0" encoding="utf-8"?>
+<p:sld xmlns:a="http://schemas.openxmlformats.org/drawingml/2006/main" xmlns:r="http://schemas.openxmlformats.org/officeDocument/2006/relationships" xmlns:p="http://schemas.openxmlformats.org/presentationml/2006/main">
+  <p:cSld>
+    <p:spTree>
+      <p:nvGrpSpPr>
+        <p:cNvPr id="1" name=""/>
+        <p:cNvGrpSpPr/>
+        <p:nvPr/>
+      </p:nvGrpSpPr>
+      <p:grpSpPr>
+        <a:xfrm>
+          <a:off x="0" y="0"/>
+          <a:ext cx="0" cy="0"/>
+          <a:chOff x="0" y="0"/>
+          <a:chExt cx="0" cy="0"/>
+        </a:xfrm>
+      </p:grpSpPr>
+      <p:sp>
+        <p:nvSpPr>
+          <p:cNvPr id="2" name="Title 1">
+            <a:extLst>
+              <a:ext uri="{FF2B5EF4-FFF2-40B4-BE49-F238E27FC236}">
+                <a16:creationId xmlns:a16="http://schemas.microsoft.com/office/drawing/2014/main" id="{175FBE52-5274-FC4D-BF51-A5E7CE443A98}"/>
+              </a:ext>
+            </a:extLst>
+          </p:cNvPr>
+          <p:cNvSpPr>
+            <a:spLocks noGrp="1"/>
+          </p:cNvSpPr>
+          <p:nvPr>
+            <p:ph type="title"/>
+          </p:nvPr>
+        </p:nvSpPr>
+        <p:spPr/>
+        <p:txBody>
+          <a:bodyPr/>
+          <a:lstStyle/>
+          <a:p>
+            <a:r>
+              <a:rPr lang="en-US" dirty="0"/>
+              <a:t>Boosting Conclusion</a:t>
+            </a:r>
+          </a:p>
+        </p:txBody>
+      </p:sp>
+      <p:sp>
+        <p:nvSpPr>
+          <p:cNvPr id="3" name="Content Placeholder 2">
+            <a:extLst>
+              <a:ext uri="{FF2B5EF4-FFF2-40B4-BE49-F238E27FC236}">
+                <a16:creationId xmlns:a16="http://schemas.microsoft.com/office/drawing/2014/main" id="{D6FD434A-3946-BA43-9CD6-AD729E119DD3}"/>
+              </a:ext>
+            </a:extLst>
+          </p:cNvPr>
+          <p:cNvSpPr>
+            <a:spLocks noGrp="1"/>
+          </p:cNvSpPr>
+          <p:nvPr>
+            <p:ph idx="1"/>
+          </p:nvPr>
+        </p:nvSpPr>
+        <p:spPr>
+          <a:xfrm>
+            <a:off x="1359243" y="1853754"/>
+            <a:ext cx="9786552" cy="4199727"/>
+          </a:xfrm>
+        </p:spPr>
+        <p:txBody>
+          <a:bodyPr/>
+          <a:lstStyle/>
+          <a:p>
+            <a:r>
+              <a:rPr lang="en-US" dirty="0"/>
+              <a:t>Boosting is extremely effective – boosted trees are the best overall models in many cases. </a:t>
+            </a:r>
+          </a:p>
+          <a:p>
+            <a:pPr lvl="1"/>
+            <a:r>
+              <a:rPr lang="en-US" dirty="0"/>
+              <a:t>Weak learners prevent excessive overfitting. </a:t>
+            </a:r>
+          </a:p>
+          <a:p>
+            <a:pPr lvl="1"/>
+            <a:r>
+              <a:rPr lang="en-US" dirty="0"/>
+              <a:t>Multiple learners and weighting allow for good fitting, and not underfitting. </a:t>
+            </a:r>
+          </a:p>
+          <a:p>
+            <a:pPr lvl="1"/>
+            <a:r>
+              <a:rPr lang="en-US" dirty="0" err="1"/>
+              <a:t>XGboost</a:t>
+            </a:r>
+            <a:r>
+              <a:rPr lang="en-US" dirty="0"/>
+              <a:t> (and competitors) incorporate a suite of optimizations to maximize performance. </a:t>
+            </a:r>
+          </a:p>
+          <a:p>
+            <a:pPr lvl="1"/>
+            <a:r>
+              <a:rPr lang="en-US" b="1" dirty="0"/>
+              <a:t>Rule of Thumb:</a:t>
+            </a:r>
+            <a:r>
+              <a:rPr lang="en-US" dirty="0"/>
+              <a:t> Smaller/structured -&gt; </a:t>
+            </a:r>
+            <a:r>
+              <a:rPr lang="en-US" dirty="0" err="1"/>
+              <a:t>xgboost</a:t>
+            </a:r>
+            <a:r>
+              <a:rPr lang="en-US" dirty="0"/>
+              <a:t>/</a:t>
+            </a:r>
+            <a:r>
+              <a:rPr lang="en-US" dirty="0" err="1"/>
+              <a:t>lgbm</a:t>
+            </a:r>
+            <a:r>
+              <a:rPr lang="en-US" dirty="0"/>
+              <a:t>. Larger/unstructured -&gt; neural network. </a:t>
+            </a:r>
+          </a:p>
+          <a:p>
+            <a:r>
+              <a:rPr lang="en-US" dirty="0"/>
+              <a:t>Are less parallelizable, due to sequential calculations, than other models. </a:t>
+            </a:r>
+          </a:p>
+          <a:p>
+            <a:pPr lvl="1"/>
+            <a:r>
+              <a:rPr lang="en-US" dirty="0"/>
+              <a:t>Partially mitigated by </a:t>
+            </a:r>
+            <a:r>
+              <a:rPr lang="en-US" dirty="0" err="1"/>
+              <a:t>xgboost</a:t>
+            </a:r>
+            <a:r>
+              <a:rPr lang="en-US" dirty="0"/>
+              <a:t>/</a:t>
+            </a:r>
+            <a:r>
+              <a:rPr lang="en-US" dirty="0" err="1"/>
+              <a:t>lgbm</a:t>
+            </a:r>
+            <a:r>
+              <a:rPr lang="en-US" dirty="0"/>
+              <a:t>, though limits are inherent to the process. </a:t>
+            </a:r>
+          </a:p>
+          <a:p>
+            <a:r>
+              <a:rPr lang="en-US" dirty="0"/>
+              <a:t>Going forward, the concept for boosting is similar-</a:t>
+            </a:r>
+            <a:r>
+              <a:rPr lang="en-US" dirty="0" err="1"/>
+              <a:t>ish</a:t>
+            </a:r>
+            <a:r>
+              <a:rPr lang="en-US" dirty="0"/>
+              <a:t> in a way to neural networks. </a:t>
+            </a:r>
+          </a:p>
+          <a:p>
+            <a:pPr lvl="1"/>
+            <a:r>
+              <a:rPr lang="en-US" dirty="0"/>
+              <a:t>Each model in boosting expands the capacity of the model to fit data. </a:t>
+            </a:r>
+          </a:p>
+          <a:p>
+            <a:pPr lvl="1"/>
+            <a:r>
+              <a:rPr lang="en-US" dirty="0"/>
+              <a:t>Each layer in a neural network expands the capacity of the model to fit data. </a:t>
+            </a:r>
+          </a:p>
+        </p:txBody>
+      </p:sp>
+    </p:spTree>
+    <p:extLst>
+      <p:ext uri="{BB962C8B-B14F-4D97-AF65-F5344CB8AC3E}">
+        <p14:creationId xmlns:p14="http://schemas.microsoft.com/office/powerpoint/2010/main" val="1515088144"/>
+      </p:ext>
+    </p:extLst>
+  </p:cSld>
+  <p:clrMapOvr>
+    <a:masterClrMapping/>
+  </p:clrMapOvr>
+</p:sld>
+</file>
+
+<file path=ppt/slides/slide5.xml><?xml version="1.0" encoding="utf-8"?>
+<p:sld xmlns:a="http://schemas.openxmlformats.org/drawingml/2006/main" xmlns:r="http://schemas.openxmlformats.org/officeDocument/2006/relationships" xmlns:p="http://schemas.openxmlformats.org/presentationml/2006/main" show="0">
+  <p:cSld>
+    <p:spTree>
+      <p:nvGrpSpPr>
+        <p:cNvPr id="1" name=""/>
+        <p:cNvGrpSpPr/>
+        <p:nvPr/>
+      </p:nvGrpSpPr>
+      <p:grpSpPr>
+        <a:xfrm>
+          <a:off x="0" y="0"/>
+          <a:ext cx="0" cy="0"/>
+          <a:chOff x="0" y="0"/>
+          <a:chExt cx="0" cy="0"/>
+        </a:xfrm>
+      </p:grpSpPr>
+      <p:sp>
+        <p:nvSpPr>
+          <p:cNvPr id="2" name="Title 1">
+            <a:extLst>
+              <a:ext uri="{FF2B5EF4-FFF2-40B4-BE49-F238E27FC236}">
+                <a16:creationId xmlns:a16="http://schemas.microsoft.com/office/drawing/2014/main" id="{F0E7908A-AA25-1F48-D206-A0551F9CB16B}"/>
+              </a:ext>
+            </a:extLst>
+          </p:cNvPr>
+          <p:cNvSpPr>
+            <a:spLocks noGrp="1"/>
+          </p:cNvSpPr>
+          <p:nvPr>
+            <p:ph type="title"/>
+          </p:nvPr>
+        </p:nvSpPr>
+        <p:spPr/>
+        <p:txBody>
+          <a:bodyPr/>
+          <a:lstStyle/>
+          <a:p>
+            <a:r>
+              <a:rPr lang="en-US" dirty="0"/>
+              <a:t>Bagging</a:t>
+            </a:r>
+          </a:p>
+        </p:txBody>
+      </p:sp>
+      <p:sp>
+        <p:nvSpPr>
+          <p:cNvPr id="3" name="Content Placeholder 2">
+            <a:extLst>
+              <a:ext uri="{FF2B5EF4-FFF2-40B4-BE49-F238E27FC236}">
+                <a16:creationId xmlns:a16="http://schemas.microsoft.com/office/drawing/2014/main" id="{037DD2F3-1975-DC6A-DFF4-96793F0DEFA4}"/>
+              </a:ext>
+            </a:extLst>
+          </p:cNvPr>
+          <p:cNvSpPr>
+            <a:spLocks noGrp="1"/>
+          </p:cNvSpPr>
+          <p:nvPr>
+            <p:ph idx="1"/>
+          </p:nvPr>
+        </p:nvSpPr>
+        <p:spPr>
+          <a:xfrm>
+            <a:off x="1451579" y="1853754"/>
+            <a:ext cx="9603275" cy="4199727"/>
+          </a:xfrm>
+        </p:spPr>
+        <p:txBody>
+          <a:bodyPr/>
+          <a:lstStyle/>
+          <a:p>
+            <a:r>
+              <a:rPr lang="en-US" dirty="0"/>
+              <a:t>Several of the same models. </a:t>
+            </a:r>
+          </a:p>
+          <a:p>
+            <a:r>
+              <a:rPr lang="en-US" dirty="0"/>
+              <a:t>All run in parallel. </a:t>
+            </a:r>
+          </a:p>
+          <a:p>
+            <a:r>
+              <a:rPr lang="en-US" dirty="0"/>
+              <a:t>Data is bootstrapped to introduce randomness. </a:t>
+            </a:r>
+          </a:p>
+          <a:p>
+            <a:r>
+              <a:rPr lang="en-US" dirty="0"/>
+              <a:t>‘Winner’ of the most models is the final answer. </a:t>
+            </a:r>
+          </a:p>
+          <a:p>
+            <a:r>
+              <a:rPr lang="en-US" dirty="0"/>
+              <a:t>Results;</a:t>
+            </a:r>
+          </a:p>
+          <a:p>
+            <a:pPr lvl="1"/>
+            <a:r>
+              <a:rPr lang="en-US" dirty="0"/>
+              <a:t>Tends to be better than a tree, particularly with respect to overfitting. </a:t>
+            </a:r>
+          </a:p>
+          <a:p>
+            <a:pPr lvl="1"/>
+            <a:r>
+              <a:rPr lang="en-US" dirty="0"/>
+              <a:t>Each model is independent inside of a forest. </a:t>
+            </a:r>
+          </a:p>
+        </p:txBody>
+      </p:sp>
+    </p:spTree>
+    <p:extLst>
+      <p:ext uri="{BB962C8B-B14F-4D97-AF65-F5344CB8AC3E}">
+        <p14:creationId xmlns:p14="http://schemas.microsoft.com/office/powerpoint/2010/main" val="2363133419"/>
+      </p:ext>
+    </p:extLst>
+  </p:cSld>
+  <p:clrMapOvr>
+    <a:masterClrMapping/>
+  </p:clrMapOvr>
+</p:sld>
+</file>
+
+<file path=ppt/slides/slide6.xml><?xml version="1.0" encoding="utf-8"?>
+<p:sld xmlns:a="http://schemas.openxmlformats.org/drawingml/2006/main" xmlns:r="http://schemas.openxmlformats.org/officeDocument/2006/relationships" xmlns:p="http://schemas.openxmlformats.org/presentationml/2006/main">
+  <p:cSld>
+    <p:spTree>
+      <p:nvGrpSpPr>
+        <p:cNvPr id="1" name=""/>
+        <p:cNvGrpSpPr/>
+        <p:nvPr/>
+      </p:nvGrpSpPr>
+      <p:grpSpPr>
+        <a:xfrm>
+          <a:off x="0" y="0"/>
+          <a:ext cx="0" cy="0"/>
+          <a:chOff x="0" y="0"/>
+          <a:chExt cx="0" cy="0"/>
+        </a:xfrm>
+      </p:grpSpPr>
+      <p:sp>
+        <p:nvSpPr>
+          <p:cNvPr id="2" name="Title 1">
+            <a:extLst>
+              <a:ext uri="{FF2B5EF4-FFF2-40B4-BE49-F238E27FC236}">
                 <a16:creationId xmlns:a16="http://schemas.microsoft.com/office/drawing/2014/main" id="{FD1DE768-77C4-9245-BBBE-EA31F326A084}"/>
               </a:ext>
             </a:extLst>
@@ -9866,7 +10769,7 @@
 </p:sld>
 </file>
 
-<file path=ppt/slides/slide6.xml><?xml version="1.0" encoding="utf-8"?>
+<file path=ppt/slides/slide7.xml><?xml version="1.0" encoding="utf-8"?>
 <p:sld xmlns:a="http://schemas.openxmlformats.org/drawingml/2006/main" xmlns:r="http://schemas.openxmlformats.org/officeDocument/2006/relationships" xmlns:p="http://schemas.openxmlformats.org/presentationml/2006/main">
   <p:cSld>
     <p:spTree>
@@ -9993,7 +10896,134 @@
 </p:sld>
 </file>
 
-<file path=ppt/slides/slide7.xml><?xml version="1.0" encoding="utf-8"?>
+<file path=ppt/slides/slide8.xml><?xml version="1.0" encoding="utf-8"?>
+<p:sld xmlns:a="http://schemas.openxmlformats.org/drawingml/2006/main" xmlns:r="http://schemas.openxmlformats.org/officeDocument/2006/relationships" xmlns:p="http://schemas.openxmlformats.org/presentationml/2006/main">
+  <p:cSld>
+    <p:spTree>
+      <p:nvGrpSpPr>
+        <p:cNvPr id="1" name=""/>
+        <p:cNvGrpSpPr/>
+        <p:nvPr/>
+      </p:nvGrpSpPr>
+      <p:grpSpPr>
+        <a:xfrm>
+          <a:off x="0" y="0"/>
+          <a:ext cx="0" cy="0"/>
+          <a:chOff x="0" y="0"/>
+          <a:chExt cx="0" cy="0"/>
+        </a:xfrm>
+      </p:grpSpPr>
+      <p:sp>
+        <p:nvSpPr>
+          <p:cNvPr id="2" name="Title 1">
+            <a:extLst>
+              <a:ext uri="{FF2B5EF4-FFF2-40B4-BE49-F238E27FC236}">
+                <a16:creationId xmlns:a16="http://schemas.microsoft.com/office/drawing/2014/main" id="{58387AF6-DE09-3523-0DD0-BCE513EAC348}"/>
+              </a:ext>
+            </a:extLst>
+          </p:cNvPr>
+          <p:cNvSpPr>
+            <a:spLocks noGrp="1"/>
+          </p:cNvSpPr>
+          <p:nvPr>
+            <p:ph type="title"/>
+          </p:nvPr>
+        </p:nvSpPr>
+        <p:spPr/>
+        <p:txBody>
+          <a:bodyPr/>
+          <a:lstStyle/>
+          <a:p>
+            <a:endParaRPr lang="en-US"/>
+          </a:p>
+        </p:txBody>
+      </p:sp>
+      <p:sp>
+        <p:nvSpPr>
+          <p:cNvPr id="3" name="Content Placeholder 2">
+            <a:extLst>
+              <a:ext uri="{FF2B5EF4-FFF2-40B4-BE49-F238E27FC236}">
+                <a16:creationId xmlns:a16="http://schemas.microsoft.com/office/drawing/2014/main" id="{F54C2A02-A6D8-F71B-9DF5-477B6464FD1A}"/>
+              </a:ext>
+            </a:extLst>
+          </p:cNvPr>
+          <p:cNvSpPr>
+            <a:spLocks noGrp="1"/>
+          </p:cNvSpPr>
+          <p:nvPr>
+            <p:ph idx="1"/>
+          </p:nvPr>
+        </p:nvSpPr>
+        <p:spPr/>
+        <p:txBody>
+          <a:bodyPr/>
+          <a:lstStyle/>
+          <a:p>
+            <a:endParaRPr lang="en-US"/>
+          </a:p>
+        </p:txBody>
+      </p:sp>
+      <p:pic>
+        <p:nvPicPr>
+          <p:cNvPr id="2050" name="Picture 2" descr="4 Sequential Ensembles: Boosting - Ensemble Methods for Machine Learning">
+            <a:extLst>
+              <a:ext uri="{FF2B5EF4-FFF2-40B4-BE49-F238E27FC236}">
+                <a16:creationId xmlns:a16="http://schemas.microsoft.com/office/drawing/2014/main" id="{4AAE2307-0FA9-3184-30FC-E68B8A899FF0}"/>
+              </a:ext>
+            </a:extLst>
+          </p:cNvPr>
+          <p:cNvPicPr>
+            <a:picLocks noChangeAspect="1" noChangeArrowheads="1"/>
+          </p:cNvPicPr>
+          <p:nvPr/>
+        </p:nvPicPr>
+        <p:blipFill>
+          <a:blip r:embed="rId2">
+            <a:extLst>
+              <a:ext uri="{28A0092B-C50C-407E-A947-70E740481C1C}">
+                <a14:useLocalDpi xmlns:a14="http://schemas.microsoft.com/office/drawing/2010/main" val="0"/>
+              </a:ext>
+            </a:extLst>
+          </a:blip>
+          <a:srcRect/>
+          <a:stretch>
+            <a:fillRect/>
+          </a:stretch>
+        </p:blipFill>
+        <p:spPr bwMode="auto">
+          <a:xfrm>
+            <a:off x="1784350" y="1581150"/>
+            <a:ext cx="8623300" cy="3695700"/>
+          </a:xfrm>
+          <a:prstGeom prst="rect">
+            <a:avLst/>
+          </a:prstGeom>
+          <a:noFill/>
+          <a:extLst>
+            <a:ext uri="{909E8E84-426E-40DD-AFC4-6F175D3DCCD1}">
+              <a14:hiddenFill xmlns:a14="http://schemas.microsoft.com/office/drawing/2010/main">
+                <a:solidFill>
+                  <a:srgbClr val="FFFFFF"/>
+                </a:solidFill>
+              </a14:hiddenFill>
+            </a:ext>
+          </a:extLst>
+        </p:spPr>
+      </p:pic>
+    </p:spTree>
+    <p:extLst>
+      <p:ext uri="{BB962C8B-B14F-4D97-AF65-F5344CB8AC3E}">
+        <p14:creationId xmlns:p14="http://schemas.microsoft.com/office/powerpoint/2010/main" val="1793908203"/>
+      </p:ext>
+    </p:extLst>
+  </p:cSld>
+  <p:clrMapOvr>
+    <a:masterClrMapping/>
+  </p:clrMapOvr>
+</p:sld>
+</file>
+
+<file path=ppt/slides/slide9.xml><?xml version="1.0" encoding="utf-8"?>
 <p:sld xmlns:a="http://schemas.openxmlformats.org/drawingml/2006/main" xmlns:r="http://schemas.openxmlformats.org/officeDocument/2006/relationships" xmlns:p="http://schemas.openxmlformats.org/presentationml/2006/main">
   <p:cSld>
     <p:spTree>
@@ -10187,295 +11217,6 @@
     <p:extLst>
       <p:ext uri="{BB962C8B-B14F-4D97-AF65-F5344CB8AC3E}">
         <p14:creationId xmlns:p14="http://schemas.microsoft.com/office/powerpoint/2010/main" val="3455174501"/>
-      </p:ext>
-    </p:extLst>
-  </p:cSld>
-  <p:clrMapOvr>
-    <a:masterClrMapping/>
-  </p:clrMapOvr>
-</p:sld>
-</file>
-
-<file path=ppt/slides/slide8.xml><?xml version="1.0" encoding="utf-8"?>
-<p:sld xmlns:a="http://schemas.openxmlformats.org/drawingml/2006/main" xmlns:r="http://schemas.openxmlformats.org/officeDocument/2006/relationships" xmlns:p="http://schemas.openxmlformats.org/presentationml/2006/main">
-  <p:cSld>
-    <p:spTree>
-      <p:nvGrpSpPr>
-        <p:cNvPr id="1" name=""/>
-        <p:cNvGrpSpPr/>
-        <p:nvPr/>
-      </p:nvGrpSpPr>
-      <p:grpSpPr>
-        <a:xfrm>
-          <a:off x="0" y="0"/>
-          <a:ext cx="0" cy="0"/>
-          <a:chOff x="0" y="0"/>
-          <a:chExt cx="0" cy="0"/>
-        </a:xfrm>
-      </p:grpSpPr>
-      <p:sp>
-        <p:nvSpPr>
-          <p:cNvPr id="2" name="Title 1">
-            <a:extLst>
-              <a:ext uri="{FF2B5EF4-FFF2-40B4-BE49-F238E27FC236}">
-                <a16:creationId xmlns:a16="http://schemas.microsoft.com/office/drawing/2014/main" id="{2FFC481B-D2BB-A0CC-D911-BB0B8735E5B0}"/>
-              </a:ext>
-            </a:extLst>
-          </p:cNvPr>
-          <p:cNvSpPr>
-            <a:spLocks noGrp="1"/>
-          </p:cNvSpPr>
-          <p:nvPr>
-            <p:ph type="title"/>
-          </p:nvPr>
-        </p:nvSpPr>
-        <p:spPr/>
-        <p:txBody>
-          <a:bodyPr/>
-          <a:lstStyle/>
-          <a:p>
-            <a:r>
-              <a:rPr lang="en-US" dirty="0"/>
-              <a:t>Weak benefits</a:t>
-            </a:r>
-          </a:p>
-        </p:txBody>
-      </p:sp>
-      <p:sp>
-        <p:nvSpPr>
-          <p:cNvPr id="3" name="Content Placeholder 2">
-            <a:extLst>
-              <a:ext uri="{FF2B5EF4-FFF2-40B4-BE49-F238E27FC236}">
-                <a16:creationId xmlns:a16="http://schemas.microsoft.com/office/drawing/2014/main" id="{E16EB559-E81A-3A13-AA68-23DC9A761E51}"/>
-              </a:ext>
-            </a:extLst>
-          </p:cNvPr>
-          <p:cNvSpPr>
-            <a:spLocks noGrp="1"/>
-          </p:cNvSpPr>
-          <p:nvPr>
-            <p:ph idx="1"/>
-          </p:nvPr>
-        </p:nvSpPr>
-        <p:spPr>
-          <a:xfrm>
-            <a:off x="1451579" y="1853754"/>
-            <a:ext cx="9603275" cy="3612591"/>
-          </a:xfrm>
-        </p:spPr>
-        <p:txBody>
-          <a:bodyPr/>
-          <a:lstStyle/>
-          <a:p>
-            <a:r>
-              <a:rPr lang="en-US" dirty="0"/>
-              <a:t>They are fast. </a:t>
-            </a:r>
-          </a:p>
-          <a:p>
-            <a:r>
-              <a:rPr lang="en-US" dirty="0"/>
-              <a:t>They won’t overfit. </a:t>
-            </a:r>
-          </a:p>
-          <a:p>
-            <a:pPr lvl="1"/>
-            <a:r>
-              <a:rPr lang="en-US" dirty="0"/>
-              <a:t>Think of a tree – one with only 2 levels can only make decisions based on a couple of things. It lacks the ability to adapt enough to training data to overfit. </a:t>
-            </a:r>
-          </a:p>
-        </p:txBody>
-      </p:sp>
-      <p:pic>
-        <p:nvPicPr>
-          <p:cNvPr id="4098" name="Picture 2" descr="Lecture 12: Bias Variance Tradeoff">
-            <a:extLst>
-              <a:ext uri="{FF2B5EF4-FFF2-40B4-BE49-F238E27FC236}">
-                <a16:creationId xmlns:a16="http://schemas.microsoft.com/office/drawing/2014/main" id="{26BB8FEC-49E8-363F-5429-E93B66C0F5A1}"/>
-              </a:ext>
-            </a:extLst>
-          </p:cNvPr>
-          <p:cNvPicPr>
-            <a:picLocks noChangeAspect="1" noChangeArrowheads="1"/>
-          </p:cNvPicPr>
-          <p:nvPr/>
-        </p:nvPicPr>
-        <p:blipFill>
-          <a:blip r:embed="rId2">
-            <a:extLst>
-              <a:ext uri="{28A0092B-C50C-407E-A947-70E740481C1C}">
-                <a14:useLocalDpi xmlns:a14="http://schemas.microsoft.com/office/drawing/2010/main" val="0"/>
-              </a:ext>
-            </a:extLst>
-          </a:blip>
-          <a:srcRect/>
-          <a:stretch>
-            <a:fillRect/>
-          </a:stretch>
-        </p:blipFill>
-        <p:spPr bwMode="auto">
-          <a:xfrm>
-            <a:off x="4056479" y="4086687"/>
-            <a:ext cx="4393474" cy="2759316"/>
-          </a:xfrm>
-          <a:prstGeom prst="rect">
-            <a:avLst/>
-          </a:prstGeom>
-          <a:noFill/>
-          <a:extLst>
-            <a:ext uri="{909E8E84-426E-40DD-AFC4-6F175D3DCCD1}">
-              <a14:hiddenFill xmlns:a14="http://schemas.microsoft.com/office/drawing/2010/main">
-                <a:solidFill>
-                  <a:srgbClr val="FFFFFF"/>
-                </a:solidFill>
-              </a14:hiddenFill>
-            </a:ext>
-          </a:extLst>
-        </p:spPr>
-      </p:pic>
-    </p:spTree>
-    <p:extLst>
-      <p:ext uri="{BB962C8B-B14F-4D97-AF65-F5344CB8AC3E}">
-        <p14:creationId xmlns:p14="http://schemas.microsoft.com/office/powerpoint/2010/main" val="3057026416"/>
-      </p:ext>
-    </p:extLst>
-  </p:cSld>
-  <p:clrMapOvr>
-    <a:masterClrMapping/>
-  </p:clrMapOvr>
-</p:sld>
-</file>
-
-<file path=ppt/slides/slide9.xml><?xml version="1.0" encoding="utf-8"?>
-<p:sld xmlns:a="http://schemas.openxmlformats.org/drawingml/2006/main" xmlns:r="http://schemas.openxmlformats.org/officeDocument/2006/relationships" xmlns:p="http://schemas.openxmlformats.org/presentationml/2006/main">
-  <p:cSld>
-    <p:spTree>
-      <p:nvGrpSpPr>
-        <p:cNvPr id="1" name=""/>
-        <p:cNvGrpSpPr/>
-        <p:nvPr/>
-      </p:nvGrpSpPr>
-      <p:grpSpPr>
-        <a:xfrm>
-          <a:off x="0" y="0"/>
-          <a:ext cx="0" cy="0"/>
-          <a:chOff x="0" y="0"/>
-          <a:chExt cx="0" cy="0"/>
-        </a:xfrm>
-      </p:grpSpPr>
-      <p:sp>
-        <p:nvSpPr>
-          <p:cNvPr id="2" name="Title 1">
-            <a:extLst>
-              <a:ext uri="{FF2B5EF4-FFF2-40B4-BE49-F238E27FC236}">
-                <a16:creationId xmlns:a16="http://schemas.microsoft.com/office/drawing/2014/main" id="{43BB6995-CCCC-6041-87EE-F28BC90619EB}"/>
-              </a:ext>
-            </a:extLst>
-          </p:cNvPr>
-          <p:cNvSpPr>
-            <a:spLocks noGrp="1"/>
-          </p:cNvSpPr>
-          <p:nvPr>
-            <p:ph type="title"/>
-          </p:nvPr>
-        </p:nvSpPr>
-        <p:spPr/>
-        <p:txBody>
-          <a:bodyPr/>
-          <a:lstStyle/>
-          <a:p>
-            <a:r>
-              <a:rPr lang="en-US" dirty="0"/>
-              <a:t>From Weak to Strong</a:t>
-            </a:r>
-          </a:p>
-        </p:txBody>
-      </p:sp>
-      <p:sp>
-        <p:nvSpPr>
-          <p:cNvPr id="3" name="Content Placeholder 2">
-            <a:extLst>
-              <a:ext uri="{FF2B5EF4-FFF2-40B4-BE49-F238E27FC236}">
-                <a16:creationId xmlns:a16="http://schemas.microsoft.com/office/drawing/2014/main" id="{0FF87519-AF29-8146-B158-D076F361F1E0}"/>
-              </a:ext>
-            </a:extLst>
-          </p:cNvPr>
-          <p:cNvSpPr>
-            <a:spLocks noGrp="1"/>
-          </p:cNvSpPr>
-          <p:nvPr>
-            <p:ph idx="1"/>
-          </p:nvPr>
-        </p:nvSpPr>
-        <p:spPr>
-          <a:xfrm>
-            <a:off x="1451579" y="1853754"/>
-            <a:ext cx="9603275" cy="4199727"/>
-          </a:xfrm>
-        </p:spPr>
-        <p:txBody>
-          <a:bodyPr>
-            <a:normAutofit fontScale="92500"/>
-          </a:bodyPr>
-          <a:lstStyle/>
-          <a:p>
-            <a:r>
-              <a:rPr lang="en-US" sz="2400" dirty="0"/>
-              <a:t>Boosting algorithms create a strong learner from many weak ones. </a:t>
-            </a:r>
-          </a:p>
-          <a:p>
-            <a:r>
-              <a:rPr lang="en-US" sz="2400" dirty="0"/>
-              <a:t>Each learner contributes a little, subsequent ones focus on the mistakes. </a:t>
-            </a:r>
-          </a:p>
-          <a:p>
-            <a:r>
-              <a:rPr lang="en-US" sz="2400" dirty="0"/>
-              <a:t>Each learner does a slightly different thing, compensating others’ weaknesses. </a:t>
-            </a:r>
-          </a:p>
-          <a:p>
-            <a:pPr lvl="1"/>
-            <a:r>
-              <a:rPr lang="en-US" sz="2200" dirty="0"/>
-              <a:t>One model doesn’t “learn everything”, so they don’t overfit. </a:t>
-            </a:r>
-          </a:p>
-          <a:p>
-            <a:r>
-              <a:rPr lang="en-US" sz="2400" dirty="0"/>
-              <a:t>Boosted models:</a:t>
-            </a:r>
-          </a:p>
-          <a:p>
-            <a:pPr lvl="1"/>
-            <a:r>
-              <a:rPr lang="en-US" sz="2000" dirty="0"/>
-              <a:t>Provide ability to capture variance with many “steps” – i.e. each model. </a:t>
-            </a:r>
-          </a:p>
-          <a:p>
-            <a:pPr lvl="1"/>
-            <a:r>
-              <a:rPr lang="en-US" sz="2000" dirty="0"/>
-              <a:t>Prevent excessive overfitting by having simple models, and targeting current error. </a:t>
-            </a:r>
-          </a:p>
-          <a:p>
-            <a:r>
-              <a:rPr lang="en-US" sz="2400" dirty="0"/>
-              <a:t>New boosted models (within last 10 year or so) are very good. </a:t>
-            </a:r>
-          </a:p>
-        </p:txBody>
-      </p:sp>
-    </p:spTree>
-    <p:extLst>
-      <p:ext uri="{BB962C8B-B14F-4D97-AF65-F5344CB8AC3E}">
-        <p14:creationId xmlns:p14="http://schemas.microsoft.com/office/powerpoint/2010/main" val="2106624626"/>
       </p:ext>
     </p:extLst>
   </p:cSld>
